--- a/docs/20181225_KEECO_ProjectInit.pptx
+++ b/docs/20181225_KEECO_ProjectInit.pptx
@@ -1,11 +1,11 @@
 
 <file path=ppt/presentation.xml><?xml version="1.0" encoding="utf-8"?>
-<p:presentation xmlns:a="http://schemas.openxmlformats.org/drawingml/2006/main" xmlns:r="http://schemas.openxmlformats.org/officeDocument/2006/relationships" xmlns:p="http://schemas.openxmlformats.org/presentationml/2006/main" saveSubsetFonts="1">
+<p:presentation xmlns:a="http://schemas.openxmlformats.org/drawingml/2006/main" xmlns:r="http://schemas.openxmlformats.org/officeDocument/2006/relationships" xmlns:p="http://schemas.openxmlformats.org/presentationml/2006/main" removePersonalInfoOnSave="1" saveSubsetFonts="1">
   <p:sldMasterIdLst>
     <p:sldMasterId id="2147483660" r:id="rId1"/>
   </p:sldMasterIdLst>
   <p:notesMasterIdLst>
-    <p:notesMasterId r:id="rId8"/>
+    <p:notesMasterId r:id="rId9"/>
   </p:notesMasterIdLst>
   <p:sldIdLst>
     <p:sldId id="258" r:id="rId2"/>
@@ -13,7 +13,8 @@
     <p:sldId id="259" r:id="rId4"/>
     <p:sldId id="257" r:id="rId5"/>
     <p:sldId id="262" r:id="rId6"/>
-    <p:sldId id="261" r:id="rId7"/>
+    <p:sldId id="263" r:id="rId7"/>
+    <p:sldId id="261" r:id="rId8"/>
   </p:sldIdLst>
   <p:sldSz cx="12192000" cy="6858000"/>
   <p:notesSz cx="6858000" cy="9144000"/>
@@ -112,6 +113,11 @@
       </a:defRPr>
     </a:lvl9pPr>
   </p:defaultTextStyle>
+  <p:extLst>
+    <p:ext uri="{EFAFB233-063F-42B5-8137-9DF3F51BA10A}">
+      <p15:sldGuideLst xmlns:p15="http://schemas.microsoft.com/office/powerpoint/2012/main"/>
+    </p:ext>
+  </p:extLst>
 </p:presentation>
 </file>
 
@@ -5101,6 +5107,38 @@
             <a:endParaRPr lang="hu-HU" dirty="0"/>
           </a:p>
           <a:p>
+            <a:pPr lvl="1"/>
+            <a:r>
+              <a:rPr lang="hu-HU" dirty="0" err="1"/>
+              <a:t>Abstraction</a:t>
+            </a:r>
+            <a:r>
+              <a:rPr lang="hu-HU" dirty="0"/>
+              <a:t> </a:t>
+            </a:r>
+            <a:r>
+              <a:rPr lang="hu-HU" dirty="0" err="1"/>
+              <a:t>layers</a:t>
+            </a:r>
+            <a:endParaRPr lang="hu-HU" dirty="0"/>
+          </a:p>
+          <a:p>
+            <a:pPr lvl="1"/>
+            <a:r>
+              <a:rPr lang="hu-HU" dirty="0" err="1"/>
+              <a:t>Mainstream</a:t>
+            </a:r>
+            <a:r>
+              <a:rPr lang="hu-HU" dirty="0"/>
+              <a:t> internet </a:t>
+            </a:r>
+            <a:r>
+              <a:rPr lang="hu-HU" dirty="0" err="1"/>
+              <a:t>technologies</a:t>
+            </a:r>
+            <a:endParaRPr lang="hu-HU" dirty="0"/>
+          </a:p>
+          <a:p>
             <a:r>
               <a:rPr lang="hu-HU" dirty="0" err="1"/>
               <a:t>Extensible</a:t>
@@ -6549,6 +6587,81 @@
           </a:fontRef>
         </p:style>
       </p:cxnSp>
+      <p:sp>
+        <p:nvSpPr>
+          <p:cNvPr id="3" name="TextBox 2">
+            <a:extLst>
+              <a:ext uri="{FF2B5EF4-FFF2-40B4-BE49-F238E27FC236}">
+                <a16:creationId xmlns:a16="http://schemas.microsoft.com/office/drawing/2014/main" id="{FA9C2162-2B6D-46F1-860A-5F8F4E9C64B2}"/>
+              </a:ext>
+            </a:extLst>
+          </p:cNvPr>
+          <p:cNvSpPr txBox="1"/>
+          <p:nvPr/>
+        </p:nvSpPr>
+        <p:spPr>
+          <a:xfrm>
+            <a:off x="2738718" y="1548077"/>
+            <a:ext cx="1889748" cy="369332"/>
+          </a:xfrm>
+          <a:prstGeom prst="rect">
+            <a:avLst/>
+          </a:prstGeom>
+          <a:noFill/>
+        </p:spPr>
+        <p:txBody>
+          <a:bodyPr wrap="none" rtlCol="0">
+            <a:spAutoFit/>
+          </a:bodyPr>
+          <a:lstStyle/>
+          <a:p>
+            <a:r>
+              <a:rPr lang="hu-HU" dirty="0"/>
+              <a:t>HTTP/</a:t>
+            </a:r>
+            <a:r>
+              <a:rPr lang="hu-HU" dirty="0" err="1"/>
+              <a:t>WebSockets</a:t>
+            </a:r>
+            <a:endParaRPr lang="hu-HU" dirty="0"/>
+          </a:p>
+        </p:txBody>
+      </p:sp>
+      <p:sp>
+        <p:nvSpPr>
+          <p:cNvPr id="12" name="TextBox 11">
+            <a:extLst>
+              <a:ext uri="{FF2B5EF4-FFF2-40B4-BE49-F238E27FC236}">
+                <a16:creationId xmlns:a16="http://schemas.microsoft.com/office/drawing/2014/main" id="{3ADE4775-19D0-4567-B33A-A763440E4920}"/>
+              </a:ext>
+            </a:extLst>
+          </p:cNvPr>
+          <p:cNvSpPr txBox="1"/>
+          <p:nvPr/>
+        </p:nvSpPr>
+        <p:spPr>
+          <a:xfrm>
+            <a:off x="7541670" y="1548077"/>
+            <a:ext cx="675121" cy="369332"/>
+          </a:xfrm>
+          <a:prstGeom prst="rect">
+            <a:avLst/>
+          </a:prstGeom>
+          <a:noFill/>
+        </p:spPr>
+        <p:txBody>
+          <a:bodyPr wrap="none" rtlCol="0">
+            <a:spAutoFit/>
+          </a:bodyPr>
+          <a:lstStyle/>
+          <a:p>
+            <a:r>
+              <a:rPr lang="hu-HU" dirty="0"/>
+              <a:t>HTTP</a:t>
+            </a:r>
+          </a:p>
+        </p:txBody>
+      </p:sp>
     </p:spTree>
     <p:extLst>
       <p:ext uri="{BB962C8B-B14F-4D97-AF65-F5344CB8AC3E}">
@@ -6608,26 +6721,26 @@
           <a:lstStyle/>
           <a:p>
             <a:r>
-              <a:rPr lang="hu-HU" sz="1400" dirty="0" err="1"/>
+              <a:rPr lang="hu-HU" sz="1400" b="1" dirty="0" err="1"/>
               <a:t>Initial</a:t>
             </a:r>
             <a:r>
-              <a:rPr lang="hu-HU" sz="1400" dirty="0"/>
-              <a:t> </a:t>
-            </a:r>
-            <a:r>
-              <a:rPr lang="hu-HU" sz="1400" dirty="0" err="1"/>
+              <a:rPr lang="hu-HU" sz="1400" b="1" dirty="0"/>
+              <a:t> </a:t>
+            </a:r>
+            <a:r>
+              <a:rPr lang="hu-HU" sz="1400" b="1" dirty="0" err="1"/>
               <a:t>Node</a:t>
             </a:r>
             <a:r>
-              <a:rPr lang="hu-HU" sz="1400" dirty="0"/>
-              <a:t> </a:t>
-            </a:r>
-            <a:r>
-              <a:rPr lang="hu-HU" sz="1400" dirty="0" err="1"/>
+              <a:rPr lang="hu-HU" sz="1400" b="1" dirty="0"/>
+              <a:t> </a:t>
+            </a:r>
+            <a:r>
+              <a:rPr lang="hu-HU" sz="1400" b="1" dirty="0" err="1"/>
               <a:t>Setup</a:t>
             </a:r>
-            <a:endParaRPr lang="hu-HU" sz="1400" dirty="0"/>
+            <a:endParaRPr lang="hu-HU" sz="1400" b="1" dirty="0"/>
           </a:p>
           <a:p>
             <a:pPr lvl="1"/>
@@ -7006,18 +7119,18 @@
           </a:p>
           <a:p>
             <a:r>
-              <a:rPr lang="hu-HU" sz="1400" dirty="0" err="1"/>
+              <a:rPr lang="hu-HU" sz="1400" b="1" dirty="0" err="1"/>
               <a:t>On</a:t>
             </a:r>
             <a:r>
-              <a:rPr lang="hu-HU" sz="1400" dirty="0"/>
-              <a:t> </a:t>
-            </a:r>
-            <a:r>
-              <a:rPr lang="hu-HU" sz="1400" dirty="0" err="1"/>
+              <a:rPr lang="hu-HU" sz="1400" b="1" dirty="0"/>
+              <a:t> </a:t>
+            </a:r>
+            <a:r>
+              <a:rPr lang="hu-HU" sz="1400" b="1" dirty="0" err="1"/>
               <a:t>Connection</a:t>
             </a:r>
-            <a:endParaRPr lang="hu-HU" sz="1400" dirty="0"/>
+            <a:endParaRPr lang="hu-HU" sz="1400" b="1" dirty="0"/>
           </a:p>
           <a:p>
             <a:pPr lvl="1"/>
@@ -7246,10 +7359,10 @@
           </a:p>
           <a:p>
             <a:r>
-              <a:rPr lang="hu-HU" sz="1400" dirty="0" err="1"/>
+              <a:rPr lang="hu-HU" sz="1400" b="1" dirty="0" err="1"/>
               <a:t>Connected</a:t>
             </a:r>
-            <a:endParaRPr lang="hu-HU" sz="1400" dirty="0"/>
+            <a:endParaRPr lang="hu-HU" sz="1400" b="1" dirty="0"/>
           </a:p>
           <a:p>
             <a:pPr lvl="1"/>
@@ -7376,10 +7489,10 @@
           </a:p>
           <a:p>
             <a:r>
-              <a:rPr lang="hu-HU" sz="1400" dirty="0" err="1"/>
+              <a:rPr lang="hu-HU" sz="1400" b="1" dirty="0" err="1"/>
               <a:t>Disconnected</a:t>
             </a:r>
-            <a:endParaRPr lang="hu-HU" sz="1400" dirty="0"/>
+            <a:endParaRPr lang="hu-HU" sz="1400" b="1" dirty="0"/>
           </a:p>
           <a:p>
             <a:pPr lvl="1"/>
@@ -7472,6 +7585,39 @@
               <a:t>timeout</a:t>
             </a:r>
             <a:endParaRPr lang="hu-HU" sz="1000" dirty="0"/>
+          </a:p>
+          <a:p>
+            <a:r>
+              <a:rPr lang="hu-HU" sz="1400" b="1" dirty="0"/>
+              <a:t>WebServer</a:t>
+            </a:r>
+          </a:p>
+          <a:p>
+            <a:pPr lvl="1"/>
+            <a:r>
+              <a:rPr lang="hu-HU" sz="1000" dirty="0" err="1"/>
+              <a:t>For</a:t>
+            </a:r>
+            <a:r>
+              <a:rPr lang="hu-HU" sz="1000" dirty="0"/>
+              <a:t> </a:t>
+            </a:r>
+            <a:r>
+              <a:rPr lang="hu-HU" sz="1000" dirty="0" err="1"/>
+              <a:t>Direct</a:t>
+            </a:r>
+            <a:r>
+              <a:rPr lang="hu-HU" sz="1000" dirty="0"/>
+              <a:t> Access </a:t>
+            </a:r>
+            <a:r>
+              <a:rPr lang="hu-HU" sz="1000" dirty="0" err="1"/>
+              <a:t>simplified</a:t>
+            </a:r>
+            <a:r>
+              <a:rPr lang="hu-HU" sz="1000" dirty="0"/>
+              <a:t> GUI</a:t>
+            </a:r>
           </a:p>
         </p:txBody>
       </p:sp>
@@ -7942,8 +8088,8 @@
         </p:nvSpPr>
         <p:spPr>
           <a:xfrm>
-            <a:off x="663236" y="797116"/>
-            <a:ext cx="3204087" cy="5028876"/>
+            <a:off x="663236" y="797115"/>
+            <a:ext cx="3204087" cy="5293291"/>
           </a:xfrm>
           <a:prstGeom prst="rect">
             <a:avLst/>
@@ -7990,7 +8136,15 @@
           <a:p>
             <a:r>
               <a:rPr lang="hu-HU" b="1" dirty="0" err="1"/>
-              <a:t>Personalities</a:t>
+              <a:t>Personality</a:t>
+            </a:r>
+            <a:r>
+              <a:rPr lang="hu-HU" b="1" dirty="0"/>
+              <a:t> </a:t>
+            </a:r>
+            <a:r>
+              <a:rPr lang="hu-HU" b="1" dirty="0" err="1"/>
+              <a:t>Classes</a:t>
             </a:r>
             <a:r>
               <a:rPr lang="hu-HU" b="1" dirty="0"/>
@@ -8185,6 +8339,20 @@
               <a:t>Extension</a:t>
             </a:r>
             <a:endParaRPr lang="hu-HU" dirty="0"/>
+          </a:p>
+          <a:p>
+            <a:pPr marL="285750" indent="-285750">
+              <a:buFont typeface="Arial" panose="020B0604020202020204" pitchFamily="34" charset="0"/>
+              <a:buChar char="•"/>
+            </a:pPr>
+            <a:r>
+              <a:rPr lang="hu-HU" dirty="0" err="1"/>
+              <a:t>Simple</a:t>
+            </a:r>
+            <a:r>
+              <a:rPr lang="hu-HU" dirty="0"/>
+              <a:t> WebServer</a:t>
+            </a:r>
           </a:p>
           <a:p>
             <a:r>
@@ -8342,10 +8510,10 @@
       </p:grpSpPr>
       <p:sp>
         <p:nvSpPr>
-          <p:cNvPr id="2" name="Title 1">
+          <p:cNvPr id="8" name="Content Placeholder 7">
             <a:extLst>
               <a:ext uri="{FF2B5EF4-FFF2-40B4-BE49-F238E27FC236}">
-                <a16:creationId xmlns:a16="http://schemas.microsoft.com/office/drawing/2014/main" id="{CD4C716C-2B2C-4293-8B5D-99FD4AC22EB3}"/>
+                <a16:creationId xmlns:a16="http://schemas.microsoft.com/office/drawing/2014/main" id="{CC8EC260-C721-464F-BEB4-28E18C8C948F}"/>
               </a:ext>
             </a:extLst>
           </p:cNvPr>
@@ -8353,68 +8521,1001 @@
             <a:spLocks noGrp="1"/>
           </p:cNvSpPr>
           <p:nvPr>
-            <p:ph type="title"/>
+            <p:ph sz="half" idx="2"/>
           </p:nvPr>
         </p:nvSpPr>
         <p:spPr>
           <a:xfrm>
-            <a:off x="0" y="1"/>
-            <a:ext cx="12192000" cy="557868"/>
+            <a:off x="4018327" y="645952"/>
+            <a:ext cx="8045042" cy="5531011"/>
           </a:xfrm>
         </p:spPr>
         <p:txBody>
           <a:bodyPr>
-            <a:normAutofit fontScale="90000"/>
+            <a:normAutofit/>
           </a:bodyPr>
           <a:lstStyle/>
           <a:p>
             <a:r>
-              <a:rPr lang="hu-HU" dirty="0"/>
-              <a:t>System </a:t>
-            </a:r>
-            <a:r>
-              <a:rPr lang="hu-HU" dirty="0" err="1"/>
-              <a:t>Elements</a:t>
-            </a:r>
-            <a:r>
-              <a:rPr lang="hu-HU" dirty="0"/>
-              <a:t> - </a:t>
-            </a:r>
-            <a:r>
-              <a:rPr lang="hu-HU" dirty="0" err="1"/>
-              <a:t>Detailed</a:t>
-            </a:r>
-            <a:endParaRPr lang="hu-HU" dirty="0"/>
-          </a:p>
-        </p:txBody>
-      </p:sp>
-      <p:sp>
-        <p:nvSpPr>
-          <p:cNvPr id="3" name="Content Placeholder 2">
-            <a:extLst>
-              <a:ext uri="{FF2B5EF4-FFF2-40B4-BE49-F238E27FC236}">
-                <a16:creationId xmlns:a16="http://schemas.microsoft.com/office/drawing/2014/main" id="{0124F4B6-4110-4ED1-90B8-E24C81F5CF3E}"/>
-              </a:ext>
-            </a:extLst>
-          </p:cNvPr>
-          <p:cNvSpPr>
-            <a:spLocks noGrp="1"/>
-          </p:cNvSpPr>
-          <p:nvPr>
-            <p:ph idx="1"/>
-          </p:nvPr>
-        </p:nvSpPr>
-        <p:spPr>
-          <a:xfrm>
-            <a:off x="0" y="822121"/>
-            <a:ext cx="12192000" cy="5354842"/>
-          </a:xfrm>
-        </p:spPr>
-        <p:txBody>
-          <a:bodyPr/>
-          <a:lstStyle/>
-          <a:p>
-            <a:endParaRPr lang="hu-HU" dirty="0"/>
+              <a:rPr lang="hu-HU" sz="1400" b="1" dirty="0"/>
+              <a:t>Server </a:t>
+            </a:r>
+            <a:r>
+              <a:rPr lang="hu-HU" sz="1400" b="1" dirty="0" err="1"/>
+              <a:t>DataBase</a:t>
+            </a:r>
+            <a:endParaRPr lang="hu-HU" sz="1400" b="1" dirty="0"/>
+          </a:p>
+          <a:p>
+            <a:pPr lvl="1"/>
+            <a:r>
+              <a:rPr lang="hu-HU" sz="1000" dirty="0"/>
+              <a:t>SQL </a:t>
+            </a:r>
+            <a:r>
+              <a:rPr lang="hu-HU" sz="1000" dirty="0" err="1"/>
+              <a:t>DataBase</a:t>
+            </a:r>
+            <a:r>
+              <a:rPr lang="hu-HU" sz="1000" dirty="0"/>
+              <a:t> </a:t>
+            </a:r>
+            <a:r>
+              <a:rPr lang="hu-HU" sz="1000" dirty="0" err="1"/>
+              <a:t>to</a:t>
+            </a:r>
+            <a:r>
+              <a:rPr lang="hu-HU" sz="1000" dirty="0"/>
+              <a:t> </a:t>
+            </a:r>
+            <a:r>
+              <a:rPr lang="hu-HU" sz="1000" dirty="0" err="1"/>
+              <a:t>store</a:t>
+            </a:r>
+            <a:r>
+              <a:rPr lang="hu-HU" sz="1000" dirty="0"/>
+              <a:t> Input/Output Data </a:t>
+            </a:r>
+          </a:p>
+          <a:p>
+            <a:pPr lvl="1"/>
+            <a:r>
+              <a:rPr lang="hu-HU" sz="1000" dirty="0" err="1"/>
+              <a:t>User</a:t>
+            </a:r>
+            <a:r>
+              <a:rPr lang="hu-HU" sz="1000" dirty="0"/>
+              <a:t> </a:t>
+            </a:r>
+            <a:r>
+              <a:rPr lang="hu-HU" sz="1000" dirty="0" err="1"/>
+              <a:t>Authentication</a:t>
+            </a:r>
+            <a:r>
+              <a:rPr lang="hu-HU" sz="1000" dirty="0"/>
+              <a:t> </a:t>
+            </a:r>
+            <a:r>
+              <a:rPr lang="hu-HU" sz="1000" dirty="0" err="1"/>
+              <a:t>actions</a:t>
+            </a:r>
+            <a:endParaRPr lang="hu-HU" sz="1000" dirty="0"/>
+          </a:p>
+          <a:p>
+            <a:pPr lvl="1"/>
+            <a:r>
+              <a:rPr lang="hu-HU" sz="1000" dirty="0" err="1"/>
+              <a:t>Node</a:t>
+            </a:r>
+            <a:r>
+              <a:rPr lang="hu-HU" sz="1000" dirty="0"/>
+              <a:t> </a:t>
+            </a:r>
+            <a:r>
+              <a:rPr lang="hu-HU" sz="1000" dirty="0" err="1"/>
+              <a:t>list</a:t>
+            </a:r>
+            <a:r>
+              <a:rPr lang="hu-HU" sz="1000" dirty="0"/>
+              <a:t> and </a:t>
+            </a:r>
+            <a:r>
+              <a:rPr lang="hu-HU" sz="1000" dirty="0" err="1"/>
+              <a:t>capabilities</a:t>
+            </a:r>
+            <a:endParaRPr lang="hu-HU" sz="1000" dirty="0"/>
+          </a:p>
+          <a:p>
+            <a:pPr lvl="1"/>
+            <a:r>
+              <a:rPr lang="hu-HU" sz="1000" dirty="0" err="1"/>
+              <a:t>Can</a:t>
+            </a:r>
+            <a:r>
+              <a:rPr lang="hu-HU" sz="1000" dirty="0"/>
+              <a:t> be </a:t>
+            </a:r>
+            <a:r>
+              <a:rPr lang="hu-HU" sz="1000" dirty="0" err="1"/>
+              <a:t>accessed</a:t>
+            </a:r>
+            <a:r>
+              <a:rPr lang="hu-HU" sz="1000" dirty="0"/>
+              <a:t> </a:t>
+            </a:r>
+            <a:r>
+              <a:rPr lang="hu-HU" sz="1000" dirty="0" err="1"/>
+              <a:t>by</a:t>
+            </a:r>
+            <a:r>
+              <a:rPr lang="hu-HU" sz="1000" dirty="0"/>
+              <a:t> </a:t>
+            </a:r>
+            <a:r>
+              <a:rPr lang="hu-HU" sz="1000" dirty="0" err="1"/>
+              <a:t>both</a:t>
+            </a:r>
+            <a:r>
+              <a:rPr lang="hu-HU" sz="1000" dirty="0"/>
+              <a:t> </a:t>
+            </a:r>
+            <a:r>
+              <a:rPr lang="hu-HU" sz="1000" dirty="0" err="1"/>
+              <a:t>the</a:t>
+            </a:r>
+            <a:r>
+              <a:rPr lang="hu-HU" sz="1000" dirty="0"/>
+              <a:t> </a:t>
+            </a:r>
+            <a:r>
+              <a:rPr lang="hu-HU" sz="1000" dirty="0" err="1"/>
+              <a:t>Automation</a:t>
+            </a:r>
+            <a:r>
+              <a:rPr lang="hu-HU" sz="1000" dirty="0"/>
+              <a:t> Server and WebServer (</a:t>
+            </a:r>
+            <a:r>
+              <a:rPr lang="hu-HU" sz="1000" dirty="0" err="1"/>
+              <a:t>read-only</a:t>
+            </a:r>
+            <a:r>
+              <a:rPr lang="hu-HU" sz="1000" dirty="0"/>
+              <a:t>, performance </a:t>
+            </a:r>
+            <a:r>
+              <a:rPr lang="hu-HU" sz="1000" dirty="0" err="1"/>
+              <a:t>reasons</a:t>
+            </a:r>
+            <a:r>
+              <a:rPr lang="hu-HU" sz="1000" dirty="0"/>
+              <a:t> and </a:t>
+            </a:r>
+            <a:r>
+              <a:rPr lang="hu-HU" sz="1000" dirty="0" err="1"/>
+              <a:t>extendibility</a:t>
+            </a:r>
+            <a:r>
+              <a:rPr lang="hu-HU" sz="1000" dirty="0"/>
+              <a:t>)</a:t>
+            </a:r>
+          </a:p>
+          <a:p>
+            <a:r>
+              <a:rPr lang="hu-HU" sz="1400" b="1" dirty="0" err="1"/>
+              <a:t>Automation</a:t>
+            </a:r>
+            <a:r>
+              <a:rPr lang="hu-HU" sz="1400" b="1" dirty="0"/>
+              <a:t> Server</a:t>
+            </a:r>
+          </a:p>
+          <a:p>
+            <a:pPr lvl="1"/>
+            <a:r>
+              <a:rPr lang="hu-HU" sz="1000" dirty="0"/>
+              <a:t>Has no </a:t>
+            </a:r>
+            <a:r>
+              <a:rPr lang="hu-HU" sz="1000" dirty="0" err="1"/>
+              <a:t>built</a:t>
+            </a:r>
+            <a:r>
+              <a:rPr lang="hu-HU" sz="1000" dirty="0"/>
+              <a:t>-in GUI. </a:t>
+            </a:r>
+            <a:r>
+              <a:rPr lang="hu-HU" sz="1000" dirty="0" err="1"/>
+              <a:t>Communicates</a:t>
+            </a:r>
+            <a:r>
+              <a:rPr lang="hu-HU" sz="1000" dirty="0"/>
+              <a:t> </a:t>
+            </a:r>
+            <a:r>
+              <a:rPr lang="hu-HU" sz="1000" dirty="0" err="1"/>
+              <a:t>with</a:t>
+            </a:r>
+            <a:r>
+              <a:rPr lang="hu-HU" sz="1000" dirty="0"/>
+              <a:t> </a:t>
+            </a:r>
+            <a:r>
+              <a:rPr lang="hu-HU" sz="1000" dirty="0" err="1"/>
+              <a:t>the</a:t>
+            </a:r>
+            <a:r>
+              <a:rPr lang="hu-HU" sz="1000" dirty="0"/>
+              <a:t> WebServer </a:t>
+            </a:r>
+            <a:r>
+              <a:rPr lang="hu-HU" sz="1000" dirty="0" err="1"/>
+              <a:t>via</a:t>
+            </a:r>
+            <a:r>
+              <a:rPr lang="hu-HU" sz="1000" dirty="0"/>
+              <a:t> </a:t>
+            </a:r>
+            <a:r>
+              <a:rPr lang="hu-HU" sz="1000" dirty="0" err="1"/>
+              <a:t>WebSockets</a:t>
+            </a:r>
+            <a:r>
+              <a:rPr lang="hu-HU" sz="1000" dirty="0"/>
+              <a:t> </a:t>
+            </a:r>
+            <a:r>
+              <a:rPr lang="hu-HU" sz="1000" dirty="0" err="1"/>
+              <a:t>to</a:t>
+            </a:r>
+            <a:r>
+              <a:rPr lang="hu-HU" sz="1000" dirty="0"/>
+              <a:t> </a:t>
+            </a:r>
+            <a:r>
+              <a:rPr lang="hu-HU" sz="1000" dirty="0" err="1"/>
+              <a:t>provide</a:t>
+            </a:r>
+            <a:r>
+              <a:rPr lang="hu-HU" sz="1000" dirty="0"/>
+              <a:t> web-</a:t>
+            </a:r>
+            <a:r>
+              <a:rPr lang="hu-HU" sz="1000" dirty="0" err="1"/>
+              <a:t>based</a:t>
+            </a:r>
+            <a:r>
+              <a:rPr lang="hu-HU" sz="1000" dirty="0"/>
+              <a:t> GUI.</a:t>
+            </a:r>
+          </a:p>
+          <a:p>
+            <a:pPr lvl="1"/>
+            <a:r>
+              <a:rPr lang="hu-HU" sz="1000" dirty="0" err="1"/>
+              <a:t>Can</a:t>
+            </a:r>
+            <a:r>
+              <a:rPr lang="hu-HU" sz="1000" dirty="0"/>
+              <a:t> </a:t>
+            </a:r>
+            <a:r>
+              <a:rPr lang="hu-HU" sz="1000" dirty="0" err="1"/>
+              <a:t>merge</a:t>
+            </a:r>
+            <a:r>
+              <a:rPr lang="hu-HU" sz="1000" dirty="0"/>
+              <a:t> </a:t>
+            </a:r>
+            <a:r>
+              <a:rPr lang="hu-HU" sz="1000" dirty="0" err="1"/>
+              <a:t>Arduino</a:t>
+            </a:r>
+            <a:r>
+              <a:rPr lang="hu-HU" sz="1000" dirty="0"/>
+              <a:t> </a:t>
+            </a:r>
+            <a:r>
+              <a:rPr lang="hu-HU" sz="1000" dirty="0" err="1"/>
+              <a:t>code</a:t>
+            </a:r>
+            <a:r>
+              <a:rPr lang="hu-HU" sz="1000" dirty="0"/>
+              <a:t> </a:t>
+            </a:r>
+            <a:r>
+              <a:rPr lang="hu-HU" sz="1000" dirty="0" err="1"/>
+              <a:t>templates</a:t>
+            </a:r>
+            <a:r>
+              <a:rPr lang="hu-HU" sz="1000" dirty="0"/>
+              <a:t> and </a:t>
+            </a:r>
+            <a:r>
+              <a:rPr lang="hu-HU" sz="1000" dirty="0" err="1"/>
+              <a:t>can</a:t>
+            </a:r>
+            <a:r>
+              <a:rPr lang="hu-HU" sz="1000" dirty="0"/>
+              <a:t> </a:t>
+            </a:r>
+            <a:r>
+              <a:rPr lang="hu-HU" sz="1000" dirty="0" err="1"/>
+              <a:t>communicate</a:t>
+            </a:r>
+            <a:r>
+              <a:rPr lang="hu-HU" sz="1000" dirty="0"/>
+              <a:t> </a:t>
+            </a:r>
+            <a:r>
+              <a:rPr lang="hu-HU" sz="1000" dirty="0" err="1"/>
+              <a:t>with</a:t>
+            </a:r>
+            <a:r>
+              <a:rPr lang="hu-HU" sz="1000" dirty="0"/>
+              <a:t> </a:t>
+            </a:r>
+            <a:r>
+              <a:rPr lang="hu-HU" sz="1000" dirty="0" err="1"/>
+              <a:t>Arduino</a:t>
+            </a:r>
+            <a:r>
+              <a:rPr lang="hu-HU" sz="1000" dirty="0"/>
+              <a:t> IDE CLI </a:t>
+            </a:r>
+            <a:r>
+              <a:rPr lang="hu-HU" sz="1000" dirty="0" err="1"/>
+              <a:t>installed</a:t>
+            </a:r>
+            <a:r>
+              <a:rPr lang="hu-HU" sz="1000" dirty="0"/>
+              <a:t> </a:t>
+            </a:r>
+            <a:r>
+              <a:rPr lang="hu-HU" sz="1000" dirty="0" err="1"/>
+              <a:t>on</a:t>
+            </a:r>
+            <a:r>
+              <a:rPr lang="hu-HU" sz="1000" dirty="0"/>
+              <a:t> </a:t>
+            </a:r>
+            <a:r>
+              <a:rPr lang="hu-HU" sz="1000" dirty="0" err="1"/>
+              <a:t>Raspberry</a:t>
+            </a:r>
+            <a:r>
+              <a:rPr lang="hu-HU" sz="1000" dirty="0"/>
+              <a:t> </a:t>
+            </a:r>
+            <a:r>
+              <a:rPr lang="hu-HU" sz="1000" dirty="0" err="1"/>
+              <a:t>or</a:t>
+            </a:r>
+            <a:r>
+              <a:rPr lang="hu-HU" sz="1000" dirty="0"/>
+              <a:t> PC </a:t>
+            </a:r>
+            <a:r>
+              <a:rPr lang="hu-HU" sz="1000" dirty="0" err="1"/>
+              <a:t>to</a:t>
+            </a:r>
+            <a:r>
+              <a:rPr lang="hu-HU" sz="1000" dirty="0"/>
+              <a:t> </a:t>
+            </a:r>
+            <a:r>
+              <a:rPr lang="hu-HU" sz="1000" dirty="0" err="1"/>
+              <a:t>build</a:t>
+            </a:r>
+            <a:r>
+              <a:rPr lang="hu-HU" sz="1000" dirty="0"/>
+              <a:t> and </a:t>
+            </a:r>
+            <a:r>
+              <a:rPr lang="hu-HU" sz="1000" dirty="0" err="1"/>
+              <a:t>deploy</a:t>
+            </a:r>
+            <a:r>
+              <a:rPr lang="hu-HU" sz="1000" dirty="0"/>
+              <a:t> </a:t>
+            </a:r>
+            <a:r>
+              <a:rPr lang="hu-HU" sz="1000" dirty="0" err="1"/>
+              <a:t>applications</a:t>
+            </a:r>
+            <a:r>
+              <a:rPr lang="hu-HU" sz="1000" dirty="0"/>
+              <a:t> </a:t>
+            </a:r>
+            <a:r>
+              <a:rPr lang="hu-HU" sz="1000" dirty="0" err="1"/>
+              <a:t>to</a:t>
+            </a:r>
+            <a:r>
+              <a:rPr lang="hu-HU" sz="1000" dirty="0"/>
+              <a:t> </a:t>
+            </a:r>
+            <a:r>
+              <a:rPr lang="hu-HU" sz="1000" dirty="0" err="1"/>
+              <a:t>Nodes</a:t>
+            </a:r>
+            <a:endParaRPr lang="hu-HU" sz="1000" dirty="0"/>
+          </a:p>
+          <a:p>
+            <a:pPr lvl="1"/>
+            <a:r>
+              <a:rPr lang="hu-HU" sz="1000" dirty="0" err="1"/>
+              <a:t>Maintains</a:t>
+            </a:r>
+            <a:r>
+              <a:rPr lang="hu-HU" sz="1000" dirty="0"/>
+              <a:t> a </a:t>
+            </a:r>
+            <a:r>
+              <a:rPr lang="hu-HU" sz="1000" dirty="0" err="1"/>
+              <a:t>database</a:t>
+            </a:r>
+            <a:r>
+              <a:rPr lang="hu-HU" sz="1000" dirty="0"/>
+              <a:t> of </a:t>
+            </a:r>
+            <a:r>
+              <a:rPr lang="hu-HU" sz="1000" dirty="0" err="1"/>
+              <a:t>Nodes</a:t>
+            </a:r>
+            <a:r>
+              <a:rPr lang="hu-HU" sz="1000" dirty="0"/>
+              <a:t> and </a:t>
+            </a:r>
+            <a:r>
+              <a:rPr lang="hu-HU" sz="1000" dirty="0" err="1"/>
+              <a:t>their</a:t>
+            </a:r>
+            <a:r>
+              <a:rPr lang="hu-HU" sz="1000" dirty="0"/>
+              <a:t> </a:t>
+            </a:r>
+            <a:r>
+              <a:rPr lang="hu-HU" sz="1000" dirty="0" err="1"/>
+              <a:t>personalities</a:t>
+            </a:r>
+            <a:r>
+              <a:rPr lang="hu-HU" sz="1000" dirty="0"/>
+              <a:t> </a:t>
+            </a:r>
+            <a:r>
+              <a:rPr lang="hu-HU" sz="1000" dirty="0" err="1"/>
+              <a:t>based</a:t>
+            </a:r>
+            <a:r>
+              <a:rPr lang="hu-HU" sz="1000" dirty="0"/>
+              <a:t> in </a:t>
+            </a:r>
+            <a:r>
+              <a:rPr lang="hu-HU" sz="1000" dirty="0" err="1"/>
+              <a:t>user</a:t>
+            </a:r>
+            <a:r>
+              <a:rPr lang="hu-HU" sz="1000" dirty="0"/>
+              <a:t> </a:t>
+            </a:r>
+            <a:r>
+              <a:rPr lang="hu-HU" sz="1000" dirty="0" err="1"/>
+              <a:t>configuration</a:t>
+            </a:r>
+            <a:endParaRPr lang="hu-HU" sz="1000" dirty="0"/>
+          </a:p>
+          <a:p>
+            <a:pPr lvl="1"/>
+            <a:r>
+              <a:rPr lang="hu-HU" sz="1000" dirty="0" err="1"/>
+              <a:t>Handles</a:t>
+            </a:r>
+            <a:r>
+              <a:rPr lang="hu-HU" sz="1000" dirty="0"/>
+              <a:t> </a:t>
+            </a:r>
+            <a:r>
+              <a:rPr lang="hu-HU" sz="1000" dirty="0" err="1"/>
+              <a:t>WebSocket</a:t>
+            </a:r>
+            <a:r>
+              <a:rPr lang="hu-HU" sz="1000" dirty="0"/>
+              <a:t> </a:t>
+            </a:r>
+            <a:r>
+              <a:rPr lang="hu-HU" sz="1000" dirty="0" err="1"/>
+              <a:t>connections</a:t>
+            </a:r>
+            <a:r>
+              <a:rPr lang="hu-HU" sz="1000" dirty="0"/>
+              <a:t> </a:t>
+            </a:r>
+            <a:r>
+              <a:rPr lang="hu-HU" sz="1000" dirty="0" err="1"/>
+              <a:t>to</a:t>
+            </a:r>
+            <a:r>
+              <a:rPr lang="hu-HU" sz="1000" dirty="0"/>
+              <a:t> </a:t>
+            </a:r>
+            <a:r>
+              <a:rPr lang="hu-HU" sz="1000" dirty="0" err="1"/>
+              <a:t>Nodes</a:t>
+            </a:r>
+            <a:endParaRPr lang="hu-HU" sz="1000" dirty="0"/>
+          </a:p>
+          <a:p>
+            <a:pPr lvl="1"/>
+            <a:r>
+              <a:rPr lang="hu-HU" sz="1000" dirty="0" err="1"/>
+              <a:t>Handles</a:t>
+            </a:r>
+            <a:r>
+              <a:rPr lang="hu-HU" sz="1000" dirty="0"/>
+              <a:t> </a:t>
+            </a:r>
+            <a:r>
+              <a:rPr lang="hu-HU" sz="1000" dirty="0" err="1"/>
+              <a:t>WebSocket</a:t>
+            </a:r>
+            <a:r>
+              <a:rPr lang="hu-HU" sz="1000" dirty="0"/>
+              <a:t> </a:t>
+            </a:r>
+            <a:r>
+              <a:rPr lang="hu-HU" sz="1000" dirty="0" err="1"/>
+              <a:t>connections</a:t>
+            </a:r>
+            <a:r>
+              <a:rPr lang="hu-HU" sz="1000" dirty="0"/>
+              <a:t> </a:t>
+            </a:r>
+            <a:r>
+              <a:rPr lang="hu-HU" sz="1000" dirty="0" err="1"/>
+              <a:t>to</a:t>
+            </a:r>
+            <a:r>
+              <a:rPr lang="hu-HU" sz="1000" dirty="0"/>
+              <a:t> WebServer</a:t>
+            </a:r>
+          </a:p>
+          <a:p>
+            <a:pPr lvl="1"/>
+            <a:r>
+              <a:rPr lang="hu-HU" sz="1000" dirty="0" err="1"/>
+              <a:t>Task</a:t>
+            </a:r>
+            <a:r>
+              <a:rPr lang="hu-HU" sz="1000" dirty="0"/>
+              <a:t> </a:t>
+            </a:r>
+            <a:r>
+              <a:rPr lang="hu-HU" sz="1000" dirty="0" err="1"/>
+              <a:t>Scheduler</a:t>
+            </a:r>
+            <a:r>
+              <a:rPr lang="hu-HU" sz="1000" dirty="0"/>
+              <a:t> </a:t>
+            </a:r>
+            <a:r>
+              <a:rPr lang="hu-HU" sz="1000" dirty="0" err="1"/>
+              <a:t>to</a:t>
+            </a:r>
+            <a:r>
+              <a:rPr lang="hu-HU" sz="1000" dirty="0"/>
+              <a:t> be </a:t>
+            </a:r>
+            <a:r>
+              <a:rPr lang="hu-HU" sz="1000" dirty="0" err="1"/>
+              <a:t>able</a:t>
+            </a:r>
+            <a:r>
+              <a:rPr lang="hu-HU" sz="1000" dirty="0"/>
+              <a:t> </a:t>
+            </a:r>
+            <a:r>
+              <a:rPr lang="hu-HU" sz="1000" dirty="0" err="1"/>
+              <a:t>to</a:t>
+            </a:r>
+            <a:r>
+              <a:rPr lang="hu-HU" sz="1000" dirty="0"/>
+              <a:t> </a:t>
+            </a:r>
+            <a:r>
+              <a:rPr lang="hu-HU" sz="1000" dirty="0" err="1"/>
+              <a:t>schedule</a:t>
+            </a:r>
+            <a:r>
+              <a:rPr lang="hu-HU" sz="1000" dirty="0"/>
+              <a:t> </a:t>
+            </a:r>
+            <a:r>
+              <a:rPr lang="hu-HU" sz="1000" dirty="0" err="1"/>
+              <a:t>changes</a:t>
+            </a:r>
+            <a:r>
+              <a:rPr lang="hu-HU" sz="1000" dirty="0"/>
+              <a:t> </a:t>
+            </a:r>
+            <a:r>
+              <a:rPr lang="hu-HU" sz="1000" dirty="0" err="1"/>
+              <a:t>on</a:t>
+            </a:r>
+            <a:r>
+              <a:rPr lang="hu-HU" sz="1000" dirty="0"/>
+              <a:t> </a:t>
+            </a:r>
+            <a:r>
+              <a:rPr lang="hu-HU" sz="1000" dirty="0" err="1"/>
+              <a:t>Outputs</a:t>
+            </a:r>
+            <a:endParaRPr lang="hu-HU" sz="1000" dirty="0"/>
+          </a:p>
+          <a:p>
+            <a:pPr lvl="1"/>
+            <a:r>
+              <a:rPr lang="hu-HU" sz="1000" dirty="0"/>
+              <a:t>I/O Relations – </a:t>
+            </a:r>
+            <a:r>
+              <a:rPr lang="hu-HU" sz="1000" dirty="0" err="1"/>
+              <a:t>basic</a:t>
+            </a:r>
+            <a:r>
+              <a:rPr lang="hu-HU" sz="1000" dirty="0"/>
+              <a:t> </a:t>
+            </a:r>
+            <a:r>
+              <a:rPr lang="hu-HU" sz="1000" dirty="0" err="1"/>
+              <a:t>logical</a:t>
+            </a:r>
+            <a:r>
+              <a:rPr lang="hu-HU" sz="1000" dirty="0"/>
+              <a:t> relations </a:t>
+            </a:r>
+            <a:r>
+              <a:rPr lang="hu-HU" sz="1000" dirty="0" err="1"/>
+              <a:t>between</a:t>
+            </a:r>
+            <a:r>
+              <a:rPr lang="hu-HU" sz="1000" dirty="0"/>
+              <a:t> </a:t>
+            </a:r>
+            <a:r>
+              <a:rPr lang="hu-HU" sz="1000" dirty="0" err="1"/>
+              <a:t>multiple</a:t>
+            </a:r>
+            <a:r>
+              <a:rPr lang="hu-HU" sz="1000" dirty="0"/>
+              <a:t> </a:t>
+            </a:r>
+            <a:r>
+              <a:rPr lang="hu-HU" sz="1000" dirty="0" err="1"/>
+              <a:t>Inputs</a:t>
+            </a:r>
+            <a:r>
+              <a:rPr lang="hu-HU" sz="1000" dirty="0"/>
+              <a:t>/</a:t>
+            </a:r>
+            <a:r>
+              <a:rPr lang="hu-HU" sz="1000" dirty="0" err="1"/>
+              <a:t>Outputs</a:t>
+            </a:r>
+            <a:endParaRPr lang="hu-HU" sz="1000" dirty="0"/>
+          </a:p>
+          <a:p>
+            <a:pPr lvl="1"/>
+            <a:r>
+              <a:rPr lang="hu-HU" sz="1000" dirty="0" err="1"/>
+              <a:t>WebSocket</a:t>
+            </a:r>
+            <a:r>
+              <a:rPr lang="hu-HU" sz="1000" dirty="0"/>
+              <a:t> </a:t>
+            </a:r>
+            <a:r>
+              <a:rPr lang="hu-HU" sz="1000" dirty="0" err="1"/>
+              <a:t>based</a:t>
+            </a:r>
+            <a:r>
+              <a:rPr lang="hu-HU" sz="1000" dirty="0"/>
+              <a:t> API </a:t>
+            </a:r>
+            <a:r>
+              <a:rPr lang="hu-HU" sz="1000" dirty="0" err="1"/>
+              <a:t>for</a:t>
+            </a:r>
+            <a:r>
+              <a:rPr lang="hu-HU" sz="1000" dirty="0"/>
+              <a:t> I/O Relations </a:t>
+            </a:r>
+            <a:r>
+              <a:rPr lang="hu-HU" sz="1000" dirty="0" err="1"/>
+              <a:t>for</a:t>
+            </a:r>
+            <a:r>
+              <a:rPr lang="hu-HU" sz="1000" dirty="0"/>
+              <a:t> </a:t>
+            </a:r>
+            <a:r>
+              <a:rPr lang="hu-HU" sz="1000" dirty="0" err="1"/>
+              <a:t>future</a:t>
+            </a:r>
+            <a:r>
+              <a:rPr lang="hu-HU" sz="1000" dirty="0"/>
+              <a:t> </a:t>
+            </a:r>
+            <a:r>
+              <a:rPr lang="hu-HU" sz="1000" dirty="0" err="1"/>
+              <a:t>extensions</a:t>
+            </a:r>
+            <a:r>
+              <a:rPr lang="hu-HU" sz="1000" dirty="0"/>
+              <a:t> (</a:t>
+            </a:r>
+            <a:r>
+              <a:rPr lang="hu-HU" sz="1000" dirty="0" err="1"/>
+              <a:t>machine</a:t>
+            </a:r>
+            <a:r>
+              <a:rPr lang="hu-HU" sz="1000" dirty="0"/>
+              <a:t> </a:t>
+            </a:r>
+            <a:r>
+              <a:rPr lang="hu-HU" sz="1000" dirty="0" err="1"/>
+              <a:t>learning</a:t>
+            </a:r>
+            <a:r>
+              <a:rPr lang="hu-HU" sz="1000" dirty="0"/>
+              <a:t>, </a:t>
+            </a:r>
+            <a:r>
+              <a:rPr lang="hu-HU" sz="1000" dirty="0" err="1"/>
+              <a:t>etc</a:t>
+            </a:r>
+            <a:r>
+              <a:rPr lang="hu-HU" sz="1000" dirty="0"/>
+              <a:t>…)</a:t>
+            </a:r>
+          </a:p>
+          <a:p>
+            <a:r>
+              <a:rPr lang="hu-HU" sz="1400" b="1" dirty="0"/>
+              <a:t>WebServer</a:t>
+            </a:r>
+          </a:p>
+          <a:p>
+            <a:pPr lvl="1"/>
+            <a:r>
+              <a:rPr lang="hu-HU" sz="1000" dirty="0" err="1"/>
+              <a:t>Provides</a:t>
+            </a:r>
+            <a:r>
+              <a:rPr lang="hu-HU" sz="1000" dirty="0"/>
+              <a:t> </a:t>
+            </a:r>
+            <a:r>
+              <a:rPr lang="hu-HU" sz="1000" dirty="0" err="1"/>
+              <a:t>User</a:t>
+            </a:r>
+            <a:r>
+              <a:rPr lang="hu-HU" sz="1000" dirty="0"/>
+              <a:t> </a:t>
+            </a:r>
+            <a:r>
+              <a:rPr lang="hu-HU" sz="1000" dirty="0" err="1"/>
+              <a:t>Authentication</a:t>
+            </a:r>
+            <a:endParaRPr lang="hu-HU" sz="1000" dirty="0"/>
+          </a:p>
+          <a:p>
+            <a:pPr lvl="1"/>
+            <a:r>
+              <a:rPr lang="hu-HU" sz="1000" dirty="0" err="1"/>
+              <a:t>WebSocket</a:t>
+            </a:r>
+            <a:r>
+              <a:rPr lang="hu-HU" sz="1000" dirty="0"/>
+              <a:t> </a:t>
+            </a:r>
+            <a:r>
+              <a:rPr lang="hu-HU" sz="1000" dirty="0" err="1"/>
+              <a:t>Interface</a:t>
+            </a:r>
+            <a:r>
+              <a:rPr lang="hu-HU" sz="1000" dirty="0"/>
+              <a:t> </a:t>
+            </a:r>
+            <a:r>
+              <a:rPr lang="hu-HU" sz="1000" dirty="0" err="1"/>
+              <a:t>to</a:t>
+            </a:r>
+            <a:r>
+              <a:rPr lang="hu-HU" sz="1000" dirty="0"/>
+              <a:t> </a:t>
+            </a:r>
+            <a:r>
+              <a:rPr lang="hu-HU" sz="1000" dirty="0" err="1"/>
+              <a:t>Automation</a:t>
+            </a:r>
+            <a:r>
+              <a:rPr lang="hu-HU" sz="1000" dirty="0"/>
+              <a:t> Server</a:t>
+            </a:r>
+          </a:p>
+          <a:p>
+            <a:pPr lvl="1"/>
+            <a:r>
+              <a:rPr lang="hu-HU" sz="1000" dirty="0" err="1"/>
+              <a:t>Provides</a:t>
+            </a:r>
+            <a:r>
+              <a:rPr lang="hu-HU" sz="1000" dirty="0"/>
+              <a:t> GUI </a:t>
+            </a:r>
+            <a:r>
+              <a:rPr lang="hu-HU" sz="1000" dirty="0" err="1"/>
+              <a:t>for</a:t>
+            </a:r>
+            <a:r>
+              <a:rPr lang="hu-HU" sz="1000" dirty="0"/>
+              <a:t> </a:t>
+            </a:r>
+            <a:r>
+              <a:rPr lang="hu-HU" sz="1000" dirty="0" err="1"/>
+              <a:t>Automation</a:t>
+            </a:r>
+            <a:r>
+              <a:rPr lang="hu-HU" sz="1000" dirty="0"/>
+              <a:t> Server</a:t>
+            </a:r>
+          </a:p>
+          <a:p>
+            <a:pPr lvl="1"/>
+            <a:r>
+              <a:rPr lang="hu-HU" sz="1000" dirty="0" err="1"/>
+              <a:t>Interface</a:t>
+            </a:r>
+            <a:r>
+              <a:rPr lang="hu-HU" sz="1000" dirty="0"/>
+              <a:t> </a:t>
+            </a:r>
+            <a:r>
+              <a:rPr lang="hu-HU" sz="1000" dirty="0" err="1"/>
+              <a:t>to</a:t>
+            </a:r>
+            <a:r>
+              <a:rPr lang="hu-HU" sz="1000" dirty="0"/>
+              <a:t> SQL </a:t>
+            </a:r>
+            <a:r>
+              <a:rPr lang="hu-HU" sz="1000" dirty="0" err="1"/>
+              <a:t>DataBase</a:t>
+            </a:r>
+            <a:r>
+              <a:rPr lang="hu-HU" sz="1000" dirty="0"/>
+              <a:t> </a:t>
+            </a:r>
+            <a:r>
+              <a:rPr lang="hu-HU" sz="1000" dirty="0" err="1"/>
+              <a:t>to</a:t>
+            </a:r>
+            <a:r>
+              <a:rPr lang="hu-HU" sz="1000" dirty="0"/>
+              <a:t> </a:t>
+            </a:r>
+            <a:r>
+              <a:rPr lang="hu-HU" sz="1000" dirty="0" err="1"/>
+              <a:t>retrieve</a:t>
+            </a:r>
+            <a:r>
+              <a:rPr lang="hu-HU" sz="1000" dirty="0"/>
+              <a:t> </a:t>
+            </a:r>
+            <a:r>
+              <a:rPr lang="hu-HU" sz="1000" dirty="0" err="1"/>
+              <a:t>historical</a:t>
+            </a:r>
+            <a:r>
+              <a:rPr lang="hu-HU" sz="1000" dirty="0"/>
+              <a:t> </a:t>
+            </a:r>
+            <a:r>
+              <a:rPr lang="hu-HU" sz="1000" dirty="0" err="1"/>
+              <a:t>data</a:t>
+            </a:r>
+            <a:endParaRPr lang="hu-HU" sz="1000" dirty="0"/>
+          </a:p>
+          <a:p>
+            <a:r>
+              <a:rPr lang="hu-HU" sz="1400" b="1" dirty="0"/>
+              <a:t>GUI </a:t>
+            </a:r>
+            <a:r>
+              <a:rPr lang="hu-HU" sz="1400" b="1" dirty="0" err="1"/>
+              <a:t>on</a:t>
+            </a:r>
+            <a:r>
+              <a:rPr lang="hu-HU" sz="1400" b="1" dirty="0"/>
+              <a:t> Server</a:t>
+            </a:r>
+          </a:p>
+          <a:p>
+            <a:pPr lvl="1"/>
+            <a:r>
+              <a:rPr lang="hu-HU" sz="1000" dirty="0" err="1"/>
+              <a:t>Can</a:t>
+            </a:r>
+            <a:r>
+              <a:rPr lang="hu-HU" sz="1000" dirty="0"/>
+              <a:t> be </a:t>
+            </a:r>
+            <a:r>
+              <a:rPr lang="hu-HU" sz="1000" dirty="0" err="1"/>
+              <a:t>viewed</a:t>
+            </a:r>
+            <a:r>
+              <a:rPr lang="hu-HU" sz="1000" dirty="0"/>
+              <a:t> in web browser, </a:t>
+            </a:r>
+            <a:r>
+              <a:rPr lang="hu-HU" sz="1000" dirty="0" err="1"/>
+              <a:t>same</a:t>
+            </a:r>
+            <a:r>
+              <a:rPr lang="hu-HU" sz="1000" dirty="0"/>
+              <a:t> </a:t>
+            </a:r>
+            <a:r>
+              <a:rPr lang="hu-HU" sz="1000" dirty="0" err="1"/>
+              <a:t>as</a:t>
+            </a:r>
+            <a:r>
+              <a:rPr lang="hu-HU" sz="1000" dirty="0"/>
+              <a:t> </a:t>
+            </a:r>
+            <a:r>
+              <a:rPr lang="hu-HU" sz="1000" dirty="0" err="1"/>
+              <a:t>the</a:t>
+            </a:r>
+            <a:r>
+              <a:rPr lang="hu-HU" sz="1000" dirty="0"/>
+              <a:t> GUI </a:t>
+            </a:r>
+            <a:r>
+              <a:rPr lang="hu-HU" sz="1000" dirty="0" err="1"/>
+              <a:t>can</a:t>
+            </a:r>
+            <a:r>
+              <a:rPr lang="hu-HU" sz="1000" dirty="0"/>
+              <a:t> be </a:t>
+            </a:r>
+            <a:r>
+              <a:rPr lang="hu-HU" sz="1000" dirty="0" err="1"/>
+              <a:t>viewed</a:t>
+            </a:r>
+            <a:r>
+              <a:rPr lang="hu-HU" sz="1000" dirty="0"/>
+              <a:t> </a:t>
+            </a:r>
+            <a:r>
+              <a:rPr lang="hu-HU" sz="1000" dirty="0" err="1"/>
+              <a:t>on</a:t>
+            </a:r>
+            <a:r>
+              <a:rPr lang="hu-HU" sz="1000" dirty="0"/>
+              <a:t> </a:t>
+            </a:r>
+            <a:r>
+              <a:rPr lang="hu-HU" sz="1000" dirty="0" err="1"/>
+              <a:t>clients</a:t>
+            </a:r>
+            <a:endParaRPr lang="hu-HU" sz="1000" dirty="0"/>
+          </a:p>
+          <a:p>
+            <a:pPr lvl="1"/>
+            <a:endParaRPr lang="hu-HU" sz="600" dirty="0"/>
           </a:p>
         </p:txBody>
       </p:sp>
@@ -8873,10 +9974,884 @@
       </p:graphicFrame>
       <p:sp>
         <p:nvSpPr>
-          <p:cNvPr id="7" name="Rectangle 6">
+          <p:cNvPr id="9" name="Title 1">
             <a:extLst>
               <a:ext uri="{FF2B5EF4-FFF2-40B4-BE49-F238E27FC236}">
-                <a16:creationId xmlns:a16="http://schemas.microsoft.com/office/drawing/2014/main" id="{7458F488-A4BF-46D9-9A5D-DA293A2E31BA}"/>
+                <a16:creationId xmlns:a16="http://schemas.microsoft.com/office/drawing/2014/main" id="{BFA932AD-1D08-498D-A357-EF2E03398C52}"/>
+              </a:ext>
+            </a:extLst>
+          </p:cNvPr>
+          <p:cNvSpPr txBox="1">
+            <a:spLocks/>
+          </p:cNvSpPr>
+          <p:nvPr/>
+        </p:nvSpPr>
+        <p:spPr>
+          <a:xfrm>
+            <a:off x="0" y="1"/>
+            <a:ext cx="12192000" cy="557868"/>
+          </a:xfrm>
+          <a:prstGeom prst="rect">
+            <a:avLst/>
+          </a:prstGeom>
+        </p:spPr>
+        <p:txBody>
+          <a:bodyPr vert="horz" lIns="91440" tIns="45720" rIns="91440" bIns="45720" rtlCol="0" anchor="ctr">
+            <a:normAutofit fontScale="90000" lnSpcReduction="20000"/>
+          </a:bodyPr>
+          <a:lstStyle>
+            <a:lvl1pPr algn="l" defTabSz="914400" rtl="0" eaLnBrk="1" latinLnBrk="0" hangingPunct="1">
+              <a:lnSpc>
+                <a:spcPct val="90000"/>
+              </a:lnSpc>
+              <a:spcBef>
+                <a:spcPct val="0"/>
+              </a:spcBef>
+              <a:buNone/>
+              <a:defRPr sz="4400" kern="1200">
+                <a:solidFill>
+                  <a:schemeClr val="tx1"/>
+                </a:solidFill>
+                <a:latin typeface="+mj-lt"/>
+                <a:ea typeface="+mj-ea"/>
+                <a:cs typeface="+mj-cs"/>
+              </a:defRPr>
+            </a:lvl1pPr>
+          </a:lstStyle>
+          <a:p>
+            <a:r>
+              <a:rPr lang="hu-HU" dirty="0"/>
+              <a:t>System </a:t>
+            </a:r>
+            <a:r>
+              <a:rPr lang="hu-HU" dirty="0" err="1"/>
+              <a:t>Elements</a:t>
+            </a:r>
+            <a:r>
+              <a:rPr lang="hu-HU" dirty="0"/>
+              <a:t> – Server </a:t>
+            </a:r>
+            <a:r>
+              <a:rPr lang="hu-HU" dirty="0" err="1"/>
+              <a:t>Detailed</a:t>
+            </a:r>
+            <a:endParaRPr lang="hu-HU" dirty="0"/>
+          </a:p>
+        </p:txBody>
+      </p:sp>
+      <p:grpSp>
+        <p:nvGrpSpPr>
+          <p:cNvPr id="2" name="Group 1">
+            <a:extLst>
+              <a:ext uri="{FF2B5EF4-FFF2-40B4-BE49-F238E27FC236}">
+                <a16:creationId xmlns:a16="http://schemas.microsoft.com/office/drawing/2014/main" id="{C5E5D885-A7DD-4FE1-9A52-7EAD63D59AD5}"/>
+              </a:ext>
+            </a:extLst>
+          </p:cNvPr>
+          <p:cNvGrpSpPr/>
+          <p:nvPr/>
+        </p:nvGrpSpPr>
+        <p:grpSpPr>
+          <a:xfrm>
+            <a:off x="663236" y="767463"/>
+            <a:ext cx="3204087" cy="5058529"/>
+            <a:chOff x="663236" y="767463"/>
+            <a:chExt cx="3204087" cy="5058529"/>
+          </a:xfrm>
+        </p:grpSpPr>
+        <p:sp>
+          <p:nvSpPr>
+            <p:cNvPr id="10" name="Rectangle 9">
+              <a:extLst>
+                <a:ext uri="{FF2B5EF4-FFF2-40B4-BE49-F238E27FC236}">
+                  <a16:creationId xmlns:a16="http://schemas.microsoft.com/office/drawing/2014/main" id="{0EDEE89D-62FE-471D-BBD5-8D5D573D5122}"/>
+                </a:ext>
+              </a:extLst>
+            </p:cNvPr>
+            <p:cNvSpPr/>
+            <p:nvPr/>
+          </p:nvSpPr>
+          <p:spPr>
+            <a:xfrm>
+              <a:off x="663236" y="767463"/>
+              <a:ext cx="3204087" cy="5058529"/>
+            </a:xfrm>
+            <a:prstGeom prst="rect">
+              <a:avLst/>
+            </a:prstGeom>
+            <a:solidFill>
+              <a:schemeClr val="accent1">
+                <a:lumMod val="75000"/>
+              </a:schemeClr>
+            </a:solidFill>
+            <a:ln w="57150">
+              <a:solidFill>
+                <a:schemeClr val="bg1">
+                  <a:lumMod val="85000"/>
+                </a:schemeClr>
+              </a:solidFill>
+            </a:ln>
+          </p:spPr>
+          <p:style>
+            <a:lnRef idx="2">
+              <a:schemeClr val="accent6">
+                <a:shade val="50000"/>
+              </a:schemeClr>
+            </a:lnRef>
+            <a:fillRef idx="1">
+              <a:schemeClr val="accent6"/>
+            </a:fillRef>
+            <a:effectRef idx="0">
+              <a:schemeClr val="accent6"/>
+            </a:effectRef>
+            <a:fontRef idx="minor">
+              <a:schemeClr val="lt1"/>
+            </a:fontRef>
+          </p:style>
+          <p:txBody>
+            <a:bodyPr rtlCol="0" anchor="t"/>
+            <a:lstStyle/>
+            <a:p>
+              <a:pPr algn="ctr"/>
+              <a:r>
+                <a:rPr lang="hu-HU" sz="2400" b="1" dirty="0"/>
+                <a:t>Server</a:t>
+              </a:r>
+            </a:p>
+          </p:txBody>
+        </p:sp>
+        <p:sp>
+          <p:nvSpPr>
+            <p:cNvPr id="11" name="Rectangle 10">
+              <a:extLst>
+                <a:ext uri="{FF2B5EF4-FFF2-40B4-BE49-F238E27FC236}">
+                  <a16:creationId xmlns:a16="http://schemas.microsoft.com/office/drawing/2014/main" id="{B33C40EA-DDEC-407D-8F84-226E1A71DDB3}"/>
+                </a:ext>
+              </a:extLst>
+            </p:cNvPr>
+            <p:cNvSpPr/>
+            <p:nvPr/>
+          </p:nvSpPr>
+          <p:spPr>
+            <a:xfrm>
+              <a:off x="751317" y="1915666"/>
+              <a:ext cx="3015339" cy="1364429"/>
+            </a:xfrm>
+            <a:prstGeom prst="rect">
+              <a:avLst/>
+            </a:prstGeom>
+            <a:solidFill>
+              <a:schemeClr val="bg2">
+                <a:lumMod val="50000"/>
+              </a:schemeClr>
+            </a:solidFill>
+            <a:ln w="57150">
+              <a:solidFill>
+                <a:schemeClr val="bg1">
+                  <a:lumMod val="85000"/>
+                </a:schemeClr>
+              </a:solidFill>
+            </a:ln>
+          </p:spPr>
+          <p:style>
+            <a:lnRef idx="2">
+              <a:schemeClr val="accent6">
+                <a:shade val="50000"/>
+              </a:schemeClr>
+            </a:lnRef>
+            <a:fillRef idx="1">
+              <a:schemeClr val="accent6"/>
+            </a:fillRef>
+            <a:effectRef idx="0">
+              <a:schemeClr val="accent6"/>
+            </a:effectRef>
+            <a:fontRef idx="minor">
+              <a:schemeClr val="lt1"/>
+            </a:fontRef>
+          </p:style>
+          <p:txBody>
+            <a:bodyPr rtlCol="0" anchor="t"/>
+            <a:lstStyle/>
+            <a:p>
+              <a:pPr algn="ctr"/>
+              <a:r>
+                <a:rPr lang="hu-HU" sz="1400" b="1" dirty="0"/>
+                <a:t>WebServer</a:t>
+              </a:r>
+            </a:p>
+            <a:p>
+              <a:pPr marL="285750" indent="-285750">
+                <a:buFont typeface="Arial" panose="020B0604020202020204" pitchFamily="34" charset="0"/>
+                <a:buChar char="•"/>
+              </a:pPr>
+              <a:r>
+                <a:rPr lang="hu-HU" sz="1400" dirty="0" err="1"/>
+                <a:t>User</a:t>
+              </a:r>
+              <a:r>
+                <a:rPr lang="hu-HU" sz="1400" dirty="0"/>
+                <a:t> </a:t>
+              </a:r>
+              <a:r>
+                <a:rPr lang="hu-HU" sz="1400" dirty="0" err="1"/>
+                <a:t>Authentication</a:t>
+              </a:r>
+              <a:endParaRPr lang="hu-HU" sz="1400" dirty="0"/>
+            </a:p>
+            <a:p>
+              <a:pPr marL="285750" indent="-285750">
+                <a:buFont typeface="Arial" panose="020B0604020202020204" pitchFamily="34" charset="0"/>
+                <a:buChar char="•"/>
+              </a:pPr>
+              <a:r>
+                <a:rPr lang="hu-HU" sz="1400" dirty="0" err="1"/>
+                <a:t>Interface</a:t>
+              </a:r>
+              <a:r>
+                <a:rPr lang="hu-HU" sz="1400" dirty="0"/>
+                <a:t> </a:t>
+              </a:r>
+              <a:r>
+                <a:rPr lang="hu-HU" sz="1400" dirty="0" err="1"/>
+                <a:t>to</a:t>
+              </a:r>
+              <a:r>
+                <a:rPr lang="hu-HU" sz="1400" dirty="0"/>
+                <a:t> </a:t>
+              </a:r>
+              <a:r>
+                <a:rPr lang="hu-HU" sz="1400" dirty="0" err="1"/>
+                <a:t>Automation</a:t>
+              </a:r>
+              <a:r>
+                <a:rPr lang="hu-HU" sz="1400" dirty="0"/>
+                <a:t> Server</a:t>
+              </a:r>
+            </a:p>
+            <a:p>
+              <a:pPr marL="285750" indent="-285750">
+                <a:buFont typeface="Arial" panose="020B0604020202020204" pitchFamily="34" charset="0"/>
+                <a:buChar char="•"/>
+              </a:pPr>
+              <a:r>
+                <a:rPr lang="hu-HU" sz="1400" dirty="0" err="1"/>
+                <a:t>Interface</a:t>
+              </a:r>
+              <a:r>
+                <a:rPr lang="hu-HU" sz="1400" dirty="0"/>
+                <a:t> </a:t>
+              </a:r>
+              <a:r>
+                <a:rPr lang="hu-HU" sz="1400" dirty="0" err="1"/>
+                <a:t>to</a:t>
+              </a:r>
+              <a:r>
+                <a:rPr lang="hu-HU" sz="1400" dirty="0"/>
+                <a:t> </a:t>
+              </a:r>
+              <a:r>
+                <a:rPr lang="hu-HU" sz="1400" dirty="0" err="1"/>
+                <a:t>DataBase</a:t>
+              </a:r>
+              <a:endParaRPr lang="hu-HU" sz="1400" dirty="0"/>
+            </a:p>
+            <a:p>
+              <a:pPr marL="285750" indent="-285750">
+                <a:buFont typeface="Arial" panose="020B0604020202020204" pitchFamily="34" charset="0"/>
+                <a:buChar char="•"/>
+              </a:pPr>
+              <a:r>
+                <a:rPr lang="hu-HU" sz="1400" dirty="0" err="1"/>
+                <a:t>Provide</a:t>
+              </a:r>
+              <a:r>
+                <a:rPr lang="hu-HU" sz="1400" dirty="0"/>
+                <a:t> </a:t>
+              </a:r>
+              <a:r>
+                <a:rPr lang="hu-HU" sz="1400" dirty="0" err="1"/>
+                <a:t>Application</a:t>
+              </a:r>
+              <a:r>
+                <a:rPr lang="hu-HU" sz="1400" dirty="0"/>
+                <a:t> and </a:t>
+              </a:r>
+              <a:r>
+                <a:rPr lang="hu-HU" sz="1400" dirty="0" err="1"/>
+                <a:t>Configuration</a:t>
+              </a:r>
+              <a:r>
+                <a:rPr lang="hu-HU" sz="1400" dirty="0"/>
+                <a:t> GUI</a:t>
+              </a:r>
+            </a:p>
+          </p:txBody>
+        </p:sp>
+        <p:sp>
+          <p:nvSpPr>
+            <p:cNvPr id="12" name="Rectangle 11">
+              <a:extLst>
+                <a:ext uri="{FF2B5EF4-FFF2-40B4-BE49-F238E27FC236}">
+                  <a16:creationId xmlns:a16="http://schemas.microsoft.com/office/drawing/2014/main" id="{EADB33B7-1561-4D4D-81FF-A20D152FE94B}"/>
+                </a:ext>
+              </a:extLst>
+            </p:cNvPr>
+            <p:cNvSpPr/>
+            <p:nvPr/>
+          </p:nvSpPr>
+          <p:spPr>
+            <a:xfrm>
+              <a:off x="751317" y="3283485"/>
+              <a:ext cx="3015339" cy="1547703"/>
+            </a:xfrm>
+            <a:prstGeom prst="rect">
+              <a:avLst/>
+            </a:prstGeom>
+            <a:solidFill>
+              <a:schemeClr val="tx2">
+                <a:lumMod val="60000"/>
+                <a:lumOff val="40000"/>
+              </a:schemeClr>
+            </a:solidFill>
+            <a:ln w="57150">
+              <a:solidFill>
+                <a:schemeClr val="bg1">
+                  <a:lumMod val="85000"/>
+                </a:schemeClr>
+              </a:solidFill>
+            </a:ln>
+          </p:spPr>
+          <p:style>
+            <a:lnRef idx="2">
+              <a:schemeClr val="accent6">
+                <a:shade val="50000"/>
+              </a:schemeClr>
+            </a:lnRef>
+            <a:fillRef idx="1">
+              <a:schemeClr val="accent6"/>
+            </a:fillRef>
+            <a:effectRef idx="0">
+              <a:schemeClr val="accent6"/>
+            </a:effectRef>
+            <a:fontRef idx="minor">
+              <a:schemeClr val="lt1"/>
+            </a:fontRef>
+          </p:style>
+          <p:txBody>
+            <a:bodyPr rtlCol="0" anchor="t"/>
+            <a:lstStyle/>
+            <a:p>
+              <a:pPr algn="ctr"/>
+              <a:r>
+                <a:rPr lang="hu-HU" sz="1400" b="1" dirty="0" err="1"/>
+                <a:t>Automation</a:t>
+              </a:r>
+              <a:r>
+                <a:rPr lang="hu-HU" sz="1400" b="1" dirty="0"/>
+                <a:t> Server</a:t>
+              </a:r>
+            </a:p>
+            <a:p>
+              <a:pPr marL="285750" indent="-285750">
+                <a:buFont typeface="Arial" panose="020B0604020202020204" pitchFamily="34" charset="0"/>
+                <a:buChar char="•"/>
+              </a:pPr>
+              <a:r>
+                <a:rPr lang="hu-HU" sz="1400" dirty="0" err="1"/>
+                <a:t>Initial</a:t>
+              </a:r>
+              <a:r>
+                <a:rPr lang="hu-HU" sz="1400" dirty="0"/>
+                <a:t> </a:t>
+              </a:r>
+              <a:r>
+                <a:rPr lang="hu-HU" sz="1400" dirty="0" err="1"/>
+                <a:t>setup</a:t>
+              </a:r>
+              <a:r>
+                <a:rPr lang="hu-HU" sz="1400" dirty="0"/>
+                <a:t> of </a:t>
+              </a:r>
+              <a:r>
+                <a:rPr lang="hu-HU" sz="1400" dirty="0" err="1"/>
+                <a:t>Nodes</a:t>
+              </a:r>
+              <a:endParaRPr lang="hu-HU" sz="1400" dirty="0"/>
+            </a:p>
+            <a:p>
+              <a:pPr marL="285750" indent="-285750">
+                <a:buFont typeface="Arial" panose="020B0604020202020204" pitchFamily="34" charset="0"/>
+                <a:buChar char="•"/>
+              </a:pPr>
+              <a:r>
+                <a:rPr lang="hu-HU" sz="1400" dirty="0" err="1"/>
+                <a:t>Accepting</a:t>
+              </a:r>
+              <a:r>
+                <a:rPr lang="hu-HU" sz="1400" dirty="0"/>
+                <a:t> </a:t>
+              </a:r>
+              <a:r>
+                <a:rPr lang="hu-HU" sz="1400" dirty="0" err="1"/>
+                <a:t>connections</a:t>
+              </a:r>
+              <a:r>
+                <a:rPr lang="hu-HU" sz="1400" dirty="0"/>
+                <a:t> </a:t>
+              </a:r>
+              <a:r>
+                <a:rPr lang="hu-HU" sz="1400" dirty="0" err="1"/>
+                <a:t>from</a:t>
+              </a:r>
+              <a:r>
+                <a:rPr lang="hu-HU" sz="1400" dirty="0"/>
+                <a:t> </a:t>
+              </a:r>
+              <a:r>
+                <a:rPr lang="hu-HU" sz="1400" dirty="0" err="1"/>
+                <a:t>Nodes</a:t>
+              </a:r>
+              <a:endParaRPr lang="hu-HU" sz="1400" dirty="0"/>
+            </a:p>
+            <a:p>
+              <a:pPr marL="285750" indent="-285750">
+                <a:buFont typeface="Arial" panose="020B0604020202020204" pitchFamily="34" charset="0"/>
+                <a:buChar char="•"/>
+              </a:pPr>
+              <a:r>
+                <a:rPr lang="hu-HU" sz="1400" dirty="0" err="1"/>
+                <a:t>Handling</a:t>
+              </a:r>
+              <a:r>
+                <a:rPr lang="hu-HU" sz="1400" dirty="0"/>
+                <a:t> </a:t>
+              </a:r>
+              <a:r>
+                <a:rPr lang="hu-HU" sz="1400" dirty="0" err="1"/>
+                <a:t>data</a:t>
+              </a:r>
+              <a:r>
+                <a:rPr lang="hu-HU" sz="1400" dirty="0"/>
+                <a:t> </a:t>
+              </a:r>
+              <a:r>
+                <a:rPr lang="hu-HU" sz="1400" dirty="0" err="1"/>
+                <a:t>to</a:t>
+              </a:r>
+              <a:r>
+                <a:rPr lang="hu-HU" sz="1400" dirty="0"/>
+                <a:t>/</a:t>
+              </a:r>
+              <a:r>
+                <a:rPr lang="hu-HU" sz="1400" dirty="0" err="1"/>
+                <a:t>from</a:t>
+              </a:r>
+              <a:r>
+                <a:rPr lang="hu-HU" sz="1400" dirty="0"/>
+                <a:t> </a:t>
+              </a:r>
+              <a:r>
+                <a:rPr lang="hu-HU" sz="1400" dirty="0" err="1"/>
+                <a:t>Nodes</a:t>
+              </a:r>
+              <a:endParaRPr lang="hu-HU" sz="1400" dirty="0"/>
+            </a:p>
+            <a:p>
+              <a:pPr marL="285750" indent="-285750">
+                <a:buFont typeface="Arial" panose="020B0604020202020204" pitchFamily="34" charset="0"/>
+                <a:buChar char="•"/>
+              </a:pPr>
+              <a:r>
+                <a:rPr lang="hu-HU" sz="1400" dirty="0" err="1"/>
+                <a:t>Storing</a:t>
+              </a:r>
+              <a:r>
+                <a:rPr lang="hu-HU" sz="1400" dirty="0"/>
+                <a:t> </a:t>
+              </a:r>
+              <a:r>
+                <a:rPr lang="hu-HU" sz="1400" dirty="0" err="1"/>
+                <a:t>data</a:t>
+              </a:r>
+              <a:r>
+                <a:rPr lang="hu-HU" sz="1400" dirty="0"/>
+                <a:t> in Server </a:t>
+              </a:r>
+              <a:r>
+                <a:rPr lang="hu-HU" sz="1400" dirty="0" err="1"/>
+                <a:t>DataBase</a:t>
+              </a:r>
+              <a:endParaRPr lang="hu-HU" sz="1400" dirty="0"/>
+            </a:p>
+            <a:p>
+              <a:pPr marL="285750" indent="-285750">
+                <a:buFont typeface="Arial" panose="020B0604020202020204" pitchFamily="34" charset="0"/>
+                <a:buChar char="•"/>
+              </a:pPr>
+              <a:r>
+                <a:rPr lang="hu-HU" sz="1400" dirty="0" err="1"/>
+                <a:t>Interface</a:t>
+              </a:r>
+              <a:r>
+                <a:rPr lang="hu-HU" sz="1400" dirty="0"/>
+                <a:t> </a:t>
+              </a:r>
+              <a:r>
+                <a:rPr lang="hu-HU" sz="1400" dirty="0" err="1"/>
+                <a:t>to</a:t>
+              </a:r>
+              <a:r>
+                <a:rPr lang="hu-HU" sz="1400" dirty="0"/>
+                <a:t> WebServer</a:t>
+              </a:r>
+            </a:p>
+            <a:p>
+              <a:pPr marL="285750" indent="-285750">
+                <a:buFont typeface="Arial" panose="020B0604020202020204" pitchFamily="34" charset="0"/>
+                <a:buChar char="•"/>
+              </a:pPr>
+              <a:r>
+                <a:rPr lang="hu-HU" sz="1400" dirty="0" err="1"/>
+                <a:t>Task</a:t>
+              </a:r>
+              <a:r>
+                <a:rPr lang="hu-HU" sz="1400" dirty="0"/>
+                <a:t> Scheduler. I/O Relations</a:t>
+              </a:r>
+            </a:p>
+          </p:txBody>
+        </p:sp>
+        <p:sp>
+          <p:nvSpPr>
+            <p:cNvPr id="13" name="Rectangle 12">
+              <a:extLst>
+                <a:ext uri="{FF2B5EF4-FFF2-40B4-BE49-F238E27FC236}">
+                  <a16:creationId xmlns:a16="http://schemas.microsoft.com/office/drawing/2014/main" id="{55C9552C-8042-4423-A5A2-3770D603BE19}"/>
+                </a:ext>
+              </a:extLst>
+            </p:cNvPr>
+            <p:cNvSpPr/>
+            <p:nvPr/>
+          </p:nvSpPr>
+          <p:spPr>
+            <a:xfrm>
+              <a:off x="751317" y="1239433"/>
+              <a:ext cx="3015339" cy="676145"/>
+            </a:xfrm>
+            <a:prstGeom prst="rect">
+              <a:avLst/>
+            </a:prstGeom>
+            <a:solidFill>
+              <a:schemeClr val="accent1">
+                <a:lumMod val="60000"/>
+                <a:lumOff val="40000"/>
+              </a:schemeClr>
+            </a:solidFill>
+            <a:ln w="57150">
+              <a:solidFill>
+                <a:schemeClr val="bg1">
+                  <a:lumMod val="85000"/>
+                </a:schemeClr>
+              </a:solidFill>
+            </a:ln>
+          </p:spPr>
+          <p:style>
+            <a:lnRef idx="2">
+              <a:schemeClr val="accent6">
+                <a:shade val="50000"/>
+              </a:schemeClr>
+            </a:lnRef>
+            <a:fillRef idx="1">
+              <a:schemeClr val="accent6"/>
+            </a:fillRef>
+            <a:effectRef idx="0">
+              <a:schemeClr val="accent6"/>
+            </a:effectRef>
+            <a:fontRef idx="minor">
+              <a:schemeClr val="lt1"/>
+            </a:fontRef>
+          </p:style>
+          <p:txBody>
+            <a:bodyPr rtlCol="0" anchor="t"/>
+            <a:lstStyle/>
+            <a:p>
+              <a:pPr algn="ctr"/>
+              <a:r>
+                <a:rPr lang="hu-HU" sz="1300" b="1" dirty="0"/>
+                <a:t>GUI</a:t>
+              </a:r>
+            </a:p>
+            <a:p>
+              <a:pPr marL="285750" indent="-285750">
+                <a:buFont typeface="Arial" panose="020B0604020202020204" pitchFamily="34" charset="0"/>
+                <a:buChar char="•"/>
+              </a:pPr>
+              <a:r>
+                <a:rPr lang="hu-HU" sz="1300" dirty="0" err="1"/>
+                <a:t>Same</a:t>
+              </a:r>
+              <a:r>
+                <a:rPr lang="hu-HU" sz="1300" dirty="0"/>
+                <a:t> GUI </a:t>
+              </a:r>
+              <a:r>
+                <a:rPr lang="hu-HU" sz="1300" dirty="0" err="1"/>
+                <a:t>as</a:t>
+              </a:r>
+              <a:r>
+                <a:rPr lang="hu-HU" sz="1300" dirty="0"/>
+                <a:t> </a:t>
+              </a:r>
+              <a:r>
+                <a:rPr lang="hu-HU" sz="1300" dirty="0" err="1"/>
+                <a:t>on</a:t>
+              </a:r>
+              <a:r>
+                <a:rPr lang="hu-HU" sz="1300" dirty="0"/>
+                <a:t> </a:t>
+              </a:r>
+              <a:r>
+                <a:rPr lang="hu-HU" sz="1300" dirty="0" err="1"/>
+                <a:t>User</a:t>
+              </a:r>
+              <a:r>
+                <a:rPr lang="hu-HU" sz="1300" dirty="0"/>
+                <a:t> </a:t>
+              </a:r>
+              <a:r>
+                <a:rPr lang="hu-HU" sz="1300" dirty="0" err="1"/>
+                <a:t>Clients</a:t>
+              </a:r>
+              <a:r>
+                <a:rPr lang="hu-HU" sz="1300" dirty="0"/>
+                <a:t> (in Browser)</a:t>
+              </a:r>
+            </a:p>
+          </p:txBody>
+        </p:sp>
+        <p:sp>
+          <p:nvSpPr>
+            <p:cNvPr id="14" name="Rectangle 13">
+              <a:extLst>
+                <a:ext uri="{FF2B5EF4-FFF2-40B4-BE49-F238E27FC236}">
+                  <a16:creationId xmlns:a16="http://schemas.microsoft.com/office/drawing/2014/main" id="{716150D8-BF35-4B56-A1E6-4E74BC1F9AB6}"/>
+                </a:ext>
+              </a:extLst>
+            </p:cNvPr>
+            <p:cNvSpPr/>
+            <p:nvPr/>
+          </p:nvSpPr>
+          <p:spPr>
+            <a:xfrm>
+              <a:off x="751317" y="4831187"/>
+              <a:ext cx="3015339" cy="932049"/>
+            </a:xfrm>
+            <a:prstGeom prst="rect">
+              <a:avLst/>
+            </a:prstGeom>
+            <a:solidFill>
+              <a:schemeClr val="accent5">
+                <a:lumMod val="75000"/>
+              </a:schemeClr>
+            </a:solidFill>
+            <a:ln w="57150">
+              <a:solidFill>
+                <a:schemeClr val="bg1">
+                  <a:lumMod val="85000"/>
+                </a:schemeClr>
+              </a:solidFill>
+            </a:ln>
+          </p:spPr>
+          <p:style>
+            <a:lnRef idx="2">
+              <a:schemeClr val="accent6">
+                <a:shade val="50000"/>
+              </a:schemeClr>
+            </a:lnRef>
+            <a:fillRef idx="1">
+              <a:schemeClr val="accent6"/>
+            </a:fillRef>
+            <a:effectRef idx="0">
+              <a:schemeClr val="accent6"/>
+            </a:effectRef>
+            <a:fontRef idx="minor">
+              <a:schemeClr val="lt1"/>
+            </a:fontRef>
+          </p:style>
+          <p:txBody>
+            <a:bodyPr rtlCol="0" anchor="t"/>
+            <a:lstStyle/>
+            <a:p>
+              <a:pPr algn="ctr"/>
+              <a:r>
+                <a:rPr lang="hu-HU" sz="1400" b="1" dirty="0"/>
+                <a:t>Server </a:t>
+              </a:r>
+              <a:r>
+                <a:rPr lang="hu-HU" sz="1400" b="1" dirty="0" err="1"/>
+                <a:t>DataBase</a:t>
+              </a:r>
+              <a:endParaRPr lang="hu-HU" sz="1400" b="1" dirty="0"/>
+            </a:p>
+            <a:p>
+              <a:pPr marL="285750" indent="-285750">
+                <a:buFont typeface="Arial" panose="020B0604020202020204" pitchFamily="34" charset="0"/>
+                <a:buChar char="•"/>
+              </a:pPr>
+              <a:r>
+                <a:rPr lang="hu-HU" sz="1400" dirty="0" err="1"/>
+                <a:t>Periodic</a:t>
+              </a:r>
+              <a:r>
+                <a:rPr lang="hu-HU" sz="1400" dirty="0"/>
+                <a:t> and </a:t>
+              </a:r>
+              <a:r>
+                <a:rPr lang="hu-HU" sz="1400" dirty="0" err="1"/>
+                <a:t>event-triggered</a:t>
+              </a:r>
+              <a:r>
+                <a:rPr lang="hu-HU" sz="1400" dirty="0"/>
+                <a:t> </a:t>
+              </a:r>
+              <a:r>
+                <a:rPr lang="hu-HU" sz="1400" dirty="0" err="1"/>
+                <a:t>data</a:t>
+              </a:r>
+              <a:endParaRPr lang="hu-HU" sz="1400" dirty="0"/>
+            </a:p>
+            <a:p>
+              <a:pPr marL="285750" indent="-285750">
+                <a:buFont typeface="Arial" panose="020B0604020202020204" pitchFamily="34" charset="0"/>
+                <a:buChar char="•"/>
+              </a:pPr>
+              <a:r>
+                <a:rPr lang="hu-HU" sz="1400" dirty="0" err="1"/>
+                <a:t>User</a:t>
+              </a:r>
+              <a:r>
+                <a:rPr lang="hu-HU" sz="1400" dirty="0"/>
+                <a:t> </a:t>
+              </a:r>
+              <a:r>
+                <a:rPr lang="hu-HU" sz="1400" dirty="0" err="1"/>
+                <a:t>authentication</a:t>
+              </a:r>
+              <a:r>
+                <a:rPr lang="hu-HU" sz="1400" dirty="0"/>
+                <a:t> log</a:t>
+              </a:r>
+            </a:p>
+            <a:p>
+              <a:pPr marL="285750" indent="-285750">
+                <a:buFont typeface="Arial" panose="020B0604020202020204" pitchFamily="34" charset="0"/>
+                <a:buChar char="•"/>
+              </a:pPr>
+              <a:r>
+                <a:rPr lang="hu-HU" sz="1400" dirty="0"/>
+                <a:t>List of </a:t>
+              </a:r>
+              <a:r>
+                <a:rPr lang="hu-HU" sz="1400" dirty="0" err="1"/>
+                <a:t>configured</a:t>
+              </a:r>
+              <a:r>
+                <a:rPr lang="hu-HU" sz="1400" dirty="0"/>
+                <a:t> </a:t>
+              </a:r>
+              <a:r>
+                <a:rPr lang="hu-HU" sz="1400" dirty="0" err="1"/>
+                <a:t>Nodes</a:t>
+              </a:r>
+              <a:endParaRPr lang="hu-HU" sz="1400" dirty="0"/>
+            </a:p>
+          </p:txBody>
+        </p:sp>
+      </p:grpSp>
+    </p:spTree>
+    <p:extLst>
+      <p:ext uri="{BB962C8B-B14F-4D97-AF65-F5344CB8AC3E}">
+        <p14:creationId xmlns:p14="http://schemas.microsoft.com/office/powerpoint/2010/main" val="2558047786"/>
+      </p:ext>
+    </p:extLst>
+  </p:cSld>
+  <p:clrMapOvr>
+    <a:masterClrMapping/>
+  </p:clrMapOvr>
+</p:sld>
+</file>
+
+<file path=ppt/slides/slide7.xml><?xml version="1.0" encoding="utf-8"?>
+<p:sld xmlns:a="http://schemas.openxmlformats.org/drawingml/2006/main" xmlns:r="http://schemas.openxmlformats.org/officeDocument/2006/relationships" xmlns:p="http://schemas.openxmlformats.org/presentationml/2006/main">
+  <p:cSld>
+    <p:spTree>
+      <p:nvGrpSpPr>
+        <p:cNvPr id="1" name=""/>
+        <p:cNvGrpSpPr/>
+        <p:nvPr/>
+      </p:nvGrpSpPr>
+      <p:grpSpPr>
+        <a:xfrm>
+          <a:off x="0" y="0"/>
+          <a:ext cx="0" cy="0"/>
+          <a:chOff x="0" y="0"/>
+          <a:chExt cx="0" cy="0"/>
+        </a:xfrm>
+      </p:grpSpPr>
+      <p:sp>
+        <p:nvSpPr>
+          <p:cNvPr id="2" name="Title 1">
+            <a:extLst>
+              <a:ext uri="{FF2B5EF4-FFF2-40B4-BE49-F238E27FC236}">
+                <a16:creationId xmlns:a16="http://schemas.microsoft.com/office/drawing/2014/main" id="{CD4C716C-2B2C-4293-8B5D-99FD4AC22EB3}"/>
+              </a:ext>
+            </a:extLst>
+          </p:cNvPr>
+          <p:cNvSpPr>
+            <a:spLocks noGrp="1"/>
+          </p:cNvSpPr>
+          <p:nvPr>
+            <p:ph type="title"/>
+          </p:nvPr>
+        </p:nvSpPr>
+        <p:spPr>
+          <a:xfrm>
+            <a:off x="0" y="1"/>
+            <a:ext cx="12192000" cy="557868"/>
+          </a:xfrm>
+        </p:spPr>
+        <p:txBody>
+          <a:bodyPr>
+            <a:normAutofit fontScale="90000"/>
+          </a:bodyPr>
+          <a:lstStyle/>
+          <a:p>
+            <a:r>
+              <a:rPr lang="hu-HU" dirty="0"/>
+              <a:t>System </a:t>
+            </a:r>
+            <a:r>
+              <a:rPr lang="hu-HU" dirty="0" err="1"/>
+              <a:t>Elements</a:t>
+            </a:r>
+            <a:r>
+              <a:rPr lang="hu-HU" dirty="0"/>
+              <a:t> - </a:t>
+            </a:r>
+            <a:r>
+              <a:rPr lang="hu-HU" dirty="0" err="1"/>
+              <a:t>Communications</a:t>
+            </a:r>
+            <a:endParaRPr lang="hu-HU" dirty="0"/>
+          </a:p>
+        </p:txBody>
+      </p:sp>
+      <p:sp>
+        <p:nvSpPr>
+          <p:cNvPr id="4" name="Rectangle: Single Corner Snipped 3">
+            <a:extLst>
+              <a:ext uri="{FF2B5EF4-FFF2-40B4-BE49-F238E27FC236}">
+                <a16:creationId xmlns:a16="http://schemas.microsoft.com/office/drawing/2014/main" id="{D805B3B7-4AE0-4F4D-B96E-0E3172F52776}"/>
               </a:ext>
             </a:extLst>
           </p:cNvPr>
@@ -8885,12 +10860,470 @@
         </p:nvSpPr>
         <p:spPr>
           <a:xfrm>
-            <a:off x="646459" y="1786240"/>
-            <a:ext cx="3204087" cy="2798958"/>
+            <a:off x="0" y="6300132"/>
+            <a:ext cx="12192000" cy="557868"/>
+          </a:xfrm>
+          <a:prstGeom prst="snip1Rect">
+            <a:avLst/>
+          </a:prstGeom>
+          <a:solidFill>
+            <a:srgbClr val="77CCD7"/>
+          </a:solidFill>
+          <a:ln>
+            <a:noFill/>
+          </a:ln>
+        </p:spPr>
+        <p:style>
+          <a:lnRef idx="2">
+            <a:schemeClr val="accent1">
+              <a:shade val="50000"/>
+            </a:schemeClr>
+          </a:lnRef>
+          <a:fillRef idx="1">
+            <a:schemeClr val="accent1"/>
+          </a:fillRef>
+          <a:effectRef idx="0">
+            <a:schemeClr val="accent1"/>
+          </a:effectRef>
+          <a:fontRef idx="minor">
+            <a:schemeClr val="lt1"/>
+          </a:fontRef>
+        </p:style>
+        <p:txBody>
+          <a:bodyPr rtlCol="0" anchor="ctr"/>
+          <a:lstStyle/>
+          <a:p>
+            <a:pPr algn="ctr"/>
+            <a:endParaRPr lang="hu-HU" dirty="0"/>
+          </a:p>
+        </p:txBody>
+      </p:sp>
+      <p:graphicFrame>
+        <p:nvGraphicFramePr>
+          <p:cNvPr id="5" name="Table 4">
+            <a:extLst>
+              <a:ext uri="{FF2B5EF4-FFF2-40B4-BE49-F238E27FC236}">
+                <a16:creationId xmlns:a16="http://schemas.microsoft.com/office/drawing/2014/main" id="{96FB0FB3-DF99-4A71-A0AA-283DF9A91AD9}"/>
+              </a:ext>
+            </a:extLst>
+          </p:cNvPr>
+          <p:cNvGraphicFramePr>
+            <a:graphicFrameLocks noGrp="1"/>
+          </p:cNvGraphicFramePr>
+          <p:nvPr/>
+        </p:nvGraphicFramePr>
+        <p:xfrm>
+          <a:off x="0" y="6300132"/>
+          <a:ext cx="12192000" cy="553998"/>
+        </p:xfrm>
+        <a:graphic>
+          <a:graphicData uri="http://schemas.openxmlformats.org/drawingml/2006/table">
+            <a:tbl>
+              <a:tblPr firstRow="1" bandRow="1">
+                <a:tableStyleId>{5C22544A-7EE6-4342-B048-85BDC9FD1C3A}</a:tableStyleId>
+              </a:tblPr>
+              <a:tblGrid>
+                <a:gridCol w="3976382">
+                  <a:extLst>
+                    <a:ext uri="{9D8B030D-6E8A-4147-A177-3AD203B41FA5}">
+                      <a16:colId xmlns:a16="http://schemas.microsoft.com/office/drawing/2014/main" val="3182790378"/>
+                    </a:ext>
+                  </a:extLst>
+                </a:gridCol>
+                <a:gridCol w="6233020">
+                  <a:extLst>
+                    <a:ext uri="{9D8B030D-6E8A-4147-A177-3AD203B41FA5}">
+                      <a16:colId xmlns:a16="http://schemas.microsoft.com/office/drawing/2014/main" val="64276832"/>
+                    </a:ext>
+                  </a:extLst>
+                </a:gridCol>
+                <a:gridCol w="1982598">
+                  <a:extLst>
+                    <a:ext uri="{9D8B030D-6E8A-4147-A177-3AD203B41FA5}">
+                      <a16:colId xmlns:a16="http://schemas.microsoft.com/office/drawing/2014/main" val="3931946009"/>
+                    </a:ext>
+                  </a:extLst>
+                </a:gridCol>
+              </a:tblGrid>
+              <a:tr h="553998">
+                <a:tc>
+                  <a:txBody>
+                    <a:bodyPr/>
+                    <a:lstStyle/>
+                    <a:p>
+                      <a:r>
+                        <a:rPr lang="hu-HU" sz="1600" b="1" dirty="0">
+                          <a:solidFill>
+                            <a:schemeClr val="bg1"/>
+                          </a:solidFill>
+                          <a:effectLst>
+                            <a:outerShdw blurRad="50800" dist="38100" dir="2700000" algn="tl" rotWithShape="0">
+                              <a:prstClr val="black">
+                                <a:alpha val="40000"/>
+                              </a:prstClr>
+                            </a:outerShdw>
+                          </a:effectLst>
+                          <a:latin typeface="+mn-lt"/>
+                          <a:cs typeface="Miriam Fixed" panose="020B0604020202020204" pitchFamily="49" charset="-79"/>
+                        </a:rPr>
+                        <a:t>KEECO</a:t>
+                      </a:r>
+                    </a:p>
+                    <a:p>
+                      <a:r>
+                        <a:rPr lang="hu-HU" sz="1200" b="0" dirty="0" err="1">
+                          <a:solidFill>
+                            <a:schemeClr val="bg1"/>
+                          </a:solidFill>
+                          <a:effectLst>
+                            <a:outerShdw blurRad="50800" dist="38100" dir="2700000" algn="tl" rotWithShape="0">
+                              <a:prstClr val="black">
+                                <a:alpha val="40000"/>
+                              </a:prstClr>
+                            </a:outerShdw>
+                          </a:effectLst>
+                          <a:latin typeface="+mn-lt"/>
+                          <a:cs typeface="Miriam Fixed" panose="020B0604020202020204" pitchFamily="49" charset="-79"/>
+                        </a:rPr>
+                        <a:t>Knowledgeable</a:t>
+                      </a:r>
+                      <a:r>
+                        <a:rPr lang="hu-HU" sz="1200" b="0" dirty="0">
+                          <a:solidFill>
+                            <a:schemeClr val="bg1"/>
+                          </a:solidFill>
+                          <a:effectLst>
+                            <a:outerShdw blurRad="50800" dist="38100" dir="2700000" algn="tl" rotWithShape="0">
+                              <a:prstClr val="black">
+                                <a:alpha val="40000"/>
+                              </a:prstClr>
+                            </a:outerShdw>
+                          </a:effectLst>
+                          <a:latin typeface="+mn-lt"/>
+                          <a:cs typeface="Miriam Fixed" panose="020B0604020202020204" pitchFamily="49" charset="-79"/>
+                        </a:rPr>
+                        <a:t> </a:t>
+                      </a:r>
+                      <a:r>
+                        <a:rPr lang="hu-HU" sz="1200" b="0" dirty="0" err="1">
+                          <a:solidFill>
+                            <a:schemeClr val="bg1"/>
+                          </a:solidFill>
+                          <a:effectLst>
+                            <a:outerShdw blurRad="50800" dist="38100" dir="2700000" algn="tl" rotWithShape="0">
+                              <a:prstClr val="black">
+                                <a:alpha val="40000"/>
+                              </a:prstClr>
+                            </a:outerShdw>
+                          </a:effectLst>
+                          <a:latin typeface="+mn-lt"/>
+                          <a:cs typeface="Miriam Fixed" panose="020B0604020202020204" pitchFamily="49" charset="-79"/>
+                        </a:rPr>
+                        <a:t>Ecosystem</a:t>
+                      </a:r>
+                      <a:r>
+                        <a:rPr lang="hu-HU" sz="1200" b="0" dirty="0">
+                          <a:solidFill>
+                            <a:schemeClr val="bg1"/>
+                          </a:solidFill>
+                          <a:effectLst>
+                            <a:outerShdw blurRad="50800" dist="38100" dir="2700000" algn="tl" rotWithShape="0">
+                              <a:prstClr val="black">
+                                <a:alpha val="40000"/>
+                              </a:prstClr>
+                            </a:outerShdw>
+                          </a:effectLst>
+                          <a:latin typeface="+mn-lt"/>
+                          <a:cs typeface="Miriam Fixed" panose="020B0604020202020204" pitchFamily="49" charset="-79"/>
+                        </a:rPr>
+                        <a:t> </a:t>
+                      </a:r>
+                      <a:r>
+                        <a:rPr lang="hu-HU" sz="1200" b="0" dirty="0" err="1">
+                          <a:solidFill>
+                            <a:schemeClr val="bg1"/>
+                          </a:solidFill>
+                          <a:effectLst>
+                            <a:outerShdw blurRad="50800" dist="38100" dir="2700000" algn="tl" rotWithShape="0">
+                              <a:prstClr val="black">
+                                <a:alpha val="40000"/>
+                              </a:prstClr>
+                            </a:outerShdw>
+                          </a:effectLst>
+                          <a:latin typeface="+mn-lt"/>
+                          <a:cs typeface="Miriam Fixed" panose="020B0604020202020204" pitchFamily="49" charset="-79"/>
+                        </a:rPr>
+                        <a:t>for</a:t>
+                      </a:r>
+                      <a:r>
+                        <a:rPr lang="hu-HU" sz="1200" b="0" dirty="0">
+                          <a:solidFill>
+                            <a:schemeClr val="bg1"/>
+                          </a:solidFill>
+                          <a:effectLst>
+                            <a:outerShdw blurRad="50800" dist="38100" dir="2700000" algn="tl" rotWithShape="0">
+                              <a:prstClr val="black">
+                                <a:alpha val="40000"/>
+                              </a:prstClr>
+                            </a:outerShdw>
+                          </a:effectLst>
+                          <a:latin typeface="+mn-lt"/>
+                          <a:cs typeface="Miriam Fixed" panose="020B0604020202020204" pitchFamily="49" charset="-79"/>
+                        </a:rPr>
+                        <a:t> Establishment Control </a:t>
+                      </a:r>
+                      <a:r>
+                        <a:rPr lang="hu-HU" sz="1200" b="0" dirty="0" err="1">
+                          <a:solidFill>
+                            <a:schemeClr val="bg1"/>
+                          </a:solidFill>
+                          <a:effectLst>
+                            <a:outerShdw blurRad="50800" dist="38100" dir="2700000" algn="tl" rotWithShape="0">
+                              <a:prstClr val="black">
+                                <a:alpha val="40000"/>
+                              </a:prstClr>
+                            </a:outerShdw>
+                          </a:effectLst>
+                          <a:latin typeface="+mn-lt"/>
+                          <a:cs typeface="Miriam Fixed" panose="020B0604020202020204" pitchFamily="49" charset="-79"/>
+                        </a:rPr>
+                        <a:t>Objects</a:t>
+                      </a:r>
+                      <a:endParaRPr lang="hu-HU" sz="1200" b="0" dirty="0">
+                        <a:solidFill>
+                          <a:schemeClr val="bg1"/>
+                        </a:solidFill>
+                        <a:effectLst>
+                          <a:outerShdw blurRad="50800" dist="38100" dir="2700000" algn="tl" rotWithShape="0">
+                            <a:prstClr val="black">
+                              <a:alpha val="40000"/>
+                            </a:prstClr>
+                          </a:outerShdw>
+                        </a:effectLst>
+                        <a:latin typeface="+mn-lt"/>
+                        <a:cs typeface="Miriam Fixed" panose="020B0604020202020204" pitchFamily="49" charset="-79"/>
+                      </a:endParaRPr>
+                    </a:p>
+                  </a:txBody>
+                  <a:tcPr anchor="ctr">
+                    <a:lnL w="12700" cmpd="sng">
+                      <a:noFill/>
+                    </a:lnL>
+                    <a:lnR w="12700" cap="flat" cmpd="sng" algn="ctr">
+                      <a:solidFill>
+                        <a:schemeClr val="bg1"/>
+                      </a:solidFill>
+                      <a:prstDash val="solid"/>
+                      <a:round/>
+                      <a:headEnd type="none" w="med" len="med"/>
+                      <a:tailEnd type="none" w="med" len="med"/>
+                    </a:lnR>
+                    <a:lnT w="12700" cmpd="sng">
+                      <a:noFill/>
+                    </a:lnT>
+                    <a:lnB w="38100" cmpd="sng">
+                      <a:noFill/>
+                    </a:lnB>
+                    <a:lnTlToBr w="12700" cmpd="sng">
+                      <a:noFill/>
+                      <a:prstDash val="solid"/>
+                    </a:lnTlToBr>
+                    <a:lnBlToTr w="12700" cmpd="sng">
+                      <a:noFill/>
+                      <a:prstDash val="solid"/>
+                    </a:lnBlToTr>
+                    <a:noFill/>
+                  </a:tcPr>
+                </a:tc>
+                <a:tc>
+                  <a:txBody>
+                    <a:bodyPr/>
+                    <a:lstStyle/>
+                    <a:p>
+                      <a:pPr algn="ctr"/>
+                      <a:r>
+                        <a:rPr lang="hu-HU" sz="1400" b="0" dirty="0">
+                          <a:effectLst>
+                            <a:outerShdw blurRad="38100" dist="38100" dir="2700000" algn="tl">
+                              <a:srgbClr val="000000">
+                                <a:alpha val="43137"/>
+                              </a:srgbClr>
+                            </a:outerShdw>
+                          </a:effectLst>
+                        </a:rPr>
+                        <a:t>Project </a:t>
+                      </a:r>
+                      <a:r>
+                        <a:rPr lang="hu-HU" sz="1400" b="0" dirty="0" err="1">
+                          <a:effectLst>
+                            <a:outerShdw blurRad="38100" dist="38100" dir="2700000" algn="tl">
+                              <a:srgbClr val="000000">
+                                <a:alpha val="43137"/>
+                              </a:srgbClr>
+                            </a:outerShdw>
+                          </a:effectLst>
+                        </a:rPr>
+                        <a:t>initiation</a:t>
+                      </a:r>
+                      <a:r>
+                        <a:rPr lang="hu-HU" sz="1400" b="0" dirty="0">
+                          <a:effectLst>
+                            <a:outerShdw blurRad="38100" dist="38100" dir="2700000" algn="tl">
+                              <a:srgbClr val="000000">
+                                <a:alpha val="43137"/>
+                              </a:srgbClr>
+                            </a:outerShdw>
+                          </a:effectLst>
+                        </a:rPr>
+                        <a:t> </a:t>
+                      </a:r>
+                      <a:r>
+                        <a:rPr lang="hu-HU" sz="1400" b="0" dirty="0" err="1">
+                          <a:effectLst>
+                            <a:outerShdw blurRad="38100" dist="38100" dir="2700000" algn="tl">
+                              <a:srgbClr val="000000">
+                                <a:alpha val="43137"/>
+                              </a:srgbClr>
+                            </a:outerShdw>
+                          </a:effectLst>
+                        </a:rPr>
+                        <a:t>document</a:t>
+                      </a:r>
+                      <a:r>
+                        <a:rPr lang="hu-HU" sz="1400" b="0" dirty="0">
+                          <a:effectLst>
+                            <a:outerShdw blurRad="38100" dist="38100" dir="2700000" algn="tl">
+                              <a:srgbClr val="000000">
+                                <a:alpha val="43137"/>
+                              </a:srgbClr>
+                            </a:outerShdw>
+                          </a:effectLst>
+                        </a:rPr>
+                        <a:t> v 1.0</a:t>
+                      </a:r>
+                    </a:p>
+                  </a:txBody>
+                  <a:tcPr anchor="ctr">
+                    <a:lnL w="12700" cap="flat" cmpd="sng" algn="ctr">
+                      <a:solidFill>
+                        <a:schemeClr val="bg1"/>
+                      </a:solidFill>
+                      <a:prstDash val="solid"/>
+                      <a:round/>
+                      <a:headEnd type="none" w="med" len="med"/>
+                      <a:tailEnd type="none" w="med" len="med"/>
+                    </a:lnL>
+                    <a:lnR w="12700" cap="flat" cmpd="sng" algn="ctr">
+                      <a:solidFill>
+                        <a:schemeClr val="bg1"/>
+                      </a:solidFill>
+                      <a:prstDash val="solid"/>
+                      <a:round/>
+                      <a:headEnd type="none" w="med" len="med"/>
+                      <a:tailEnd type="none" w="med" len="med"/>
+                    </a:lnR>
+                    <a:lnT w="12700" cmpd="sng">
+                      <a:noFill/>
+                    </a:lnT>
+                    <a:lnB w="38100" cmpd="sng">
+                      <a:noFill/>
+                    </a:lnB>
+                    <a:lnTlToBr w="12700" cmpd="sng">
+                      <a:noFill/>
+                      <a:prstDash val="solid"/>
+                    </a:lnTlToBr>
+                    <a:lnBlToTr w="12700" cmpd="sng">
+                      <a:noFill/>
+                      <a:prstDash val="solid"/>
+                    </a:lnBlToTr>
+                    <a:noFill/>
+                  </a:tcPr>
+                </a:tc>
+                <a:tc>
+                  <a:txBody>
+                    <a:bodyPr/>
+                    <a:lstStyle/>
+                    <a:p>
+                      <a:pPr algn="r"/>
+                      <a:r>
+                        <a:rPr lang="hu-HU" sz="1200" dirty="0">
+                          <a:effectLst>
+                            <a:outerShdw blurRad="38100" dist="38100" dir="2700000" algn="tl">
+                              <a:srgbClr val="000000">
+                                <a:alpha val="43137"/>
+                              </a:srgbClr>
+                            </a:outerShdw>
+                          </a:effectLst>
+                        </a:rPr>
+                        <a:t>25th, December 2018.</a:t>
+                      </a:r>
+                    </a:p>
+                  </a:txBody>
+                  <a:tcPr anchor="ctr">
+                    <a:lnL w="12700" cap="flat" cmpd="sng" algn="ctr">
+                      <a:solidFill>
+                        <a:schemeClr val="bg1"/>
+                      </a:solidFill>
+                      <a:prstDash val="solid"/>
+                      <a:round/>
+                      <a:headEnd type="none" w="med" len="med"/>
+                      <a:tailEnd type="none" w="med" len="med"/>
+                    </a:lnL>
+                    <a:lnR w="12700" cmpd="sng">
+                      <a:noFill/>
+                    </a:lnR>
+                    <a:lnT w="12700" cmpd="sng">
+                      <a:noFill/>
+                    </a:lnT>
+                    <a:lnB w="38100" cmpd="sng">
+                      <a:noFill/>
+                    </a:lnB>
+                    <a:lnTlToBr w="12700" cmpd="sng">
+                      <a:noFill/>
+                      <a:prstDash val="solid"/>
+                    </a:lnTlToBr>
+                    <a:lnBlToTr w="12700" cmpd="sng">
+                      <a:noFill/>
+                      <a:prstDash val="solid"/>
+                    </a:lnBlToTr>
+                    <a:noFill/>
+                  </a:tcPr>
+                </a:tc>
+                <a:extLst>
+                  <a:ext uri="{0D108BD9-81ED-4DB2-BD59-A6C34878D82A}">
+                    <a16:rowId xmlns:a16="http://schemas.microsoft.com/office/drawing/2014/main" val="470580504"/>
+                  </a:ext>
+                </a:extLst>
+              </a:tr>
+            </a:tbl>
+          </a:graphicData>
+        </a:graphic>
+      </p:graphicFrame>
+      <p:sp>
+        <p:nvSpPr>
+          <p:cNvPr id="10" name="Rectangle 9">
+            <a:extLst>
+              <a:ext uri="{FF2B5EF4-FFF2-40B4-BE49-F238E27FC236}">
+                <a16:creationId xmlns:a16="http://schemas.microsoft.com/office/drawing/2014/main" id="{3B874EBB-4FE5-4CF1-8E7F-4BE6E22D572F}"/>
+              </a:ext>
+            </a:extLst>
+          </p:cNvPr>
+          <p:cNvSpPr/>
+          <p:nvPr/>
+        </p:nvSpPr>
+        <p:spPr>
+          <a:xfrm>
+            <a:off x="9911024" y="2037359"/>
+            <a:ext cx="1716949" cy="1102120"/>
           </a:xfrm>
           <a:prstGeom prst="rect">
             <a:avLst/>
           </a:prstGeom>
+          <a:solidFill>
+            <a:schemeClr val="bg2">
+              <a:lumMod val="50000"/>
+            </a:schemeClr>
+          </a:solidFill>
           <a:ln w="57150">
             <a:solidFill>
               <a:schemeClr val="bg1">
@@ -8921,127 +11354,1580 @@
           <a:p>
             <a:pPr algn="ctr"/>
             <a:r>
-              <a:rPr lang="hu-HU" b="1" dirty="0"/>
-              <a:t>End </a:t>
-            </a:r>
-            <a:r>
-              <a:rPr lang="hu-HU" b="1" dirty="0" err="1"/>
-              <a:t>Node</a:t>
-            </a:r>
-            <a:endParaRPr lang="hu-HU" b="1" dirty="0"/>
-          </a:p>
+              <a:rPr lang="hu-HU" sz="2400" b="1" dirty="0" err="1"/>
+              <a:t>User</a:t>
+            </a:r>
+            <a:r>
+              <a:rPr lang="hu-HU" sz="2400" b="1" dirty="0"/>
+              <a:t> </a:t>
+            </a:r>
+            <a:r>
+              <a:rPr lang="hu-HU" sz="2400" b="1" dirty="0" err="1"/>
+              <a:t>Client</a:t>
+            </a:r>
+            <a:endParaRPr lang="hu-HU" sz="2400" b="1" dirty="0"/>
+          </a:p>
+        </p:txBody>
+      </p:sp>
+      <p:grpSp>
+        <p:nvGrpSpPr>
+          <p:cNvPr id="20" name="Group 19">
+            <a:extLst>
+              <a:ext uri="{FF2B5EF4-FFF2-40B4-BE49-F238E27FC236}">
+                <a16:creationId xmlns:a16="http://schemas.microsoft.com/office/drawing/2014/main" id="{2F3CF417-1D42-4B02-B17A-B1A426AB2A0E}"/>
+              </a:ext>
+            </a:extLst>
+          </p:cNvPr>
+          <p:cNvGrpSpPr/>
+          <p:nvPr/>
+        </p:nvGrpSpPr>
+        <p:grpSpPr>
+          <a:xfrm>
+            <a:off x="84397" y="2641079"/>
+            <a:ext cx="2147074" cy="2798958"/>
+            <a:chOff x="185065" y="1694577"/>
+            <a:chExt cx="2147074" cy="2798958"/>
+          </a:xfrm>
+        </p:grpSpPr>
+        <p:sp>
+          <p:nvSpPr>
+            <p:cNvPr id="8" name="Rectangle 7">
+              <a:extLst>
+                <a:ext uri="{FF2B5EF4-FFF2-40B4-BE49-F238E27FC236}">
+                  <a16:creationId xmlns:a16="http://schemas.microsoft.com/office/drawing/2014/main" id="{C3B65777-C8B9-42F0-8604-EA888B528986}"/>
+                </a:ext>
+              </a:extLst>
+            </p:cNvPr>
+            <p:cNvSpPr/>
+            <p:nvPr/>
+          </p:nvSpPr>
+          <p:spPr>
+            <a:xfrm>
+              <a:off x="185065" y="1694577"/>
+              <a:ext cx="2147074" cy="2798958"/>
+            </a:xfrm>
+            <a:prstGeom prst="rect">
+              <a:avLst/>
+            </a:prstGeom>
+            <a:ln w="57150">
+              <a:solidFill>
+                <a:schemeClr val="bg1">
+                  <a:lumMod val="85000"/>
+                </a:schemeClr>
+              </a:solidFill>
+            </a:ln>
+          </p:spPr>
+          <p:style>
+            <a:lnRef idx="2">
+              <a:schemeClr val="accent6">
+                <a:shade val="50000"/>
+              </a:schemeClr>
+            </a:lnRef>
+            <a:fillRef idx="1">
+              <a:schemeClr val="accent6"/>
+            </a:fillRef>
+            <a:effectRef idx="0">
+              <a:schemeClr val="accent6"/>
+            </a:effectRef>
+            <a:fontRef idx="minor">
+              <a:schemeClr val="lt1"/>
+            </a:fontRef>
+          </p:style>
+          <p:txBody>
+            <a:bodyPr rtlCol="0" anchor="t"/>
+            <a:lstStyle/>
+            <a:p>
+              <a:pPr algn="ctr"/>
+              <a:r>
+                <a:rPr lang="hu-HU" sz="2400" b="1" dirty="0"/>
+                <a:t>End </a:t>
+              </a:r>
+              <a:r>
+                <a:rPr lang="hu-HU" sz="2400" b="1" dirty="0" err="1"/>
+                <a:t>Node</a:t>
+              </a:r>
+              <a:endParaRPr lang="hu-HU" sz="2400" b="1" dirty="0"/>
+            </a:p>
+          </p:txBody>
+        </p:sp>
+        <p:sp>
+          <p:nvSpPr>
+            <p:cNvPr id="15" name="Rectangle 14">
+              <a:extLst>
+                <a:ext uri="{FF2B5EF4-FFF2-40B4-BE49-F238E27FC236}">
+                  <a16:creationId xmlns:a16="http://schemas.microsoft.com/office/drawing/2014/main" id="{CCE6BD9C-29A1-428F-AAFD-FD5BD02F6F96}"/>
+                </a:ext>
+              </a:extLst>
+            </p:cNvPr>
+            <p:cNvSpPr/>
+            <p:nvPr/>
+          </p:nvSpPr>
+          <p:spPr>
+            <a:xfrm>
+              <a:off x="287131" y="2205299"/>
+              <a:ext cx="1927563" cy="646331"/>
+            </a:xfrm>
+            <a:prstGeom prst="rect">
+              <a:avLst/>
+            </a:prstGeom>
+            <a:ln w="57150">
+              <a:solidFill>
+                <a:schemeClr val="bg1">
+                  <a:lumMod val="85000"/>
+                </a:schemeClr>
+              </a:solidFill>
+            </a:ln>
+          </p:spPr>
+          <p:style>
+            <a:lnRef idx="2">
+              <a:schemeClr val="accent6">
+                <a:shade val="50000"/>
+              </a:schemeClr>
+            </a:lnRef>
+            <a:fillRef idx="1">
+              <a:schemeClr val="accent6"/>
+            </a:fillRef>
+            <a:effectRef idx="0">
+              <a:schemeClr val="accent6"/>
+            </a:effectRef>
+            <a:fontRef idx="minor">
+              <a:schemeClr val="lt1"/>
+            </a:fontRef>
+          </p:style>
+          <p:txBody>
+            <a:bodyPr rtlCol="0" anchor="t"/>
+            <a:lstStyle/>
+            <a:p>
+              <a:pPr algn="ctr"/>
+              <a:r>
+                <a:rPr lang="hu-HU" b="1" dirty="0" err="1"/>
+                <a:t>Node</a:t>
+              </a:r>
+              <a:r>
+                <a:rPr lang="hu-HU" b="1" dirty="0"/>
+                <a:t> </a:t>
+              </a:r>
+              <a:r>
+                <a:rPr lang="hu-HU" b="1" dirty="0" err="1"/>
+                <a:t>Functionality</a:t>
+              </a:r>
+              <a:endParaRPr lang="hu-HU" b="1" dirty="0"/>
+            </a:p>
+          </p:txBody>
+        </p:sp>
+        <p:sp>
+          <p:nvSpPr>
+            <p:cNvPr id="16" name="Rectangle 15">
+              <a:extLst>
+                <a:ext uri="{FF2B5EF4-FFF2-40B4-BE49-F238E27FC236}">
+                  <a16:creationId xmlns:a16="http://schemas.microsoft.com/office/drawing/2014/main" id="{5499A191-8440-435D-A25B-7AAAF193CDBF}"/>
+                </a:ext>
+              </a:extLst>
+            </p:cNvPr>
+            <p:cNvSpPr/>
+            <p:nvPr/>
+          </p:nvSpPr>
+          <p:spPr>
+            <a:xfrm>
+              <a:off x="287131" y="3850436"/>
+              <a:ext cx="1927563" cy="522567"/>
+            </a:xfrm>
+            <a:prstGeom prst="rect">
+              <a:avLst/>
+            </a:prstGeom>
+            <a:ln w="57150">
+              <a:solidFill>
+                <a:schemeClr val="bg1">
+                  <a:lumMod val="85000"/>
+                </a:schemeClr>
+              </a:solidFill>
+            </a:ln>
+          </p:spPr>
+          <p:style>
+            <a:lnRef idx="2">
+              <a:schemeClr val="accent6">
+                <a:shade val="50000"/>
+              </a:schemeClr>
+            </a:lnRef>
+            <a:fillRef idx="1">
+              <a:schemeClr val="accent6"/>
+            </a:fillRef>
+            <a:effectRef idx="0">
+              <a:schemeClr val="accent6"/>
+            </a:effectRef>
+            <a:fontRef idx="minor">
+              <a:schemeClr val="lt1"/>
+            </a:fontRef>
+          </p:style>
+          <p:txBody>
+            <a:bodyPr rtlCol="0" anchor="t"/>
+            <a:lstStyle/>
+            <a:p>
+              <a:pPr algn="ctr"/>
+              <a:r>
+                <a:rPr lang="hu-HU" b="1" dirty="0" err="1"/>
+                <a:t>Simple</a:t>
+              </a:r>
+              <a:r>
+                <a:rPr lang="hu-HU" b="1" dirty="0"/>
+                <a:t> WebServer</a:t>
+              </a:r>
+            </a:p>
+          </p:txBody>
+        </p:sp>
+        <p:cxnSp>
+          <p:nvCxnSpPr>
+            <p:cNvPr id="18" name="Straight Arrow Connector 17">
+              <a:extLst>
+                <a:ext uri="{FF2B5EF4-FFF2-40B4-BE49-F238E27FC236}">
+                  <a16:creationId xmlns:a16="http://schemas.microsoft.com/office/drawing/2014/main" id="{4DFC655E-2C6D-434D-B98B-4B1260C83679}"/>
+                </a:ext>
+              </a:extLst>
+            </p:cNvPr>
+            <p:cNvCxnSpPr>
+              <a:cxnSpLocks/>
+              <a:stCxn id="15" idx="2"/>
+              <a:endCxn id="16" idx="0"/>
+            </p:cNvCxnSpPr>
+            <p:nvPr/>
+          </p:nvCxnSpPr>
+          <p:spPr>
+            <a:xfrm>
+              <a:off x="1250913" y="2851630"/>
+              <a:ext cx="0" cy="998806"/>
+            </a:xfrm>
+            <a:prstGeom prst="straightConnector1">
+              <a:avLst/>
+            </a:prstGeom>
+            <a:ln>
+              <a:headEnd type="triangle"/>
+              <a:tailEnd type="triangle"/>
+            </a:ln>
+          </p:spPr>
+          <p:style>
+            <a:lnRef idx="3">
+              <a:schemeClr val="accent2"/>
+            </a:lnRef>
+            <a:fillRef idx="0">
+              <a:schemeClr val="accent2"/>
+            </a:fillRef>
+            <a:effectRef idx="2">
+              <a:schemeClr val="accent2"/>
+            </a:effectRef>
+            <a:fontRef idx="minor">
+              <a:schemeClr val="tx1"/>
+            </a:fontRef>
+          </p:style>
+        </p:cxnSp>
+        <p:sp>
+          <p:nvSpPr>
+            <p:cNvPr id="19" name="TextBox 18">
+              <a:extLst>
+                <a:ext uri="{FF2B5EF4-FFF2-40B4-BE49-F238E27FC236}">
+                  <a16:creationId xmlns:a16="http://schemas.microsoft.com/office/drawing/2014/main" id="{DF476C52-5B59-402B-BD7C-8AEB65E44CA5}"/>
+                </a:ext>
+              </a:extLst>
+            </p:cNvPr>
+            <p:cNvSpPr txBox="1"/>
+            <p:nvPr/>
+          </p:nvSpPr>
+          <p:spPr>
+            <a:xfrm>
+              <a:off x="657138" y="3104485"/>
+              <a:ext cx="1321708" cy="369332"/>
+            </a:xfrm>
+            <a:prstGeom prst="rect">
+              <a:avLst/>
+            </a:prstGeom>
+            <a:noFill/>
+          </p:spPr>
+          <p:txBody>
+            <a:bodyPr wrap="none" rtlCol="0">
+              <a:spAutoFit/>
+            </a:bodyPr>
+            <a:lstStyle/>
+            <a:p>
+              <a:r>
+                <a:rPr lang="hu-HU" dirty="0" err="1"/>
+                <a:t>WebSockets</a:t>
+              </a:r>
+              <a:endParaRPr lang="hu-HU" dirty="0"/>
+            </a:p>
+          </p:txBody>
+        </p:sp>
+      </p:grpSp>
+      <p:grpSp>
+        <p:nvGrpSpPr>
+          <p:cNvPr id="21" name="Group 20">
+            <a:extLst>
+              <a:ext uri="{FF2B5EF4-FFF2-40B4-BE49-F238E27FC236}">
+                <a16:creationId xmlns:a16="http://schemas.microsoft.com/office/drawing/2014/main" id="{6057E1A8-6C0A-4D70-8350-A4BDD587E8B5}"/>
+              </a:ext>
+            </a:extLst>
+          </p:cNvPr>
+          <p:cNvGrpSpPr/>
+          <p:nvPr/>
+        </p:nvGrpSpPr>
+        <p:grpSpPr>
+          <a:xfrm>
+            <a:off x="4562659" y="750685"/>
+            <a:ext cx="3204087" cy="5058529"/>
+            <a:chOff x="663236" y="767463"/>
+            <a:chExt cx="3204087" cy="5058529"/>
+          </a:xfrm>
+        </p:grpSpPr>
+        <p:sp>
+          <p:nvSpPr>
+            <p:cNvPr id="22" name="Rectangle 21">
+              <a:extLst>
+                <a:ext uri="{FF2B5EF4-FFF2-40B4-BE49-F238E27FC236}">
+                  <a16:creationId xmlns:a16="http://schemas.microsoft.com/office/drawing/2014/main" id="{021D2F70-8D5E-4D71-859F-C52A1AAC5464}"/>
+                </a:ext>
+              </a:extLst>
+            </p:cNvPr>
+            <p:cNvSpPr/>
+            <p:nvPr/>
+          </p:nvSpPr>
+          <p:spPr>
+            <a:xfrm>
+              <a:off x="663236" y="767463"/>
+              <a:ext cx="3204087" cy="5058529"/>
+            </a:xfrm>
+            <a:prstGeom prst="rect">
+              <a:avLst/>
+            </a:prstGeom>
+            <a:solidFill>
+              <a:schemeClr val="accent1">
+                <a:lumMod val="75000"/>
+              </a:schemeClr>
+            </a:solidFill>
+            <a:ln w="57150">
+              <a:solidFill>
+                <a:schemeClr val="bg1">
+                  <a:lumMod val="85000"/>
+                </a:schemeClr>
+              </a:solidFill>
+            </a:ln>
+          </p:spPr>
+          <p:style>
+            <a:lnRef idx="2">
+              <a:schemeClr val="accent6">
+                <a:shade val="50000"/>
+              </a:schemeClr>
+            </a:lnRef>
+            <a:fillRef idx="1">
+              <a:schemeClr val="accent6"/>
+            </a:fillRef>
+            <a:effectRef idx="0">
+              <a:schemeClr val="accent6"/>
+            </a:effectRef>
+            <a:fontRef idx="minor">
+              <a:schemeClr val="lt1"/>
+            </a:fontRef>
+          </p:style>
+          <p:txBody>
+            <a:bodyPr rtlCol="0" anchor="t"/>
+            <a:lstStyle/>
+            <a:p>
+              <a:pPr algn="ctr"/>
+              <a:r>
+                <a:rPr lang="hu-HU" sz="2400" b="1" dirty="0"/>
+                <a:t>Server</a:t>
+              </a:r>
+            </a:p>
+          </p:txBody>
+        </p:sp>
+        <p:sp>
+          <p:nvSpPr>
+            <p:cNvPr id="23" name="Rectangle 22">
+              <a:extLst>
+                <a:ext uri="{FF2B5EF4-FFF2-40B4-BE49-F238E27FC236}">
+                  <a16:creationId xmlns:a16="http://schemas.microsoft.com/office/drawing/2014/main" id="{2C787468-AB3F-4E62-9C39-078B6DBD177A}"/>
+                </a:ext>
+              </a:extLst>
+            </p:cNvPr>
+            <p:cNvSpPr/>
+            <p:nvPr/>
+          </p:nvSpPr>
+          <p:spPr>
+            <a:xfrm>
+              <a:off x="751317" y="1915666"/>
+              <a:ext cx="3015339" cy="1364429"/>
+            </a:xfrm>
+            <a:prstGeom prst="rect">
+              <a:avLst/>
+            </a:prstGeom>
+            <a:solidFill>
+              <a:schemeClr val="bg2">
+                <a:lumMod val="50000"/>
+              </a:schemeClr>
+            </a:solidFill>
+            <a:ln w="57150">
+              <a:solidFill>
+                <a:schemeClr val="bg1">
+                  <a:lumMod val="85000"/>
+                </a:schemeClr>
+              </a:solidFill>
+            </a:ln>
+          </p:spPr>
+          <p:style>
+            <a:lnRef idx="2">
+              <a:schemeClr val="accent6">
+                <a:shade val="50000"/>
+              </a:schemeClr>
+            </a:lnRef>
+            <a:fillRef idx="1">
+              <a:schemeClr val="accent6"/>
+            </a:fillRef>
+            <a:effectRef idx="0">
+              <a:schemeClr val="accent6"/>
+            </a:effectRef>
+            <a:fontRef idx="minor">
+              <a:schemeClr val="lt1"/>
+            </a:fontRef>
+          </p:style>
+          <p:txBody>
+            <a:bodyPr rtlCol="0" anchor="t"/>
+            <a:lstStyle/>
+            <a:p>
+              <a:pPr algn="ctr"/>
+              <a:r>
+                <a:rPr lang="hu-HU" sz="1400" b="1" dirty="0"/>
+                <a:t>WebServer</a:t>
+              </a:r>
+            </a:p>
+            <a:p>
+              <a:pPr marL="285750" indent="-285750">
+                <a:buFont typeface="Arial" panose="020B0604020202020204" pitchFamily="34" charset="0"/>
+                <a:buChar char="•"/>
+              </a:pPr>
+              <a:r>
+                <a:rPr lang="hu-HU" sz="1400" dirty="0" err="1"/>
+                <a:t>User</a:t>
+              </a:r>
+              <a:r>
+                <a:rPr lang="hu-HU" sz="1400" dirty="0"/>
+                <a:t> </a:t>
+              </a:r>
+              <a:r>
+                <a:rPr lang="hu-HU" sz="1400" dirty="0" err="1"/>
+                <a:t>Authentication</a:t>
+              </a:r>
+              <a:endParaRPr lang="hu-HU" sz="1400" dirty="0"/>
+            </a:p>
+            <a:p>
+              <a:pPr marL="285750" indent="-285750">
+                <a:buFont typeface="Arial" panose="020B0604020202020204" pitchFamily="34" charset="0"/>
+                <a:buChar char="•"/>
+              </a:pPr>
+              <a:r>
+                <a:rPr lang="hu-HU" sz="1400" dirty="0" err="1"/>
+                <a:t>Interface</a:t>
+              </a:r>
+              <a:r>
+                <a:rPr lang="hu-HU" sz="1400" dirty="0"/>
+                <a:t> </a:t>
+              </a:r>
+              <a:r>
+                <a:rPr lang="hu-HU" sz="1400" dirty="0" err="1"/>
+                <a:t>to</a:t>
+              </a:r>
+              <a:r>
+                <a:rPr lang="hu-HU" sz="1400" dirty="0"/>
+                <a:t> </a:t>
+              </a:r>
+              <a:r>
+                <a:rPr lang="hu-HU" sz="1400" dirty="0" err="1"/>
+                <a:t>Automation</a:t>
+              </a:r>
+              <a:r>
+                <a:rPr lang="hu-HU" sz="1400" dirty="0"/>
+                <a:t> Server</a:t>
+              </a:r>
+            </a:p>
+            <a:p>
+              <a:pPr marL="285750" indent="-285750">
+                <a:buFont typeface="Arial" panose="020B0604020202020204" pitchFamily="34" charset="0"/>
+                <a:buChar char="•"/>
+              </a:pPr>
+              <a:r>
+                <a:rPr lang="hu-HU" sz="1400" dirty="0" err="1"/>
+                <a:t>Interface</a:t>
+              </a:r>
+              <a:r>
+                <a:rPr lang="hu-HU" sz="1400" dirty="0"/>
+                <a:t> </a:t>
+              </a:r>
+              <a:r>
+                <a:rPr lang="hu-HU" sz="1400" dirty="0" err="1"/>
+                <a:t>to</a:t>
+              </a:r>
+              <a:r>
+                <a:rPr lang="hu-HU" sz="1400" dirty="0"/>
+                <a:t> </a:t>
+              </a:r>
+              <a:r>
+                <a:rPr lang="hu-HU" sz="1400" dirty="0" err="1"/>
+                <a:t>DataBase</a:t>
+              </a:r>
+              <a:endParaRPr lang="hu-HU" sz="1400" dirty="0"/>
+            </a:p>
+            <a:p>
+              <a:pPr marL="285750" indent="-285750">
+                <a:buFont typeface="Arial" panose="020B0604020202020204" pitchFamily="34" charset="0"/>
+                <a:buChar char="•"/>
+              </a:pPr>
+              <a:r>
+                <a:rPr lang="hu-HU" sz="1400" dirty="0" err="1"/>
+                <a:t>Provide</a:t>
+              </a:r>
+              <a:r>
+                <a:rPr lang="hu-HU" sz="1400" dirty="0"/>
+                <a:t> </a:t>
+              </a:r>
+              <a:r>
+                <a:rPr lang="hu-HU" sz="1400" dirty="0" err="1"/>
+                <a:t>Application</a:t>
+              </a:r>
+              <a:r>
+                <a:rPr lang="hu-HU" sz="1400" dirty="0"/>
+                <a:t> and </a:t>
+              </a:r>
+              <a:r>
+                <a:rPr lang="hu-HU" sz="1400" dirty="0" err="1"/>
+                <a:t>Configuration</a:t>
+              </a:r>
+              <a:r>
+                <a:rPr lang="hu-HU" sz="1400" dirty="0"/>
+                <a:t> GUI</a:t>
+              </a:r>
+            </a:p>
+          </p:txBody>
+        </p:sp>
+        <p:sp>
+          <p:nvSpPr>
+            <p:cNvPr id="24" name="Rectangle 23">
+              <a:extLst>
+                <a:ext uri="{FF2B5EF4-FFF2-40B4-BE49-F238E27FC236}">
+                  <a16:creationId xmlns:a16="http://schemas.microsoft.com/office/drawing/2014/main" id="{2C1625E1-445B-4D5B-92A9-2F10C4C65536}"/>
+                </a:ext>
+              </a:extLst>
+            </p:cNvPr>
+            <p:cNvSpPr/>
+            <p:nvPr/>
+          </p:nvSpPr>
+          <p:spPr>
+            <a:xfrm>
+              <a:off x="751317" y="3283485"/>
+              <a:ext cx="3015339" cy="1547703"/>
+            </a:xfrm>
+            <a:prstGeom prst="rect">
+              <a:avLst/>
+            </a:prstGeom>
+            <a:solidFill>
+              <a:schemeClr val="tx2">
+                <a:lumMod val="60000"/>
+                <a:lumOff val="40000"/>
+              </a:schemeClr>
+            </a:solidFill>
+            <a:ln w="57150">
+              <a:solidFill>
+                <a:schemeClr val="bg1">
+                  <a:lumMod val="85000"/>
+                </a:schemeClr>
+              </a:solidFill>
+            </a:ln>
+          </p:spPr>
+          <p:style>
+            <a:lnRef idx="2">
+              <a:schemeClr val="accent6">
+                <a:shade val="50000"/>
+              </a:schemeClr>
+            </a:lnRef>
+            <a:fillRef idx="1">
+              <a:schemeClr val="accent6"/>
+            </a:fillRef>
+            <a:effectRef idx="0">
+              <a:schemeClr val="accent6"/>
+            </a:effectRef>
+            <a:fontRef idx="minor">
+              <a:schemeClr val="lt1"/>
+            </a:fontRef>
+          </p:style>
+          <p:txBody>
+            <a:bodyPr rtlCol="0" anchor="t"/>
+            <a:lstStyle/>
+            <a:p>
+              <a:pPr algn="ctr"/>
+              <a:r>
+                <a:rPr lang="hu-HU" sz="1400" b="1" dirty="0" err="1"/>
+                <a:t>Automation</a:t>
+              </a:r>
+              <a:r>
+                <a:rPr lang="hu-HU" sz="1400" b="1" dirty="0"/>
+                <a:t> Server</a:t>
+              </a:r>
+            </a:p>
+            <a:p>
+              <a:pPr marL="285750" indent="-285750">
+                <a:buFont typeface="Arial" panose="020B0604020202020204" pitchFamily="34" charset="0"/>
+                <a:buChar char="•"/>
+              </a:pPr>
+              <a:r>
+                <a:rPr lang="hu-HU" sz="1400" dirty="0" err="1"/>
+                <a:t>Initial</a:t>
+              </a:r>
+              <a:r>
+                <a:rPr lang="hu-HU" sz="1400" dirty="0"/>
+                <a:t> </a:t>
+              </a:r>
+              <a:r>
+                <a:rPr lang="hu-HU" sz="1400" dirty="0" err="1"/>
+                <a:t>setup</a:t>
+              </a:r>
+              <a:r>
+                <a:rPr lang="hu-HU" sz="1400" dirty="0"/>
+                <a:t> of </a:t>
+              </a:r>
+              <a:r>
+                <a:rPr lang="hu-HU" sz="1400" dirty="0" err="1"/>
+                <a:t>Nodes</a:t>
+              </a:r>
+              <a:endParaRPr lang="hu-HU" sz="1400" dirty="0"/>
+            </a:p>
+            <a:p>
+              <a:pPr marL="285750" indent="-285750">
+                <a:buFont typeface="Arial" panose="020B0604020202020204" pitchFamily="34" charset="0"/>
+                <a:buChar char="•"/>
+              </a:pPr>
+              <a:r>
+                <a:rPr lang="hu-HU" sz="1400" dirty="0" err="1"/>
+                <a:t>Accepting</a:t>
+              </a:r>
+              <a:r>
+                <a:rPr lang="hu-HU" sz="1400" dirty="0"/>
+                <a:t> </a:t>
+              </a:r>
+              <a:r>
+                <a:rPr lang="hu-HU" sz="1400" dirty="0" err="1"/>
+                <a:t>connections</a:t>
+              </a:r>
+              <a:r>
+                <a:rPr lang="hu-HU" sz="1400" dirty="0"/>
+                <a:t> </a:t>
+              </a:r>
+              <a:r>
+                <a:rPr lang="hu-HU" sz="1400" dirty="0" err="1"/>
+                <a:t>from</a:t>
+              </a:r>
+              <a:r>
+                <a:rPr lang="hu-HU" sz="1400" dirty="0"/>
+                <a:t> </a:t>
+              </a:r>
+              <a:r>
+                <a:rPr lang="hu-HU" sz="1400" dirty="0" err="1"/>
+                <a:t>Nodes</a:t>
+              </a:r>
+              <a:endParaRPr lang="hu-HU" sz="1400" dirty="0"/>
+            </a:p>
+            <a:p>
+              <a:pPr marL="285750" indent="-285750">
+                <a:buFont typeface="Arial" panose="020B0604020202020204" pitchFamily="34" charset="0"/>
+                <a:buChar char="•"/>
+              </a:pPr>
+              <a:r>
+                <a:rPr lang="hu-HU" sz="1400" dirty="0" err="1"/>
+                <a:t>Handling</a:t>
+              </a:r>
+              <a:r>
+                <a:rPr lang="hu-HU" sz="1400" dirty="0"/>
+                <a:t> </a:t>
+              </a:r>
+              <a:r>
+                <a:rPr lang="hu-HU" sz="1400" dirty="0" err="1"/>
+                <a:t>data</a:t>
+              </a:r>
+              <a:r>
+                <a:rPr lang="hu-HU" sz="1400" dirty="0"/>
+                <a:t> </a:t>
+              </a:r>
+              <a:r>
+                <a:rPr lang="hu-HU" sz="1400" dirty="0" err="1"/>
+                <a:t>to</a:t>
+              </a:r>
+              <a:r>
+                <a:rPr lang="hu-HU" sz="1400" dirty="0"/>
+                <a:t>/</a:t>
+              </a:r>
+              <a:r>
+                <a:rPr lang="hu-HU" sz="1400" dirty="0" err="1"/>
+                <a:t>from</a:t>
+              </a:r>
+              <a:r>
+                <a:rPr lang="hu-HU" sz="1400" dirty="0"/>
+                <a:t> </a:t>
+              </a:r>
+              <a:r>
+                <a:rPr lang="hu-HU" sz="1400" dirty="0" err="1"/>
+                <a:t>Nodes</a:t>
+              </a:r>
+              <a:endParaRPr lang="hu-HU" sz="1400" dirty="0"/>
+            </a:p>
+            <a:p>
+              <a:pPr marL="285750" indent="-285750">
+                <a:buFont typeface="Arial" panose="020B0604020202020204" pitchFamily="34" charset="0"/>
+                <a:buChar char="•"/>
+              </a:pPr>
+              <a:r>
+                <a:rPr lang="hu-HU" sz="1400" dirty="0" err="1"/>
+                <a:t>Storing</a:t>
+              </a:r>
+              <a:r>
+                <a:rPr lang="hu-HU" sz="1400" dirty="0"/>
+                <a:t> </a:t>
+              </a:r>
+              <a:r>
+                <a:rPr lang="hu-HU" sz="1400" dirty="0" err="1"/>
+                <a:t>data</a:t>
+              </a:r>
+              <a:r>
+                <a:rPr lang="hu-HU" sz="1400" dirty="0"/>
+                <a:t> in Server </a:t>
+              </a:r>
+              <a:r>
+                <a:rPr lang="hu-HU" sz="1400" dirty="0" err="1"/>
+                <a:t>DataBase</a:t>
+              </a:r>
+              <a:endParaRPr lang="hu-HU" sz="1400" dirty="0"/>
+            </a:p>
+            <a:p>
+              <a:pPr marL="285750" indent="-285750">
+                <a:buFont typeface="Arial" panose="020B0604020202020204" pitchFamily="34" charset="0"/>
+                <a:buChar char="•"/>
+              </a:pPr>
+              <a:r>
+                <a:rPr lang="hu-HU" sz="1400" dirty="0" err="1"/>
+                <a:t>Interface</a:t>
+              </a:r>
+              <a:r>
+                <a:rPr lang="hu-HU" sz="1400" dirty="0"/>
+                <a:t> </a:t>
+              </a:r>
+              <a:r>
+                <a:rPr lang="hu-HU" sz="1400" dirty="0" err="1"/>
+                <a:t>to</a:t>
+              </a:r>
+              <a:r>
+                <a:rPr lang="hu-HU" sz="1400" dirty="0"/>
+                <a:t> WebServer</a:t>
+              </a:r>
+            </a:p>
+            <a:p>
+              <a:pPr marL="285750" indent="-285750">
+                <a:buFont typeface="Arial" panose="020B0604020202020204" pitchFamily="34" charset="0"/>
+                <a:buChar char="•"/>
+              </a:pPr>
+              <a:r>
+                <a:rPr lang="hu-HU" sz="1400" dirty="0" err="1"/>
+                <a:t>Task</a:t>
+              </a:r>
+              <a:r>
+                <a:rPr lang="hu-HU" sz="1400" dirty="0"/>
+                <a:t> Scheduler. I/O Relations</a:t>
+              </a:r>
+            </a:p>
+          </p:txBody>
+        </p:sp>
+        <p:sp>
+          <p:nvSpPr>
+            <p:cNvPr id="25" name="Rectangle 24">
+              <a:extLst>
+                <a:ext uri="{FF2B5EF4-FFF2-40B4-BE49-F238E27FC236}">
+                  <a16:creationId xmlns:a16="http://schemas.microsoft.com/office/drawing/2014/main" id="{AABCCDDA-251B-4EA5-A115-0527833E3466}"/>
+                </a:ext>
+              </a:extLst>
+            </p:cNvPr>
+            <p:cNvSpPr/>
+            <p:nvPr/>
+          </p:nvSpPr>
+          <p:spPr>
+            <a:xfrm>
+              <a:off x="751317" y="1239433"/>
+              <a:ext cx="3015339" cy="676145"/>
+            </a:xfrm>
+            <a:prstGeom prst="rect">
+              <a:avLst/>
+            </a:prstGeom>
+            <a:solidFill>
+              <a:schemeClr val="accent1">
+                <a:lumMod val="60000"/>
+                <a:lumOff val="40000"/>
+              </a:schemeClr>
+            </a:solidFill>
+            <a:ln w="57150">
+              <a:solidFill>
+                <a:schemeClr val="bg1">
+                  <a:lumMod val="85000"/>
+                </a:schemeClr>
+              </a:solidFill>
+            </a:ln>
+          </p:spPr>
+          <p:style>
+            <a:lnRef idx="2">
+              <a:schemeClr val="accent6">
+                <a:shade val="50000"/>
+              </a:schemeClr>
+            </a:lnRef>
+            <a:fillRef idx="1">
+              <a:schemeClr val="accent6"/>
+            </a:fillRef>
+            <a:effectRef idx="0">
+              <a:schemeClr val="accent6"/>
+            </a:effectRef>
+            <a:fontRef idx="minor">
+              <a:schemeClr val="lt1"/>
+            </a:fontRef>
+          </p:style>
+          <p:txBody>
+            <a:bodyPr rtlCol="0" anchor="t"/>
+            <a:lstStyle/>
+            <a:p>
+              <a:pPr algn="ctr"/>
+              <a:r>
+                <a:rPr lang="hu-HU" sz="1300" b="1" dirty="0"/>
+                <a:t>GUI</a:t>
+              </a:r>
+            </a:p>
+            <a:p>
+              <a:pPr marL="285750" indent="-285750">
+                <a:buFont typeface="Arial" panose="020B0604020202020204" pitchFamily="34" charset="0"/>
+                <a:buChar char="•"/>
+              </a:pPr>
+              <a:r>
+                <a:rPr lang="hu-HU" sz="1300" dirty="0" err="1"/>
+                <a:t>Same</a:t>
+              </a:r>
+              <a:r>
+                <a:rPr lang="hu-HU" sz="1300" dirty="0"/>
+                <a:t> GUI </a:t>
+              </a:r>
+              <a:r>
+                <a:rPr lang="hu-HU" sz="1300" dirty="0" err="1"/>
+                <a:t>as</a:t>
+              </a:r>
+              <a:r>
+                <a:rPr lang="hu-HU" sz="1300" dirty="0"/>
+                <a:t> </a:t>
+              </a:r>
+              <a:r>
+                <a:rPr lang="hu-HU" sz="1300" dirty="0" err="1"/>
+                <a:t>on</a:t>
+              </a:r>
+              <a:r>
+                <a:rPr lang="hu-HU" sz="1300" dirty="0"/>
+                <a:t> </a:t>
+              </a:r>
+              <a:r>
+                <a:rPr lang="hu-HU" sz="1300" dirty="0" err="1"/>
+                <a:t>User</a:t>
+              </a:r>
+              <a:r>
+                <a:rPr lang="hu-HU" sz="1300" dirty="0"/>
+                <a:t> </a:t>
+              </a:r>
+              <a:r>
+                <a:rPr lang="hu-HU" sz="1300" dirty="0" err="1"/>
+                <a:t>Clients</a:t>
+              </a:r>
+              <a:r>
+                <a:rPr lang="hu-HU" sz="1300" dirty="0"/>
+                <a:t> (in Browser)</a:t>
+              </a:r>
+            </a:p>
+          </p:txBody>
+        </p:sp>
+        <p:sp>
+          <p:nvSpPr>
+            <p:cNvPr id="26" name="Rectangle 25">
+              <a:extLst>
+                <a:ext uri="{FF2B5EF4-FFF2-40B4-BE49-F238E27FC236}">
+                  <a16:creationId xmlns:a16="http://schemas.microsoft.com/office/drawing/2014/main" id="{33954C63-2F26-442B-913B-15A5AFEFFA0E}"/>
+                </a:ext>
+              </a:extLst>
+            </p:cNvPr>
+            <p:cNvSpPr/>
+            <p:nvPr/>
+          </p:nvSpPr>
+          <p:spPr>
+            <a:xfrm>
+              <a:off x="751317" y="4831187"/>
+              <a:ext cx="3015339" cy="932049"/>
+            </a:xfrm>
+            <a:prstGeom prst="rect">
+              <a:avLst/>
+            </a:prstGeom>
+            <a:solidFill>
+              <a:schemeClr val="accent5">
+                <a:lumMod val="75000"/>
+              </a:schemeClr>
+            </a:solidFill>
+            <a:ln w="57150">
+              <a:solidFill>
+                <a:schemeClr val="bg1">
+                  <a:lumMod val="85000"/>
+                </a:schemeClr>
+              </a:solidFill>
+            </a:ln>
+          </p:spPr>
+          <p:style>
+            <a:lnRef idx="2">
+              <a:schemeClr val="accent6">
+                <a:shade val="50000"/>
+              </a:schemeClr>
+            </a:lnRef>
+            <a:fillRef idx="1">
+              <a:schemeClr val="accent6"/>
+            </a:fillRef>
+            <a:effectRef idx="0">
+              <a:schemeClr val="accent6"/>
+            </a:effectRef>
+            <a:fontRef idx="minor">
+              <a:schemeClr val="lt1"/>
+            </a:fontRef>
+          </p:style>
+          <p:txBody>
+            <a:bodyPr rtlCol="0" anchor="t"/>
+            <a:lstStyle/>
+            <a:p>
+              <a:pPr algn="ctr"/>
+              <a:r>
+                <a:rPr lang="hu-HU" sz="1400" b="1" dirty="0"/>
+                <a:t>Server </a:t>
+              </a:r>
+              <a:r>
+                <a:rPr lang="hu-HU" sz="1400" b="1" dirty="0" err="1"/>
+                <a:t>DataBase</a:t>
+              </a:r>
+              <a:endParaRPr lang="hu-HU" sz="1400" b="1" dirty="0"/>
+            </a:p>
+            <a:p>
+              <a:pPr marL="285750" indent="-285750">
+                <a:buFont typeface="Arial" panose="020B0604020202020204" pitchFamily="34" charset="0"/>
+                <a:buChar char="•"/>
+              </a:pPr>
+              <a:r>
+                <a:rPr lang="hu-HU" sz="1400" dirty="0" err="1"/>
+                <a:t>Periodic</a:t>
+              </a:r>
+              <a:r>
+                <a:rPr lang="hu-HU" sz="1400" dirty="0"/>
+                <a:t> and </a:t>
+              </a:r>
+              <a:r>
+                <a:rPr lang="hu-HU" sz="1400" dirty="0" err="1"/>
+                <a:t>event-triggered</a:t>
+              </a:r>
+              <a:r>
+                <a:rPr lang="hu-HU" sz="1400" dirty="0"/>
+                <a:t> </a:t>
+              </a:r>
+              <a:r>
+                <a:rPr lang="hu-HU" sz="1400" dirty="0" err="1"/>
+                <a:t>data</a:t>
+              </a:r>
+              <a:endParaRPr lang="hu-HU" sz="1400" dirty="0"/>
+            </a:p>
+            <a:p>
+              <a:pPr marL="285750" indent="-285750">
+                <a:buFont typeface="Arial" panose="020B0604020202020204" pitchFamily="34" charset="0"/>
+                <a:buChar char="•"/>
+              </a:pPr>
+              <a:r>
+                <a:rPr lang="hu-HU" sz="1400" dirty="0" err="1"/>
+                <a:t>User</a:t>
+              </a:r>
+              <a:r>
+                <a:rPr lang="hu-HU" sz="1400" dirty="0"/>
+                <a:t> </a:t>
+              </a:r>
+              <a:r>
+                <a:rPr lang="hu-HU" sz="1400" dirty="0" err="1"/>
+                <a:t>authentication</a:t>
+              </a:r>
+              <a:r>
+                <a:rPr lang="hu-HU" sz="1400" dirty="0"/>
+                <a:t> log</a:t>
+              </a:r>
+            </a:p>
+            <a:p>
+              <a:pPr marL="285750" indent="-285750">
+                <a:buFont typeface="Arial" panose="020B0604020202020204" pitchFamily="34" charset="0"/>
+                <a:buChar char="•"/>
+              </a:pPr>
+              <a:r>
+                <a:rPr lang="hu-HU" sz="1400" dirty="0"/>
+                <a:t>List of </a:t>
+              </a:r>
+              <a:r>
+                <a:rPr lang="hu-HU" sz="1400" dirty="0" err="1"/>
+                <a:t>configured</a:t>
+              </a:r>
+              <a:r>
+                <a:rPr lang="hu-HU" sz="1400" dirty="0"/>
+                <a:t> </a:t>
+              </a:r>
+              <a:r>
+                <a:rPr lang="hu-HU" sz="1400" dirty="0" err="1"/>
+                <a:t>Nodes</a:t>
+              </a:r>
+              <a:endParaRPr lang="hu-HU" sz="1400" dirty="0"/>
+            </a:p>
+          </p:txBody>
+        </p:sp>
+      </p:grpSp>
+      <p:cxnSp>
+        <p:nvCxnSpPr>
+          <p:cNvPr id="28" name="Straight Arrow Connector 27">
+            <a:extLst>
+              <a:ext uri="{FF2B5EF4-FFF2-40B4-BE49-F238E27FC236}">
+                <a16:creationId xmlns:a16="http://schemas.microsoft.com/office/drawing/2014/main" id="{2A10D06F-A20C-4465-B78D-06586127C038}"/>
+              </a:ext>
+            </a:extLst>
+          </p:cNvPr>
+          <p:cNvCxnSpPr>
+            <a:stCxn id="8" idx="3"/>
+            <a:endCxn id="24" idx="1"/>
+          </p:cNvCxnSpPr>
+          <p:nvPr/>
+        </p:nvCxnSpPr>
+        <p:spPr>
+          <a:xfrm>
+            <a:off x="2231471" y="4040558"/>
+            <a:ext cx="2419269" cy="1"/>
+          </a:xfrm>
+          <a:prstGeom prst="straightConnector1">
+            <a:avLst/>
+          </a:prstGeom>
+          <a:ln>
+            <a:headEnd type="triangle"/>
+            <a:tailEnd type="triangle"/>
+          </a:ln>
+        </p:spPr>
+        <p:style>
+          <a:lnRef idx="3">
+            <a:schemeClr val="accent2"/>
+          </a:lnRef>
+          <a:fillRef idx="0">
+            <a:schemeClr val="accent2"/>
+          </a:fillRef>
+          <a:effectRef idx="2">
+            <a:schemeClr val="accent2"/>
+          </a:effectRef>
+          <a:fontRef idx="minor">
+            <a:schemeClr val="tx1"/>
+          </a:fontRef>
+        </p:style>
+      </p:cxnSp>
+      <p:sp>
+        <p:nvSpPr>
+          <p:cNvPr id="29" name="TextBox 28">
+            <a:extLst>
+              <a:ext uri="{FF2B5EF4-FFF2-40B4-BE49-F238E27FC236}">
+                <a16:creationId xmlns:a16="http://schemas.microsoft.com/office/drawing/2014/main" id="{D8117E04-E1D1-4643-A1A3-2AFA79211C10}"/>
+              </a:ext>
+            </a:extLst>
+          </p:cNvPr>
+          <p:cNvSpPr txBox="1"/>
+          <p:nvPr/>
+        </p:nvSpPr>
+        <p:spPr>
+          <a:xfrm>
+            <a:off x="2164620" y="3373953"/>
+            <a:ext cx="2442080" cy="646331"/>
+          </a:xfrm>
+          <a:prstGeom prst="rect">
+            <a:avLst/>
+          </a:prstGeom>
+          <a:noFill/>
+        </p:spPr>
+        <p:txBody>
+          <a:bodyPr wrap="none" rtlCol="0">
+            <a:spAutoFit/>
+          </a:bodyPr>
+          <a:lstStyle/>
           <a:p>
             <a:pPr algn="ctr"/>
             <a:r>
-              <a:rPr lang="hu-HU" dirty="0" err="1"/>
-              <a:t>Personalities</a:t>
-            </a:r>
-            <a:r>
-              <a:rPr lang="hu-HU" dirty="0"/>
-              <a:t> (</a:t>
-            </a:r>
-            <a:r>
-              <a:rPr lang="hu-HU" dirty="0" err="1"/>
-              <a:t>can</a:t>
-            </a:r>
-            <a:r>
-              <a:rPr lang="hu-HU" dirty="0"/>
-              <a:t> be </a:t>
-            </a:r>
-            <a:r>
-              <a:rPr lang="hu-HU" dirty="0" err="1"/>
-              <a:t>multiple</a:t>
-            </a:r>
-            <a:r>
-              <a:rPr lang="hu-HU" dirty="0"/>
-              <a:t>):</a:t>
-            </a:r>
-          </a:p>
-          <a:p>
-            <a:pPr marL="285750" indent="-285750">
-              <a:buFont typeface="Arial" panose="020B0604020202020204" pitchFamily="34" charset="0"/>
-              <a:buChar char="•"/>
-            </a:pPr>
-            <a:r>
-              <a:rPr lang="hu-HU" dirty="0"/>
-              <a:t>Digital Input</a:t>
-            </a:r>
-          </a:p>
-          <a:p>
-            <a:pPr marL="285750" indent="-285750">
-              <a:buFont typeface="Arial" panose="020B0604020202020204" pitchFamily="34" charset="0"/>
-              <a:buChar char="•"/>
-            </a:pPr>
-            <a:r>
-              <a:rPr lang="hu-HU" dirty="0"/>
-              <a:t>Digital Output</a:t>
-            </a:r>
-          </a:p>
-          <a:p>
-            <a:pPr marL="285750" indent="-285750">
-              <a:buFont typeface="Arial" panose="020B0604020202020204" pitchFamily="34" charset="0"/>
-              <a:buChar char="•"/>
-            </a:pPr>
-            <a:r>
-              <a:rPr lang="hu-HU" dirty="0" err="1"/>
-              <a:t>Analog</a:t>
-            </a:r>
-            <a:r>
-              <a:rPr lang="hu-HU" dirty="0"/>
-              <a:t> </a:t>
-            </a:r>
-            <a:r>
-              <a:rPr lang="hu-HU" dirty="0" err="1"/>
-              <a:t>Inout</a:t>
-            </a:r>
-            <a:endParaRPr lang="hu-HU" dirty="0"/>
-          </a:p>
-          <a:p>
-            <a:pPr marL="285750" indent="-285750">
-              <a:buFont typeface="Arial" panose="020B0604020202020204" pitchFamily="34" charset="0"/>
-              <a:buChar char="•"/>
-            </a:pPr>
-            <a:r>
-              <a:rPr lang="hu-HU" dirty="0" err="1"/>
-              <a:t>Analog</a:t>
-            </a:r>
-            <a:r>
-              <a:rPr lang="hu-HU" dirty="0"/>
-              <a:t> Output</a:t>
-            </a:r>
-          </a:p>
-          <a:p>
-            <a:pPr marL="285750" indent="-285750">
-              <a:buFont typeface="Arial" panose="020B0604020202020204" pitchFamily="34" charset="0"/>
-              <a:buChar char="•"/>
-            </a:pPr>
-            <a:r>
-              <a:rPr lang="hu-HU" dirty="0" err="1"/>
-              <a:t>Misc</a:t>
-            </a:r>
-            <a:endParaRPr lang="hu-HU" dirty="0"/>
-          </a:p>
-          <a:p>
-            <a:r>
-              <a:rPr lang="hu-HU" dirty="0" err="1"/>
-              <a:t>Functions</a:t>
-            </a:r>
-            <a:endParaRPr lang="hu-HU" dirty="0"/>
-          </a:p>
-          <a:p>
-            <a:pPr marL="285750" indent="-285750">
-              <a:buFont typeface="Arial" panose="020B0604020202020204" pitchFamily="34" charset="0"/>
-              <a:buChar char="•"/>
-            </a:pPr>
-            <a:r>
-              <a:rPr lang="hu-HU" dirty="0"/>
-              <a:t>I/O </a:t>
-            </a:r>
-            <a:r>
-              <a:rPr lang="hu-HU" dirty="0" err="1"/>
-              <a:t>Handling</a:t>
-            </a:r>
-            <a:endParaRPr lang="hu-HU" dirty="0"/>
+              <a:rPr lang="hu-HU" sz="1200" dirty="0" err="1"/>
+              <a:t>WebSockets</a:t>
+            </a:r>
+            <a:endParaRPr lang="hu-HU" sz="1200" dirty="0"/>
+          </a:p>
+          <a:p>
+            <a:pPr algn="ctr"/>
+            <a:r>
+              <a:rPr lang="hu-HU" sz="1200" dirty="0" err="1"/>
+              <a:t>Configuration</a:t>
+            </a:r>
+            <a:r>
+              <a:rPr lang="hu-HU" sz="1200" dirty="0"/>
+              <a:t> &amp; </a:t>
+            </a:r>
+            <a:r>
+              <a:rPr lang="hu-HU" sz="1200" dirty="0" err="1"/>
+              <a:t>Actual</a:t>
+            </a:r>
+            <a:r>
+              <a:rPr lang="hu-HU" sz="1200" dirty="0"/>
+              <a:t> </a:t>
+            </a:r>
+            <a:r>
+              <a:rPr lang="hu-HU" sz="1200" dirty="0" err="1"/>
+              <a:t>Values</a:t>
+            </a:r>
+            <a:r>
+              <a:rPr lang="hu-HU" sz="1200" dirty="0"/>
+              <a:t>: JSON</a:t>
+            </a:r>
+          </a:p>
+          <a:p>
+            <a:pPr algn="ctr"/>
+            <a:r>
+              <a:rPr lang="hu-HU" sz="1200" dirty="0" err="1"/>
+              <a:t>Historical</a:t>
+            </a:r>
+            <a:r>
+              <a:rPr lang="hu-HU" sz="1200" dirty="0"/>
+              <a:t> Data: </a:t>
+            </a:r>
+            <a:r>
+              <a:rPr lang="hu-HU" sz="1200" dirty="0" err="1"/>
+              <a:t>Binary</a:t>
+            </a:r>
+            <a:r>
+              <a:rPr lang="hu-HU" sz="1200" dirty="0"/>
+              <a:t> </a:t>
+            </a:r>
+          </a:p>
+        </p:txBody>
+      </p:sp>
+      <p:cxnSp>
+        <p:nvCxnSpPr>
+          <p:cNvPr id="31" name="Connector: Curved 30">
+            <a:extLst>
+              <a:ext uri="{FF2B5EF4-FFF2-40B4-BE49-F238E27FC236}">
+                <a16:creationId xmlns:a16="http://schemas.microsoft.com/office/drawing/2014/main" id="{927E8F4B-5AA4-452E-896D-CC5D9DDCB2F0}"/>
+              </a:ext>
+            </a:extLst>
+          </p:cNvPr>
+          <p:cNvCxnSpPr>
+            <a:stCxn id="23" idx="3"/>
+            <a:endCxn id="25" idx="3"/>
+          </p:cNvCxnSpPr>
+          <p:nvPr/>
+        </p:nvCxnSpPr>
+        <p:spPr>
+          <a:xfrm flipV="1">
+            <a:off x="7666079" y="1560728"/>
+            <a:ext cx="12700" cy="1020375"/>
+          </a:xfrm>
+          <a:prstGeom prst="curvedConnector3">
+            <a:avLst>
+              <a:gd name="adj1" fmla="val 3055047"/>
+            </a:avLst>
+          </a:prstGeom>
+          <a:ln>
+            <a:headEnd type="triangle"/>
+            <a:tailEnd type="triangle"/>
+          </a:ln>
+        </p:spPr>
+        <p:style>
+          <a:lnRef idx="3">
+            <a:schemeClr val="accent2"/>
+          </a:lnRef>
+          <a:fillRef idx="0">
+            <a:schemeClr val="accent2"/>
+          </a:fillRef>
+          <a:effectRef idx="2">
+            <a:schemeClr val="accent2"/>
+          </a:effectRef>
+          <a:fontRef idx="minor">
+            <a:schemeClr val="tx1"/>
+          </a:fontRef>
+        </p:style>
+      </p:cxnSp>
+      <p:cxnSp>
+        <p:nvCxnSpPr>
+          <p:cNvPr id="33" name="Connector: Curved 32">
+            <a:extLst>
+              <a:ext uri="{FF2B5EF4-FFF2-40B4-BE49-F238E27FC236}">
+                <a16:creationId xmlns:a16="http://schemas.microsoft.com/office/drawing/2014/main" id="{C9A02ACE-B56B-49AC-9CE7-9FEAD76A2375}"/>
+              </a:ext>
+            </a:extLst>
+          </p:cNvPr>
+          <p:cNvCxnSpPr>
+            <a:stCxn id="23" idx="3"/>
+            <a:endCxn id="24" idx="3"/>
+          </p:cNvCxnSpPr>
+          <p:nvPr/>
+        </p:nvCxnSpPr>
+        <p:spPr>
+          <a:xfrm>
+            <a:off x="7666079" y="2581103"/>
+            <a:ext cx="12700" cy="1459456"/>
+          </a:xfrm>
+          <a:prstGeom prst="curvedConnector3">
+            <a:avLst>
+              <a:gd name="adj1" fmla="val 3451378"/>
+            </a:avLst>
+          </a:prstGeom>
+          <a:ln>
+            <a:headEnd type="triangle"/>
+            <a:tailEnd type="triangle"/>
+          </a:ln>
+        </p:spPr>
+        <p:style>
+          <a:lnRef idx="3">
+            <a:schemeClr val="accent2"/>
+          </a:lnRef>
+          <a:fillRef idx="0">
+            <a:schemeClr val="accent2"/>
+          </a:fillRef>
+          <a:effectRef idx="2">
+            <a:schemeClr val="accent2"/>
+          </a:effectRef>
+          <a:fontRef idx="minor">
+            <a:schemeClr val="tx1"/>
+          </a:fontRef>
+        </p:style>
+      </p:cxnSp>
+      <p:cxnSp>
+        <p:nvCxnSpPr>
+          <p:cNvPr id="36" name="Connector: Curved 35">
+            <a:extLst>
+              <a:ext uri="{FF2B5EF4-FFF2-40B4-BE49-F238E27FC236}">
+                <a16:creationId xmlns:a16="http://schemas.microsoft.com/office/drawing/2014/main" id="{40C985A5-D3D4-45D7-B6F3-C02CDB3C4559}"/>
+              </a:ext>
+            </a:extLst>
+          </p:cNvPr>
+          <p:cNvCxnSpPr>
+            <a:cxnSpLocks/>
+            <a:stCxn id="26" idx="3"/>
+            <a:endCxn id="24" idx="3"/>
+          </p:cNvCxnSpPr>
+          <p:nvPr/>
+        </p:nvCxnSpPr>
+        <p:spPr>
+          <a:xfrm flipV="1">
+            <a:off x="7666079" y="4040559"/>
+            <a:ext cx="12700" cy="1239875"/>
+          </a:xfrm>
+          <a:prstGeom prst="curvedConnector3">
+            <a:avLst>
+              <a:gd name="adj1" fmla="val 3385323"/>
+            </a:avLst>
+          </a:prstGeom>
+          <a:ln>
+            <a:headEnd type="triangle"/>
+            <a:tailEnd type="triangle"/>
+          </a:ln>
+        </p:spPr>
+        <p:style>
+          <a:lnRef idx="3">
+            <a:schemeClr val="accent2"/>
+          </a:lnRef>
+          <a:fillRef idx="0">
+            <a:schemeClr val="accent2"/>
+          </a:fillRef>
+          <a:effectRef idx="2">
+            <a:schemeClr val="accent2"/>
+          </a:effectRef>
+          <a:fontRef idx="minor">
+            <a:schemeClr val="tx1"/>
+          </a:fontRef>
+        </p:style>
+      </p:cxnSp>
+      <p:cxnSp>
+        <p:nvCxnSpPr>
+          <p:cNvPr id="47" name="Connector: Curved 46">
+            <a:extLst>
+              <a:ext uri="{FF2B5EF4-FFF2-40B4-BE49-F238E27FC236}">
+                <a16:creationId xmlns:a16="http://schemas.microsoft.com/office/drawing/2014/main" id="{CC1D4688-87CF-4BC3-9E27-3450944AC0DD}"/>
+              </a:ext>
+            </a:extLst>
+          </p:cNvPr>
+          <p:cNvCxnSpPr>
+            <a:cxnSpLocks/>
+            <a:stCxn id="23" idx="3"/>
+            <a:endCxn id="26" idx="3"/>
+          </p:cNvCxnSpPr>
+          <p:nvPr/>
+        </p:nvCxnSpPr>
+        <p:spPr>
+          <a:xfrm>
+            <a:off x="7666079" y="2581103"/>
+            <a:ext cx="12700" cy="2699331"/>
+          </a:xfrm>
+          <a:prstGeom prst="curvedConnector3">
+            <a:avLst>
+              <a:gd name="adj1" fmla="val 10321102"/>
+            </a:avLst>
+          </a:prstGeom>
+          <a:ln>
+            <a:headEnd type="triangle"/>
+            <a:tailEnd type="triangle"/>
+          </a:ln>
+        </p:spPr>
+        <p:style>
+          <a:lnRef idx="1">
+            <a:schemeClr val="accent1"/>
+          </a:lnRef>
+          <a:fillRef idx="0">
+            <a:schemeClr val="accent1"/>
+          </a:fillRef>
+          <a:effectRef idx="0">
+            <a:schemeClr val="accent1"/>
+          </a:effectRef>
+          <a:fontRef idx="minor">
+            <a:schemeClr val="tx1"/>
+          </a:fontRef>
+        </p:style>
+      </p:cxnSp>
+      <p:sp>
+        <p:nvSpPr>
+          <p:cNvPr id="56" name="TextBox 55">
+            <a:extLst>
+              <a:ext uri="{FF2B5EF4-FFF2-40B4-BE49-F238E27FC236}">
+                <a16:creationId xmlns:a16="http://schemas.microsoft.com/office/drawing/2014/main" id="{4A051C4F-5A41-45FD-A1BF-0D4D9E8635A5}"/>
+              </a:ext>
+            </a:extLst>
+          </p:cNvPr>
+          <p:cNvSpPr txBox="1"/>
+          <p:nvPr/>
+        </p:nvSpPr>
+        <p:spPr>
+          <a:xfrm>
+            <a:off x="8218053" y="4860126"/>
+            <a:ext cx="1173719" cy="276999"/>
+          </a:xfrm>
+          <a:prstGeom prst="rect">
+            <a:avLst/>
+          </a:prstGeom>
+          <a:noFill/>
+        </p:spPr>
+        <p:txBody>
+          <a:bodyPr wrap="none" rtlCol="0">
+            <a:spAutoFit/>
+          </a:bodyPr>
+          <a:lstStyle/>
+          <a:p>
+            <a:pPr algn="ctr"/>
+            <a:r>
+              <a:rPr lang="hu-HU" sz="1200" dirty="0"/>
+              <a:t>SQL </a:t>
+            </a:r>
+            <a:r>
+              <a:rPr lang="hu-HU" sz="1200" dirty="0" err="1"/>
+              <a:t>Connection</a:t>
+            </a:r>
+            <a:endParaRPr lang="hu-HU" sz="1200" dirty="0"/>
+          </a:p>
+        </p:txBody>
+      </p:sp>
+      <p:sp>
+        <p:nvSpPr>
+          <p:cNvPr id="57" name="TextBox 56">
+            <a:extLst>
+              <a:ext uri="{FF2B5EF4-FFF2-40B4-BE49-F238E27FC236}">
+                <a16:creationId xmlns:a16="http://schemas.microsoft.com/office/drawing/2014/main" id="{B047818D-F304-41EE-8568-577B6CA8782F}"/>
+              </a:ext>
+            </a:extLst>
+          </p:cNvPr>
+          <p:cNvSpPr txBox="1"/>
+          <p:nvPr/>
+        </p:nvSpPr>
+        <p:spPr>
+          <a:xfrm>
+            <a:off x="7754160" y="4335273"/>
+            <a:ext cx="899605" cy="461665"/>
+          </a:xfrm>
+          <a:prstGeom prst="rect">
+            <a:avLst/>
+          </a:prstGeom>
+          <a:noFill/>
+        </p:spPr>
+        <p:txBody>
+          <a:bodyPr wrap="none" rtlCol="0">
+            <a:spAutoFit/>
+          </a:bodyPr>
+          <a:lstStyle/>
+          <a:p>
+            <a:pPr algn="ctr"/>
+            <a:r>
+              <a:rPr lang="hu-HU" sz="1200" dirty="0"/>
+              <a:t>SQL </a:t>
+            </a:r>
+          </a:p>
+          <a:p>
+            <a:pPr algn="ctr"/>
+            <a:r>
+              <a:rPr lang="hu-HU" sz="1200" dirty="0" err="1"/>
+              <a:t>Connection</a:t>
+            </a:r>
+            <a:endParaRPr lang="hu-HU" sz="1200" dirty="0"/>
+          </a:p>
+        </p:txBody>
+      </p:sp>
+      <p:sp>
+        <p:nvSpPr>
+          <p:cNvPr id="58" name="TextBox 57">
+            <a:extLst>
+              <a:ext uri="{FF2B5EF4-FFF2-40B4-BE49-F238E27FC236}">
+                <a16:creationId xmlns:a16="http://schemas.microsoft.com/office/drawing/2014/main" id="{A280DFC9-71E0-4DF5-91DC-04E68D01B11A}"/>
+              </a:ext>
+            </a:extLst>
+          </p:cNvPr>
+          <p:cNvSpPr txBox="1"/>
+          <p:nvPr/>
+        </p:nvSpPr>
+        <p:spPr>
+          <a:xfrm>
+            <a:off x="7810786" y="3184497"/>
+            <a:ext cx="883383" cy="276999"/>
+          </a:xfrm>
+          <a:prstGeom prst="rect">
+            <a:avLst/>
+          </a:prstGeom>
+          <a:noFill/>
+        </p:spPr>
+        <p:txBody>
+          <a:bodyPr wrap="none" rtlCol="0">
+            <a:spAutoFit/>
+          </a:bodyPr>
+          <a:lstStyle/>
+          <a:p>
+            <a:pPr algn="ctr"/>
+            <a:r>
+              <a:rPr lang="hu-HU" sz="1200" dirty="0" err="1"/>
+              <a:t>WebSocket</a:t>
+            </a:r>
+            <a:endParaRPr lang="hu-HU" sz="1200" dirty="0"/>
+          </a:p>
+        </p:txBody>
+      </p:sp>
+      <p:sp>
+        <p:nvSpPr>
+          <p:cNvPr id="59" name="TextBox 58">
+            <a:extLst>
+              <a:ext uri="{FF2B5EF4-FFF2-40B4-BE49-F238E27FC236}">
+                <a16:creationId xmlns:a16="http://schemas.microsoft.com/office/drawing/2014/main" id="{1495CF16-C9F5-4C74-878D-01DF841D0F1D}"/>
+              </a:ext>
+            </a:extLst>
+          </p:cNvPr>
+          <p:cNvSpPr txBox="1"/>
+          <p:nvPr/>
+        </p:nvSpPr>
+        <p:spPr>
+          <a:xfrm>
+            <a:off x="7961155" y="1647367"/>
+            <a:ext cx="513795" cy="276999"/>
+          </a:xfrm>
+          <a:prstGeom prst="rect">
+            <a:avLst/>
+          </a:prstGeom>
+          <a:noFill/>
+        </p:spPr>
+        <p:txBody>
+          <a:bodyPr wrap="none" rtlCol="0">
+            <a:spAutoFit/>
+          </a:bodyPr>
+          <a:lstStyle/>
+          <a:p>
+            <a:pPr algn="ctr"/>
+            <a:r>
+              <a:rPr lang="hu-HU" sz="1200" dirty="0"/>
+              <a:t>HTTP</a:t>
+            </a:r>
+          </a:p>
+        </p:txBody>
+      </p:sp>
+      <p:cxnSp>
+        <p:nvCxnSpPr>
+          <p:cNvPr id="60" name="Straight Arrow Connector 59">
+            <a:extLst>
+              <a:ext uri="{FF2B5EF4-FFF2-40B4-BE49-F238E27FC236}">
+                <a16:creationId xmlns:a16="http://schemas.microsoft.com/office/drawing/2014/main" id="{77451DFF-101D-427A-8A6D-C7AD6F363C62}"/>
+              </a:ext>
+            </a:extLst>
+          </p:cNvPr>
+          <p:cNvCxnSpPr>
+            <a:cxnSpLocks/>
+            <a:stCxn id="23" idx="3"/>
+            <a:endCxn id="10" idx="1"/>
+          </p:cNvCxnSpPr>
+          <p:nvPr/>
+        </p:nvCxnSpPr>
+        <p:spPr>
+          <a:xfrm>
+            <a:off x="7666079" y="2581103"/>
+            <a:ext cx="2244945" cy="7316"/>
+          </a:xfrm>
+          <a:prstGeom prst="straightConnector1">
+            <a:avLst/>
+          </a:prstGeom>
+          <a:ln>
+            <a:headEnd type="triangle"/>
+            <a:tailEnd type="triangle"/>
+          </a:ln>
+        </p:spPr>
+        <p:style>
+          <a:lnRef idx="3">
+            <a:schemeClr val="accent2"/>
+          </a:lnRef>
+          <a:fillRef idx="0">
+            <a:schemeClr val="accent2"/>
+          </a:fillRef>
+          <a:effectRef idx="2">
+            <a:schemeClr val="accent2"/>
+          </a:effectRef>
+          <a:fontRef idx="minor">
+            <a:schemeClr val="tx1"/>
+          </a:fontRef>
+        </p:style>
+      </p:cxnSp>
+      <p:sp>
+        <p:nvSpPr>
+          <p:cNvPr id="63" name="TextBox 62">
+            <a:extLst>
+              <a:ext uri="{FF2B5EF4-FFF2-40B4-BE49-F238E27FC236}">
+                <a16:creationId xmlns:a16="http://schemas.microsoft.com/office/drawing/2014/main" id="{762054C4-8E6C-49DE-A334-4E6373B2F494}"/>
+              </a:ext>
+            </a:extLst>
+          </p:cNvPr>
+          <p:cNvSpPr txBox="1"/>
+          <p:nvPr/>
+        </p:nvSpPr>
+        <p:spPr>
+          <a:xfrm>
+            <a:off x="8581987" y="2344711"/>
+            <a:ext cx="513795" cy="276999"/>
+          </a:xfrm>
+          <a:prstGeom prst="rect">
+            <a:avLst/>
+          </a:prstGeom>
+          <a:noFill/>
+        </p:spPr>
+        <p:txBody>
+          <a:bodyPr wrap="none" rtlCol="0">
+            <a:spAutoFit/>
+          </a:bodyPr>
+          <a:lstStyle/>
+          <a:p>
+            <a:pPr algn="ctr"/>
+            <a:r>
+              <a:rPr lang="hu-HU" sz="1200" dirty="0"/>
+              <a:t>HTTP</a:t>
+            </a:r>
           </a:p>
         </p:txBody>
       </p:sp>

--- a/docs/20181225_KEECO_ProjectInit.pptx
+++ b/docs/20181225_KEECO_ProjectInit.pptx
@@ -5,7 +5,7 @@
     <p:sldMasterId id="2147483660" r:id="rId1"/>
   </p:sldMasterIdLst>
   <p:notesMasterIdLst>
-    <p:notesMasterId r:id="rId9"/>
+    <p:notesMasterId r:id="rId14"/>
   </p:notesMasterIdLst>
   <p:sldIdLst>
     <p:sldId id="258" r:id="rId2"/>
@@ -15,6 +15,11 @@
     <p:sldId id="262" r:id="rId6"/>
     <p:sldId id="263" r:id="rId7"/>
     <p:sldId id="261" r:id="rId8"/>
+    <p:sldId id="265" r:id="rId9"/>
+    <p:sldId id="264" r:id="rId10"/>
+    <p:sldId id="266" r:id="rId11"/>
+    <p:sldId id="267" r:id="rId12"/>
+    <p:sldId id="268" r:id="rId13"/>
   </p:sldIdLst>
   <p:sldSz cx="12192000" cy="6858000"/>
   <p:notesSz cx="6858000" cy="9144000"/>
@@ -114,6 +119,38 @@
     </a:lvl9pPr>
   </p:defaultTextStyle>
   <p:extLst>
+    <p:ext uri="{521415D9-36F7-43E2-AB2F-B90AF26B5E84}">
+      <p14:sectionLst xmlns:p14="http://schemas.microsoft.com/office/powerpoint/2010/main">
+        <p14:section name="General Overview" id="{76EAC857-1F01-4539-A6D2-BA7CD59F6AC7}">
+          <p14:sldIdLst>
+            <p14:sldId id="258"/>
+            <p14:sldId id="260"/>
+            <p14:sldId id="259"/>
+            <p14:sldId id="257"/>
+            <p14:sldId id="262"/>
+            <p14:sldId id="263"/>
+            <p14:sldId id="261"/>
+          </p14:sldIdLst>
+        </p14:section>
+        <p14:section name="End Node" id="{821F2128-669A-4909-B397-9BCDCF4C1B47}">
+          <p14:sldIdLst>
+            <p14:sldId id="265"/>
+            <p14:sldId id="264"/>
+          </p14:sldIdLst>
+        </p14:section>
+        <p14:section name="Server" id="{25BE2CC0-F132-47BA-81FC-94669FA29C2D}">
+          <p14:sldIdLst>
+            <p14:sldId id="266"/>
+            <p14:sldId id="267"/>
+          </p14:sldIdLst>
+        </p14:section>
+        <p14:section name="Upcoming Milestones" id="{812B1ABB-5E91-418F-A796-B0318A120328}">
+          <p14:sldIdLst>
+            <p14:sldId id="268"/>
+          </p14:sldIdLst>
+        </p14:section>
+      </p14:sectionLst>
+    </p:ext>
     <p:ext uri="{EFAFB233-063F-42B5-8137-9DF3F51BA10A}">
       <p15:sldGuideLst xmlns:p15="http://schemas.microsoft.com/office/powerpoint/2012/main"/>
     </p:ext>
@@ -203,7 +240,7 @@
           <a:p>
             <a:fld id="{153BA495-6630-4185-B54C-A24FC363AD1D}" type="datetimeFigureOut">
               <a:rPr lang="hu-HU" smtClean="0"/>
-              <a:t>2018. 12. 25.</a:t>
+              <a:t>2018. 12. 28.</a:t>
             </a:fld>
             <a:endParaRPr lang="hu-HU"/>
           </a:p>
@@ -620,7 +657,7 @@
           <a:p>
             <a:fld id="{512EC4CD-E83C-4697-B8EE-7C3CA97206CF}" type="datetimeFigureOut">
               <a:rPr lang="hu-HU" smtClean="0"/>
-              <a:t>2018. 12. 25.</a:t>
+              <a:t>2018. 12. 28.</a:t>
             </a:fld>
             <a:endParaRPr lang="hu-HU"/>
           </a:p>
@@ -820,7 +857,7 @@
           <a:p>
             <a:fld id="{512EC4CD-E83C-4697-B8EE-7C3CA97206CF}" type="datetimeFigureOut">
               <a:rPr lang="hu-HU" smtClean="0"/>
-              <a:t>2018. 12. 25.</a:t>
+              <a:t>2018. 12. 28.</a:t>
             </a:fld>
             <a:endParaRPr lang="hu-HU"/>
           </a:p>
@@ -1030,7 +1067,7 @@
           <a:p>
             <a:fld id="{512EC4CD-E83C-4697-B8EE-7C3CA97206CF}" type="datetimeFigureOut">
               <a:rPr lang="hu-HU" smtClean="0"/>
-              <a:t>2018. 12. 25.</a:t>
+              <a:t>2018. 12. 28.</a:t>
             </a:fld>
             <a:endParaRPr lang="hu-HU"/>
           </a:p>
@@ -1230,7 +1267,7 @@
           <a:p>
             <a:fld id="{512EC4CD-E83C-4697-B8EE-7C3CA97206CF}" type="datetimeFigureOut">
               <a:rPr lang="hu-HU" smtClean="0"/>
-              <a:t>2018. 12. 25.</a:t>
+              <a:t>2018. 12. 28.</a:t>
             </a:fld>
             <a:endParaRPr lang="hu-HU"/>
           </a:p>
@@ -1506,7 +1543,7 @@
           <a:p>
             <a:fld id="{512EC4CD-E83C-4697-B8EE-7C3CA97206CF}" type="datetimeFigureOut">
               <a:rPr lang="hu-HU" smtClean="0"/>
-              <a:t>2018. 12. 25.</a:t>
+              <a:t>2018. 12. 28.</a:t>
             </a:fld>
             <a:endParaRPr lang="hu-HU"/>
           </a:p>
@@ -1774,7 +1811,7 @@
           <a:p>
             <a:fld id="{512EC4CD-E83C-4697-B8EE-7C3CA97206CF}" type="datetimeFigureOut">
               <a:rPr lang="hu-HU" smtClean="0"/>
-              <a:t>2018. 12. 25.</a:t>
+              <a:t>2018. 12. 28.</a:t>
             </a:fld>
             <a:endParaRPr lang="hu-HU"/>
           </a:p>
@@ -2189,7 +2226,7 @@
           <a:p>
             <a:fld id="{512EC4CD-E83C-4697-B8EE-7C3CA97206CF}" type="datetimeFigureOut">
               <a:rPr lang="hu-HU" smtClean="0"/>
-              <a:t>2018. 12. 25.</a:t>
+              <a:t>2018. 12. 28.</a:t>
             </a:fld>
             <a:endParaRPr lang="hu-HU"/>
           </a:p>
@@ -2331,7 +2368,7 @@
           <a:p>
             <a:fld id="{512EC4CD-E83C-4697-B8EE-7C3CA97206CF}" type="datetimeFigureOut">
               <a:rPr lang="hu-HU" smtClean="0"/>
-              <a:t>2018. 12. 25.</a:t>
+              <a:t>2018. 12. 28.</a:t>
             </a:fld>
             <a:endParaRPr lang="hu-HU"/>
           </a:p>
@@ -2444,7 +2481,7 @@
           <a:p>
             <a:fld id="{512EC4CD-E83C-4697-B8EE-7C3CA97206CF}" type="datetimeFigureOut">
               <a:rPr lang="hu-HU" smtClean="0"/>
-              <a:t>2018. 12. 25.</a:t>
+              <a:t>2018. 12. 28.</a:t>
             </a:fld>
             <a:endParaRPr lang="hu-HU"/>
           </a:p>
@@ -2757,7 +2794,7 @@
           <a:p>
             <a:fld id="{512EC4CD-E83C-4697-B8EE-7C3CA97206CF}" type="datetimeFigureOut">
               <a:rPr lang="hu-HU" smtClean="0"/>
-              <a:t>2018. 12. 25.</a:t>
+              <a:t>2018. 12. 28.</a:t>
             </a:fld>
             <a:endParaRPr lang="hu-HU"/>
           </a:p>
@@ -3050,7 +3087,7 @@
           <a:p>
             <a:fld id="{512EC4CD-E83C-4697-B8EE-7C3CA97206CF}" type="datetimeFigureOut">
               <a:rPr lang="hu-HU" smtClean="0"/>
-              <a:t>2018. 12. 25.</a:t>
+              <a:t>2018. 12. 28.</a:t>
             </a:fld>
             <a:endParaRPr lang="hu-HU"/>
           </a:p>
@@ -3293,7 +3330,7 @@
           <a:p>
             <a:fld id="{512EC4CD-E83C-4697-B8EE-7C3CA97206CF}" type="datetimeFigureOut">
               <a:rPr lang="hu-HU" smtClean="0"/>
-              <a:t>2018. 12. 25.</a:t>
+              <a:t>2018. 12. 28.</a:t>
             </a:fld>
             <a:endParaRPr lang="hu-HU"/>
           </a:p>
@@ -4050,13 +4087,13 @@
           <a:p>
             <a:r>
               <a:rPr lang="hu-HU" dirty="0"/>
-              <a:t>25th, December 2018.</a:t>
+              <a:t>28th, December 2018.</a:t>
             </a:r>
           </a:p>
           <a:p>
             <a:r>
               <a:rPr lang="hu-HU" dirty="0"/>
-              <a:t>V1.0</a:t>
+              <a:t>V0.1</a:t>
             </a:r>
           </a:p>
           <a:p>
@@ -4088,6 +4125,2443 @@
     <p:extLst>
       <p:ext uri="{BB962C8B-B14F-4D97-AF65-F5344CB8AC3E}">
         <p14:creationId xmlns:p14="http://schemas.microsoft.com/office/powerpoint/2010/main" val="1196628706"/>
+      </p:ext>
+    </p:extLst>
+  </p:cSld>
+  <p:clrMapOvr>
+    <a:masterClrMapping/>
+  </p:clrMapOvr>
+</p:sld>
+</file>
+
+<file path=ppt/slides/slide10.xml><?xml version="1.0" encoding="utf-8"?>
+<p:sld xmlns:a="http://schemas.openxmlformats.org/drawingml/2006/main" xmlns:r="http://schemas.openxmlformats.org/officeDocument/2006/relationships" xmlns:p="http://schemas.openxmlformats.org/presentationml/2006/main">
+  <p:cSld>
+    <p:spTree>
+      <p:nvGrpSpPr>
+        <p:cNvPr id="1" name=""/>
+        <p:cNvGrpSpPr/>
+        <p:nvPr/>
+      </p:nvGrpSpPr>
+      <p:grpSpPr>
+        <a:xfrm>
+          <a:off x="0" y="0"/>
+          <a:ext cx="0" cy="0"/>
+          <a:chOff x="0" y="0"/>
+          <a:chExt cx="0" cy="0"/>
+        </a:xfrm>
+      </p:grpSpPr>
+      <p:sp>
+        <p:nvSpPr>
+          <p:cNvPr id="4" name="Rectangle: Single Corner Snipped 3">
+            <a:extLst>
+              <a:ext uri="{FF2B5EF4-FFF2-40B4-BE49-F238E27FC236}">
+                <a16:creationId xmlns:a16="http://schemas.microsoft.com/office/drawing/2014/main" id="{D805B3B7-4AE0-4F4D-B96E-0E3172F52776}"/>
+              </a:ext>
+            </a:extLst>
+          </p:cNvPr>
+          <p:cNvSpPr/>
+          <p:nvPr/>
+        </p:nvSpPr>
+        <p:spPr>
+          <a:xfrm>
+            <a:off x="0" y="6300132"/>
+            <a:ext cx="12192000" cy="557868"/>
+          </a:xfrm>
+          <a:prstGeom prst="snip1Rect">
+            <a:avLst/>
+          </a:prstGeom>
+          <a:solidFill>
+            <a:srgbClr val="77CCD7"/>
+          </a:solidFill>
+          <a:ln>
+            <a:noFill/>
+          </a:ln>
+        </p:spPr>
+        <p:style>
+          <a:lnRef idx="2">
+            <a:schemeClr val="accent1">
+              <a:shade val="50000"/>
+            </a:schemeClr>
+          </a:lnRef>
+          <a:fillRef idx="1">
+            <a:schemeClr val="accent1"/>
+          </a:fillRef>
+          <a:effectRef idx="0">
+            <a:schemeClr val="accent1"/>
+          </a:effectRef>
+          <a:fontRef idx="minor">
+            <a:schemeClr val="lt1"/>
+          </a:fontRef>
+        </p:style>
+        <p:txBody>
+          <a:bodyPr rtlCol="0" anchor="ctr"/>
+          <a:lstStyle/>
+          <a:p>
+            <a:pPr algn="ctr"/>
+            <a:endParaRPr lang="hu-HU" dirty="0"/>
+          </a:p>
+        </p:txBody>
+      </p:sp>
+      <p:graphicFrame>
+        <p:nvGraphicFramePr>
+          <p:cNvPr id="5" name="Table 4">
+            <a:extLst>
+              <a:ext uri="{FF2B5EF4-FFF2-40B4-BE49-F238E27FC236}">
+                <a16:creationId xmlns:a16="http://schemas.microsoft.com/office/drawing/2014/main" id="{96FB0FB3-DF99-4A71-A0AA-283DF9A91AD9}"/>
+              </a:ext>
+            </a:extLst>
+          </p:cNvPr>
+          <p:cNvGraphicFramePr>
+            <a:graphicFrameLocks noGrp="1"/>
+          </p:cNvGraphicFramePr>
+          <p:nvPr>
+            <p:extLst/>
+          </p:nvPr>
+        </p:nvGraphicFramePr>
+        <p:xfrm>
+          <a:off x="0" y="6300132"/>
+          <a:ext cx="12192000" cy="553998"/>
+        </p:xfrm>
+        <a:graphic>
+          <a:graphicData uri="http://schemas.openxmlformats.org/drawingml/2006/table">
+            <a:tbl>
+              <a:tblPr firstRow="1" bandRow="1">
+                <a:tableStyleId>{5C22544A-7EE6-4342-B048-85BDC9FD1C3A}</a:tableStyleId>
+              </a:tblPr>
+              <a:tblGrid>
+                <a:gridCol w="3976382">
+                  <a:extLst>
+                    <a:ext uri="{9D8B030D-6E8A-4147-A177-3AD203B41FA5}">
+                      <a16:colId xmlns:a16="http://schemas.microsoft.com/office/drawing/2014/main" val="3182790378"/>
+                    </a:ext>
+                  </a:extLst>
+                </a:gridCol>
+                <a:gridCol w="6233020">
+                  <a:extLst>
+                    <a:ext uri="{9D8B030D-6E8A-4147-A177-3AD203B41FA5}">
+                      <a16:colId xmlns:a16="http://schemas.microsoft.com/office/drawing/2014/main" val="64276832"/>
+                    </a:ext>
+                  </a:extLst>
+                </a:gridCol>
+                <a:gridCol w="1982598">
+                  <a:extLst>
+                    <a:ext uri="{9D8B030D-6E8A-4147-A177-3AD203B41FA5}">
+                      <a16:colId xmlns:a16="http://schemas.microsoft.com/office/drawing/2014/main" val="3931946009"/>
+                    </a:ext>
+                  </a:extLst>
+                </a:gridCol>
+              </a:tblGrid>
+              <a:tr h="553998">
+                <a:tc>
+                  <a:txBody>
+                    <a:bodyPr/>
+                    <a:lstStyle/>
+                    <a:p>
+                      <a:r>
+                        <a:rPr lang="hu-HU" sz="1600" b="1" dirty="0">
+                          <a:solidFill>
+                            <a:schemeClr val="bg1"/>
+                          </a:solidFill>
+                          <a:effectLst>
+                            <a:outerShdw blurRad="50800" dist="38100" dir="2700000" algn="tl" rotWithShape="0">
+                              <a:prstClr val="black">
+                                <a:alpha val="40000"/>
+                              </a:prstClr>
+                            </a:outerShdw>
+                          </a:effectLst>
+                          <a:latin typeface="+mn-lt"/>
+                          <a:cs typeface="Miriam Fixed" panose="020B0604020202020204" pitchFamily="49" charset="-79"/>
+                        </a:rPr>
+                        <a:t>KEECO</a:t>
+                      </a:r>
+                    </a:p>
+                    <a:p>
+                      <a:r>
+                        <a:rPr lang="hu-HU" sz="1200" b="0" dirty="0" err="1">
+                          <a:solidFill>
+                            <a:schemeClr val="bg1"/>
+                          </a:solidFill>
+                          <a:effectLst>
+                            <a:outerShdw blurRad="50800" dist="38100" dir="2700000" algn="tl" rotWithShape="0">
+                              <a:prstClr val="black">
+                                <a:alpha val="40000"/>
+                              </a:prstClr>
+                            </a:outerShdw>
+                          </a:effectLst>
+                          <a:latin typeface="+mn-lt"/>
+                          <a:cs typeface="Miriam Fixed" panose="020B0604020202020204" pitchFamily="49" charset="-79"/>
+                        </a:rPr>
+                        <a:t>Knowledgeable</a:t>
+                      </a:r>
+                      <a:r>
+                        <a:rPr lang="hu-HU" sz="1200" b="0" dirty="0">
+                          <a:solidFill>
+                            <a:schemeClr val="bg1"/>
+                          </a:solidFill>
+                          <a:effectLst>
+                            <a:outerShdw blurRad="50800" dist="38100" dir="2700000" algn="tl" rotWithShape="0">
+                              <a:prstClr val="black">
+                                <a:alpha val="40000"/>
+                              </a:prstClr>
+                            </a:outerShdw>
+                          </a:effectLst>
+                          <a:latin typeface="+mn-lt"/>
+                          <a:cs typeface="Miriam Fixed" panose="020B0604020202020204" pitchFamily="49" charset="-79"/>
+                        </a:rPr>
+                        <a:t> </a:t>
+                      </a:r>
+                      <a:r>
+                        <a:rPr lang="hu-HU" sz="1200" b="0" dirty="0" err="1">
+                          <a:solidFill>
+                            <a:schemeClr val="bg1"/>
+                          </a:solidFill>
+                          <a:effectLst>
+                            <a:outerShdw blurRad="50800" dist="38100" dir="2700000" algn="tl" rotWithShape="0">
+                              <a:prstClr val="black">
+                                <a:alpha val="40000"/>
+                              </a:prstClr>
+                            </a:outerShdw>
+                          </a:effectLst>
+                          <a:latin typeface="+mn-lt"/>
+                          <a:cs typeface="Miriam Fixed" panose="020B0604020202020204" pitchFamily="49" charset="-79"/>
+                        </a:rPr>
+                        <a:t>Ecosystem</a:t>
+                      </a:r>
+                      <a:r>
+                        <a:rPr lang="hu-HU" sz="1200" b="0" dirty="0">
+                          <a:solidFill>
+                            <a:schemeClr val="bg1"/>
+                          </a:solidFill>
+                          <a:effectLst>
+                            <a:outerShdw blurRad="50800" dist="38100" dir="2700000" algn="tl" rotWithShape="0">
+                              <a:prstClr val="black">
+                                <a:alpha val="40000"/>
+                              </a:prstClr>
+                            </a:outerShdw>
+                          </a:effectLst>
+                          <a:latin typeface="+mn-lt"/>
+                          <a:cs typeface="Miriam Fixed" panose="020B0604020202020204" pitchFamily="49" charset="-79"/>
+                        </a:rPr>
+                        <a:t> </a:t>
+                      </a:r>
+                      <a:r>
+                        <a:rPr lang="hu-HU" sz="1200" b="0" dirty="0" err="1">
+                          <a:solidFill>
+                            <a:schemeClr val="bg1"/>
+                          </a:solidFill>
+                          <a:effectLst>
+                            <a:outerShdw blurRad="50800" dist="38100" dir="2700000" algn="tl" rotWithShape="0">
+                              <a:prstClr val="black">
+                                <a:alpha val="40000"/>
+                              </a:prstClr>
+                            </a:outerShdw>
+                          </a:effectLst>
+                          <a:latin typeface="+mn-lt"/>
+                          <a:cs typeface="Miriam Fixed" panose="020B0604020202020204" pitchFamily="49" charset="-79"/>
+                        </a:rPr>
+                        <a:t>for</a:t>
+                      </a:r>
+                      <a:r>
+                        <a:rPr lang="hu-HU" sz="1200" b="0" dirty="0">
+                          <a:solidFill>
+                            <a:schemeClr val="bg1"/>
+                          </a:solidFill>
+                          <a:effectLst>
+                            <a:outerShdw blurRad="50800" dist="38100" dir="2700000" algn="tl" rotWithShape="0">
+                              <a:prstClr val="black">
+                                <a:alpha val="40000"/>
+                              </a:prstClr>
+                            </a:outerShdw>
+                          </a:effectLst>
+                          <a:latin typeface="+mn-lt"/>
+                          <a:cs typeface="Miriam Fixed" panose="020B0604020202020204" pitchFamily="49" charset="-79"/>
+                        </a:rPr>
+                        <a:t> Establishment Control </a:t>
+                      </a:r>
+                      <a:r>
+                        <a:rPr lang="hu-HU" sz="1200" b="0" dirty="0" err="1">
+                          <a:solidFill>
+                            <a:schemeClr val="bg1"/>
+                          </a:solidFill>
+                          <a:effectLst>
+                            <a:outerShdw blurRad="50800" dist="38100" dir="2700000" algn="tl" rotWithShape="0">
+                              <a:prstClr val="black">
+                                <a:alpha val="40000"/>
+                              </a:prstClr>
+                            </a:outerShdw>
+                          </a:effectLst>
+                          <a:latin typeface="+mn-lt"/>
+                          <a:cs typeface="Miriam Fixed" panose="020B0604020202020204" pitchFamily="49" charset="-79"/>
+                        </a:rPr>
+                        <a:t>Objects</a:t>
+                      </a:r>
+                      <a:endParaRPr lang="hu-HU" sz="1200" b="0" dirty="0">
+                        <a:solidFill>
+                          <a:schemeClr val="bg1"/>
+                        </a:solidFill>
+                        <a:effectLst>
+                          <a:outerShdw blurRad="50800" dist="38100" dir="2700000" algn="tl" rotWithShape="0">
+                            <a:prstClr val="black">
+                              <a:alpha val="40000"/>
+                            </a:prstClr>
+                          </a:outerShdw>
+                        </a:effectLst>
+                        <a:latin typeface="+mn-lt"/>
+                        <a:cs typeface="Miriam Fixed" panose="020B0604020202020204" pitchFamily="49" charset="-79"/>
+                      </a:endParaRPr>
+                    </a:p>
+                  </a:txBody>
+                  <a:tcPr anchor="ctr">
+                    <a:lnL w="12700" cmpd="sng">
+                      <a:noFill/>
+                    </a:lnL>
+                    <a:lnR w="12700" cap="flat" cmpd="sng" algn="ctr">
+                      <a:solidFill>
+                        <a:schemeClr val="bg1"/>
+                      </a:solidFill>
+                      <a:prstDash val="solid"/>
+                      <a:round/>
+                      <a:headEnd type="none" w="med" len="med"/>
+                      <a:tailEnd type="none" w="med" len="med"/>
+                    </a:lnR>
+                    <a:lnT w="12700" cmpd="sng">
+                      <a:noFill/>
+                    </a:lnT>
+                    <a:lnB w="38100" cmpd="sng">
+                      <a:noFill/>
+                    </a:lnB>
+                    <a:lnTlToBr w="12700" cmpd="sng">
+                      <a:noFill/>
+                      <a:prstDash val="solid"/>
+                    </a:lnTlToBr>
+                    <a:lnBlToTr w="12700" cmpd="sng">
+                      <a:noFill/>
+                      <a:prstDash val="solid"/>
+                    </a:lnBlToTr>
+                    <a:noFill/>
+                  </a:tcPr>
+                </a:tc>
+                <a:tc>
+                  <a:txBody>
+                    <a:bodyPr/>
+                    <a:lstStyle/>
+                    <a:p>
+                      <a:pPr algn="ctr"/>
+                      <a:r>
+                        <a:rPr lang="hu-HU" sz="1400" b="0" dirty="0">
+                          <a:effectLst>
+                            <a:outerShdw blurRad="38100" dist="38100" dir="2700000" algn="tl">
+                              <a:srgbClr val="000000">
+                                <a:alpha val="43137"/>
+                              </a:srgbClr>
+                            </a:outerShdw>
+                          </a:effectLst>
+                        </a:rPr>
+                        <a:t>Project </a:t>
+                      </a:r>
+                      <a:r>
+                        <a:rPr lang="hu-HU" sz="1400" b="0" dirty="0" err="1">
+                          <a:effectLst>
+                            <a:outerShdw blurRad="38100" dist="38100" dir="2700000" algn="tl">
+                              <a:srgbClr val="000000">
+                                <a:alpha val="43137"/>
+                              </a:srgbClr>
+                            </a:outerShdw>
+                          </a:effectLst>
+                        </a:rPr>
+                        <a:t>initiation</a:t>
+                      </a:r>
+                      <a:r>
+                        <a:rPr lang="hu-HU" sz="1400" b="0" dirty="0">
+                          <a:effectLst>
+                            <a:outerShdw blurRad="38100" dist="38100" dir="2700000" algn="tl">
+                              <a:srgbClr val="000000">
+                                <a:alpha val="43137"/>
+                              </a:srgbClr>
+                            </a:outerShdw>
+                          </a:effectLst>
+                        </a:rPr>
+                        <a:t> </a:t>
+                      </a:r>
+                      <a:r>
+                        <a:rPr lang="hu-HU" sz="1400" b="0" dirty="0" err="1">
+                          <a:effectLst>
+                            <a:outerShdw blurRad="38100" dist="38100" dir="2700000" algn="tl">
+                              <a:srgbClr val="000000">
+                                <a:alpha val="43137"/>
+                              </a:srgbClr>
+                            </a:outerShdw>
+                          </a:effectLst>
+                        </a:rPr>
+                        <a:t>document</a:t>
+                      </a:r>
+                      <a:r>
+                        <a:rPr lang="hu-HU" sz="1400" b="0" dirty="0">
+                          <a:effectLst>
+                            <a:outerShdw blurRad="38100" dist="38100" dir="2700000" algn="tl">
+                              <a:srgbClr val="000000">
+                                <a:alpha val="43137"/>
+                              </a:srgbClr>
+                            </a:outerShdw>
+                          </a:effectLst>
+                        </a:rPr>
+                        <a:t> v 1.0</a:t>
+                      </a:r>
+                    </a:p>
+                  </a:txBody>
+                  <a:tcPr anchor="ctr">
+                    <a:lnL w="12700" cap="flat" cmpd="sng" algn="ctr">
+                      <a:solidFill>
+                        <a:schemeClr val="bg1"/>
+                      </a:solidFill>
+                      <a:prstDash val="solid"/>
+                      <a:round/>
+                      <a:headEnd type="none" w="med" len="med"/>
+                      <a:tailEnd type="none" w="med" len="med"/>
+                    </a:lnL>
+                    <a:lnR w="12700" cap="flat" cmpd="sng" algn="ctr">
+                      <a:solidFill>
+                        <a:schemeClr val="bg1"/>
+                      </a:solidFill>
+                      <a:prstDash val="solid"/>
+                      <a:round/>
+                      <a:headEnd type="none" w="med" len="med"/>
+                      <a:tailEnd type="none" w="med" len="med"/>
+                    </a:lnR>
+                    <a:lnT w="12700" cmpd="sng">
+                      <a:noFill/>
+                    </a:lnT>
+                    <a:lnB w="38100" cmpd="sng">
+                      <a:noFill/>
+                    </a:lnB>
+                    <a:lnTlToBr w="12700" cmpd="sng">
+                      <a:noFill/>
+                      <a:prstDash val="solid"/>
+                    </a:lnTlToBr>
+                    <a:lnBlToTr w="12700" cmpd="sng">
+                      <a:noFill/>
+                      <a:prstDash val="solid"/>
+                    </a:lnBlToTr>
+                    <a:noFill/>
+                  </a:tcPr>
+                </a:tc>
+                <a:tc>
+                  <a:txBody>
+                    <a:bodyPr/>
+                    <a:lstStyle/>
+                    <a:p>
+                      <a:pPr algn="r"/>
+                      <a:r>
+                        <a:rPr lang="hu-HU" sz="1200" dirty="0">
+                          <a:effectLst>
+                            <a:outerShdw blurRad="38100" dist="38100" dir="2700000" algn="tl">
+                              <a:srgbClr val="000000">
+                                <a:alpha val="43137"/>
+                              </a:srgbClr>
+                            </a:outerShdw>
+                          </a:effectLst>
+                        </a:rPr>
+                        <a:t>28th, December 2018.</a:t>
+                      </a:r>
+                    </a:p>
+                  </a:txBody>
+                  <a:tcPr anchor="ctr">
+                    <a:lnL w="12700" cap="flat" cmpd="sng" algn="ctr">
+                      <a:solidFill>
+                        <a:schemeClr val="bg1"/>
+                      </a:solidFill>
+                      <a:prstDash val="solid"/>
+                      <a:round/>
+                      <a:headEnd type="none" w="med" len="med"/>
+                      <a:tailEnd type="none" w="med" len="med"/>
+                    </a:lnL>
+                    <a:lnR w="12700" cmpd="sng">
+                      <a:noFill/>
+                    </a:lnR>
+                    <a:lnT w="12700" cmpd="sng">
+                      <a:noFill/>
+                    </a:lnT>
+                    <a:lnB w="38100" cmpd="sng">
+                      <a:noFill/>
+                    </a:lnB>
+                    <a:lnTlToBr w="12700" cmpd="sng">
+                      <a:noFill/>
+                      <a:prstDash val="solid"/>
+                    </a:lnTlToBr>
+                    <a:lnBlToTr w="12700" cmpd="sng">
+                      <a:noFill/>
+                      <a:prstDash val="solid"/>
+                    </a:lnBlToTr>
+                    <a:noFill/>
+                  </a:tcPr>
+                </a:tc>
+                <a:extLst>
+                  <a:ext uri="{0D108BD9-81ED-4DB2-BD59-A6C34878D82A}">
+                    <a16:rowId xmlns:a16="http://schemas.microsoft.com/office/drawing/2014/main" val="470580504"/>
+                  </a:ext>
+                </a:extLst>
+              </a:tr>
+            </a:tbl>
+          </a:graphicData>
+        </a:graphic>
+      </p:graphicFrame>
+      <p:sp>
+        <p:nvSpPr>
+          <p:cNvPr id="12" name="Content Placeholder 11">
+            <a:extLst>
+              <a:ext uri="{FF2B5EF4-FFF2-40B4-BE49-F238E27FC236}">
+                <a16:creationId xmlns:a16="http://schemas.microsoft.com/office/drawing/2014/main" id="{9C5D709B-9246-4442-8F04-37A4DC3C0031}"/>
+              </a:ext>
+            </a:extLst>
+          </p:cNvPr>
+          <p:cNvSpPr>
+            <a:spLocks noGrp="1"/>
+          </p:cNvSpPr>
+          <p:nvPr>
+            <p:ph sz="half" idx="1"/>
+          </p:nvPr>
+        </p:nvSpPr>
+        <p:spPr>
+          <a:xfrm>
+            <a:off x="0" y="681038"/>
+            <a:ext cx="6019800" cy="5495925"/>
+          </a:xfrm>
+        </p:spPr>
+        <p:txBody>
+          <a:bodyPr>
+            <a:normAutofit lnSpcReduction="10000"/>
+          </a:bodyPr>
+          <a:lstStyle/>
+          <a:p>
+            <a:r>
+              <a:rPr lang="hu-HU" dirty="0"/>
+              <a:t>Webserver is </a:t>
+            </a:r>
+            <a:r>
+              <a:rPr lang="hu-HU" dirty="0" err="1"/>
+              <a:t>written</a:t>
+            </a:r>
+            <a:r>
+              <a:rPr lang="hu-HU" dirty="0"/>
+              <a:t> in ?</a:t>
+            </a:r>
+          </a:p>
+          <a:p>
+            <a:r>
+              <a:rPr lang="hu-HU" dirty="0" err="1"/>
+              <a:t>Automation</a:t>
+            </a:r>
+            <a:r>
+              <a:rPr lang="hu-HU" dirty="0"/>
+              <a:t> Server is </a:t>
+            </a:r>
+            <a:r>
+              <a:rPr lang="hu-HU" dirty="0" err="1"/>
+              <a:t>written</a:t>
+            </a:r>
+            <a:r>
+              <a:rPr lang="hu-HU" dirty="0"/>
+              <a:t> in?</a:t>
+            </a:r>
+          </a:p>
+          <a:p>
+            <a:r>
+              <a:rPr lang="hu-HU" dirty="0" err="1"/>
+              <a:t>DataBase</a:t>
+            </a:r>
+            <a:r>
+              <a:rPr lang="hu-HU" dirty="0"/>
+              <a:t> is </a:t>
+            </a:r>
+            <a:r>
+              <a:rPr lang="hu-HU" dirty="0" err="1"/>
+              <a:t>mySQL</a:t>
+            </a:r>
+            <a:r>
+              <a:rPr lang="hu-HU" dirty="0"/>
+              <a:t>?</a:t>
+            </a:r>
+          </a:p>
+          <a:p>
+            <a:endParaRPr lang="hu-HU" dirty="0"/>
+          </a:p>
+          <a:p>
+            <a:r>
+              <a:rPr lang="hu-HU" dirty="0" err="1"/>
+              <a:t>Application</a:t>
+            </a:r>
+            <a:r>
+              <a:rPr lang="hu-HU" dirty="0"/>
+              <a:t> </a:t>
+            </a:r>
+            <a:r>
+              <a:rPr lang="hu-HU" dirty="0" err="1"/>
+              <a:t>Components</a:t>
+            </a:r>
+            <a:r>
+              <a:rPr lang="hu-HU" dirty="0"/>
+              <a:t> </a:t>
+            </a:r>
+            <a:r>
+              <a:rPr lang="hu-HU" dirty="0" err="1"/>
+              <a:t>that</a:t>
+            </a:r>
+            <a:r>
+              <a:rPr lang="hu-HU" dirty="0"/>
+              <a:t> </a:t>
+            </a:r>
+            <a:r>
+              <a:rPr lang="hu-HU" dirty="0" err="1"/>
+              <a:t>can</a:t>
+            </a:r>
+            <a:r>
+              <a:rPr lang="hu-HU" dirty="0"/>
+              <a:t> be </a:t>
+            </a:r>
+            <a:r>
+              <a:rPr lang="hu-HU" dirty="0" err="1"/>
+              <a:t>assigned</a:t>
+            </a:r>
+            <a:r>
+              <a:rPr lang="hu-HU" dirty="0"/>
+              <a:t> </a:t>
+            </a:r>
+            <a:r>
+              <a:rPr lang="hu-HU" dirty="0" err="1"/>
+              <a:t>to</a:t>
+            </a:r>
+            <a:r>
+              <a:rPr lang="hu-HU" dirty="0"/>
+              <a:t> </a:t>
+            </a:r>
+            <a:r>
+              <a:rPr lang="hu-HU" dirty="0" err="1"/>
+              <a:t>teams</a:t>
+            </a:r>
+            <a:endParaRPr lang="hu-HU" dirty="0"/>
+          </a:p>
+          <a:p>
+            <a:pPr lvl="1"/>
+            <a:r>
+              <a:rPr lang="hu-HU" dirty="0" err="1"/>
+              <a:t>Automation</a:t>
+            </a:r>
+            <a:r>
+              <a:rPr lang="hu-HU" dirty="0"/>
+              <a:t> Server</a:t>
+            </a:r>
+          </a:p>
+          <a:p>
+            <a:pPr lvl="2"/>
+            <a:r>
+              <a:rPr lang="hu-HU" dirty="0" err="1"/>
+              <a:t>Node</a:t>
+            </a:r>
+            <a:r>
+              <a:rPr lang="hu-HU" dirty="0"/>
+              <a:t> </a:t>
+            </a:r>
+            <a:r>
+              <a:rPr lang="hu-HU" dirty="0" err="1"/>
+              <a:t>Communication</a:t>
+            </a:r>
+            <a:r>
+              <a:rPr lang="hu-HU" dirty="0"/>
+              <a:t> </a:t>
+            </a:r>
+            <a:r>
+              <a:rPr lang="hu-HU" dirty="0" err="1"/>
+              <a:t>Handling</a:t>
+            </a:r>
+            <a:endParaRPr lang="hu-HU" dirty="0"/>
+          </a:p>
+          <a:p>
+            <a:pPr lvl="2"/>
+            <a:r>
+              <a:rPr lang="hu-HU" dirty="0" err="1"/>
+              <a:t>DataBase</a:t>
+            </a:r>
+            <a:r>
+              <a:rPr lang="hu-HU" dirty="0"/>
+              <a:t> management</a:t>
+            </a:r>
+          </a:p>
+          <a:p>
+            <a:pPr lvl="2"/>
+            <a:r>
+              <a:rPr lang="hu-HU" dirty="0" err="1"/>
+              <a:t>Task</a:t>
+            </a:r>
+            <a:r>
+              <a:rPr lang="hu-HU" dirty="0"/>
+              <a:t> </a:t>
+            </a:r>
+            <a:r>
+              <a:rPr lang="hu-HU" dirty="0" err="1"/>
+              <a:t>Scheduler</a:t>
+            </a:r>
+            <a:r>
+              <a:rPr lang="hu-HU" dirty="0"/>
+              <a:t> and I/O Relations</a:t>
+            </a:r>
+          </a:p>
+          <a:p>
+            <a:pPr lvl="2"/>
+            <a:r>
+              <a:rPr lang="hu-HU" dirty="0" err="1"/>
+              <a:t>Node</a:t>
+            </a:r>
+            <a:r>
+              <a:rPr lang="hu-HU" dirty="0"/>
+              <a:t> </a:t>
+            </a:r>
+            <a:r>
+              <a:rPr lang="hu-HU" dirty="0" err="1"/>
+              <a:t>Setup</a:t>
+            </a:r>
+            <a:r>
+              <a:rPr lang="hu-HU" dirty="0"/>
+              <a:t> and </a:t>
+            </a:r>
+            <a:r>
+              <a:rPr lang="hu-HU" dirty="0" err="1"/>
+              <a:t>Configuration</a:t>
+            </a:r>
+            <a:endParaRPr lang="hu-HU" dirty="0"/>
+          </a:p>
+          <a:p>
+            <a:pPr lvl="2"/>
+            <a:r>
+              <a:rPr lang="hu-HU" dirty="0"/>
+              <a:t>API </a:t>
+            </a:r>
+            <a:r>
+              <a:rPr lang="hu-HU" dirty="0" err="1"/>
+              <a:t>to</a:t>
+            </a:r>
+            <a:r>
+              <a:rPr lang="hu-HU" dirty="0"/>
+              <a:t> </a:t>
+            </a:r>
+            <a:r>
+              <a:rPr lang="hu-HU" dirty="0" err="1"/>
+              <a:t>Historical</a:t>
+            </a:r>
+            <a:r>
+              <a:rPr lang="hu-HU" dirty="0"/>
+              <a:t> Data</a:t>
+            </a:r>
+          </a:p>
+          <a:p>
+            <a:pPr lvl="1"/>
+            <a:r>
+              <a:rPr lang="hu-HU" dirty="0" err="1"/>
+              <a:t>DataBase</a:t>
+            </a:r>
+            <a:endParaRPr lang="hu-HU" dirty="0"/>
+          </a:p>
+          <a:p>
+            <a:pPr lvl="2"/>
+            <a:r>
+              <a:rPr lang="hu-HU" dirty="0" err="1"/>
+              <a:t>Definition</a:t>
+            </a:r>
+            <a:r>
+              <a:rPr lang="hu-HU" dirty="0"/>
+              <a:t> and </a:t>
+            </a:r>
+            <a:r>
+              <a:rPr lang="hu-HU" dirty="0" err="1"/>
+              <a:t>Setup</a:t>
+            </a:r>
+            <a:endParaRPr lang="hu-HU" dirty="0"/>
+          </a:p>
+          <a:p>
+            <a:pPr lvl="2"/>
+            <a:endParaRPr lang="hu-HU" dirty="0"/>
+          </a:p>
+          <a:p>
+            <a:pPr lvl="2"/>
+            <a:endParaRPr lang="hu-HU" dirty="0"/>
+          </a:p>
+          <a:p>
+            <a:pPr lvl="2"/>
+            <a:endParaRPr lang="hu-HU" dirty="0"/>
+          </a:p>
+          <a:p>
+            <a:pPr lvl="1"/>
+            <a:endParaRPr lang="hu-HU" dirty="0"/>
+          </a:p>
+        </p:txBody>
+      </p:sp>
+      <p:sp>
+        <p:nvSpPr>
+          <p:cNvPr id="13" name="Content Placeholder 12">
+            <a:extLst>
+              <a:ext uri="{FF2B5EF4-FFF2-40B4-BE49-F238E27FC236}">
+                <a16:creationId xmlns:a16="http://schemas.microsoft.com/office/drawing/2014/main" id="{4BE2AF24-5A62-4CA7-BCCC-D5B3AFD5F6BE}"/>
+              </a:ext>
+            </a:extLst>
+          </p:cNvPr>
+          <p:cNvSpPr>
+            <a:spLocks noGrp="1"/>
+          </p:cNvSpPr>
+          <p:nvPr>
+            <p:ph sz="half" idx="2"/>
+          </p:nvPr>
+        </p:nvSpPr>
+        <p:spPr>
+          <a:xfrm>
+            <a:off x="6172200" y="681038"/>
+            <a:ext cx="6019800" cy="5495925"/>
+          </a:xfrm>
+        </p:spPr>
+        <p:txBody>
+          <a:bodyPr>
+            <a:normAutofit lnSpcReduction="10000"/>
+          </a:bodyPr>
+          <a:lstStyle/>
+          <a:p>
+            <a:pPr lvl="1"/>
+            <a:r>
+              <a:rPr lang="hu-HU" dirty="0"/>
+              <a:t>Webserver</a:t>
+            </a:r>
+          </a:p>
+          <a:p>
+            <a:pPr lvl="2"/>
+            <a:r>
+              <a:rPr lang="hu-HU" dirty="0" err="1"/>
+              <a:t>Authentication</a:t>
+            </a:r>
+            <a:endParaRPr lang="hu-HU" dirty="0"/>
+          </a:p>
+          <a:p>
+            <a:pPr lvl="2"/>
+            <a:r>
+              <a:rPr lang="hu-HU" dirty="0" err="1"/>
+              <a:t>Automation</a:t>
+            </a:r>
+            <a:r>
+              <a:rPr lang="hu-HU" dirty="0"/>
+              <a:t> Server </a:t>
+            </a:r>
+            <a:r>
+              <a:rPr lang="hu-HU" dirty="0" err="1"/>
+              <a:t>Interface</a:t>
+            </a:r>
+            <a:endParaRPr lang="hu-HU" dirty="0"/>
+          </a:p>
+          <a:p>
+            <a:pPr lvl="2"/>
+            <a:r>
+              <a:rPr lang="hu-HU" dirty="0" err="1"/>
+              <a:t>DataBase</a:t>
+            </a:r>
+            <a:r>
+              <a:rPr lang="hu-HU" dirty="0"/>
+              <a:t> </a:t>
+            </a:r>
+            <a:r>
+              <a:rPr lang="hu-HU" dirty="0" err="1"/>
+              <a:t>Interface</a:t>
+            </a:r>
+            <a:endParaRPr lang="hu-HU" dirty="0"/>
+          </a:p>
+          <a:p>
+            <a:pPr lvl="2"/>
+            <a:r>
+              <a:rPr lang="hu-HU" dirty="0" err="1"/>
+              <a:t>Node</a:t>
+            </a:r>
+            <a:r>
+              <a:rPr lang="hu-HU" dirty="0"/>
+              <a:t> </a:t>
+            </a:r>
+            <a:r>
+              <a:rPr lang="hu-HU" dirty="0" err="1"/>
+              <a:t>Configuration</a:t>
+            </a:r>
+            <a:r>
+              <a:rPr lang="hu-HU" dirty="0"/>
+              <a:t> GUI</a:t>
+            </a:r>
+          </a:p>
+          <a:p>
+            <a:pPr lvl="2"/>
+            <a:r>
+              <a:rPr lang="hu-HU" dirty="0" err="1"/>
+              <a:t>Application</a:t>
+            </a:r>
+            <a:r>
+              <a:rPr lang="hu-HU" dirty="0"/>
+              <a:t> GUI </a:t>
+            </a:r>
+          </a:p>
+          <a:p>
+            <a:pPr lvl="2"/>
+            <a:endParaRPr lang="hu-HU" dirty="0"/>
+          </a:p>
+          <a:p>
+            <a:pPr lvl="1"/>
+            <a:endParaRPr lang="hu-HU" dirty="0"/>
+          </a:p>
+          <a:p>
+            <a:endParaRPr lang="hu-HU" dirty="0"/>
+          </a:p>
+        </p:txBody>
+      </p:sp>
+      <p:sp>
+        <p:nvSpPr>
+          <p:cNvPr id="10" name="Title 1">
+            <a:extLst>
+              <a:ext uri="{FF2B5EF4-FFF2-40B4-BE49-F238E27FC236}">
+                <a16:creationId xmlns:a16="http://schemas.microsoft.com/office/drawing/2014/main" id="{1524D559-F0B0-465A-98FA-9C3422E63469}"/>
+              </a:ext>
+            </a:extLst>
+          </p:cNvPr>
+          <p:cNvSpPr txBox="1">
+            <a:spLocks/>
+          </p:cNvSpPr>
+          <p:nvPr/>
+        </p:nvSpPr>
+        <p:spPr>
+          <a:xfrm>
+            <a:off x="0" y="1"/>
+            <a:ext cx="12192000" cy="557868"/>
+          </a:xfrm>
+          <a:prstGeom prst="rect">
+            <a:avLst/>
+          </a:prstGeom>
+        </p:spPr>
+        <p:txBody>
+          <a:bodyPr vert="horz" lIns="91440" tIns="45720" rIns="91440" bIns="45720" rtlCol="0" anchor="ctr">
+            <a:normAutofit fontScale="90000" lnSpcReduction="20000"/>
+          </a:bodyPr>
+          <a:lstStyle>
+            <a:lvl1pPr algn="l" defTabSz="914400" rtl="0" eaLnBrk="1" latinLnBrk="0" hangingPunct="1">
+              <a:lnSpc>
+                <a:spcPct val="90000"/>
+              </a:lnSpc>
+              <a:spcBef>
+                <a:spcPct val="0"/>
+              </a:spcBef>
+              <a:buNone/>
+              <a:defRPr sz="4400" kern="1200">
+                <a:solidFill>
+                  <a:schemeClr val="tx1"/>
+                </a:solidFill>
+                <a:latin typeface="+mj-lt"/>
+                <a:ea typeface="+mj-ea"/>
+                <a:cs typeface="+mj-cs"/>
+              </a:defRPr>
+            </a:lvl1pPr>
+          </a:lstStyle>
+          <a:p>
+            <a:r>
+              <a:rPr lang="hu-HU" dirty="0"/>
+              <a:t>Server – Program </a:t>
+            </a:r>
+            <a:r>
+              <a:rPr lang="hu-HU" dirty="0" err="1"/>
+              <a:t>Components</a:t>
+            </a:r>
+            <a:endParaRPr lang="hu-HU" dirty="0"/>
+          </a:p>
+        </p:txBody>
+      </p:sp>
+    </p:spTree>
+    <p:extLst>
+      <p:ext uri="{BB962C8B-B14F-4D97-AF65-F5344CB8AC3E}">
+        <p14:creationId xmlns:p14="http://schemas.microsoft.com/office/powerpoint/2010/main" val="445229046"/>
+      </p:ext>
+    </p:extLst>
+  </p:cSld>
+  <p:clrMapOvr>
+    <a:masterClrMapping/>
+  </p:clrMapOvr>
+</p:sld>
+</file>
+
+<file path=ppt/slides/slide11.xml><?xml version="1.0" encoding="utf-8"?>
+<p:sld xmlns:a="http://schemas.openxmlformats.org/drawingml/2006/main" xmlns:r="http://schemas.openxmlformats.org/officeDocument/2006/relationships" xmlns:p="http://schemas.openxmlformats.org/presentationml/2006/main">
+  <p:cSld>
+    <p:spTree>
+      <p:nvGrpSpPr>
+        <p:cNvPr id="1" name=""/>
+        <p:cNvGrpSpPr/>
+        <p:nvPr/>
+      </p:nvGrpSpPr>
+      <p:grpSpPr>
+        <a:xfrm>
+          <a:off x="0" y="0"/>
+          <a:ext cx="0" cy="0"/>
+          <a:chOff x="0" y="0"/>
+          <a:chExt cx="0" cy="0"/>
+        </a:xfrm>
+      </p:grpSpPr>
+      <p:sp>
+        <p:nvSpPr>
+          <p:cNvPr id="4" name="Rectangle: Single Corner Snipped 3">
+            <a:extLst>
+              <a:ext uri="{FF2B5EF4-FFF2-40B4-BE49-F238E27FC236}">
+                <a16:creationId xmlns:a16="http://schemas.microsoft.com/office/drawing/2014/main" id="{D805B3B7-4AE0-4F4D-B96E-0E3172F52776}"/>
+              </a:ext>
+            </a:extLst>
+          </p:cNvPr>
+          <p:cNvSpPr/>
+          <p:nvPr/>
+        </p:nvSpPr>
+        <p:spPr>
+          <a:xfrm>
+            <a:off x="0" y="6300132"/>
+            <a:ext cx="12192000" cy="557868"/>
+          </a:xfrm>
+          <a:prstGeom prst="snip1Rect">
+            <a:avLst/>
+          </a:prstGeom>
+          <a:solidFill>
+            <a:srgbClr val="77CCD7"/>
+          </a:solidFill>
+          <a:ln>
+            <a:noFill/>
+          </a:ln>
+        </p:spPr>
+        <p:style>
+          <a:lnRef idx="2">
+            <a:schemeClr val="accent1">
+              <a:shade val="50000"/>
+            </a:schemeClr>
+          </a:lnRef>
+          <a:fillRef idx="1">
+            <a:schemeClr val="accent1"/>
+          </a:fillRef>
+          <a:effectRef idx="0">
+            <a:schemeClr val="accent1"/>
+          </a:effectRef>
+          <a:fontRef idx="minor">
+            <a:schemeClr val="lt1"/>
+          </a:fontRef>
+        </p:style>
+        <p:txBody>
+          <a:bodyPr rtlCol="0" anchor="ctr"/>
+          <a:lstStyle/>
+          <a:p>
+            <a:pPr algn="ctr"/>
+            <a:endParaRPr lang="hu-HU" dirty="0"/>
+          </a:p>
+        </p:txBody>
+      </p:sp>
+      <p:graphicFrame>
+        <p:nvGraphicFramePr>
+          <p:cNvPr id="5" name="Table 4">
+            <a:extLst>
+              <a:ext uri="{FF2B5EF4-FFF2-40B4-BE49-F238E27FC236}">
+                <a16:creationId xmlns:a16="http://schemas.microsoft.com/office/drawing/2014/main" id="{96FB0FB3-DF99-4A71-A0AA-283DF9A91AD9}"/>
+              </a:ext>
+            </a:extLst>
+          </p:cNvPr>
+          <p:cNvGraphicFramePr>
+            <a:graphicFrameLocks noGrp="1"/>
+          </p:cNvGraphicFramePr>
+          <p:nvPr>
+            <p:extLst/>
+          </p:nvPr>
+        </p:nvGraphicFramePr>
+        <p:xfrm>
+          <a:off x="0" y="6300132"/>
+          <a:ext cx="12192000" cy="553998"/>
+        </p:xfrm>
+        <a:graphic>
+          <a:graphicData uri="http://schemas.openxmlformats.org/drawingml/2006/table">
+            <a:tbl>
+              <a:tblPr firstRow="1" bandRow="1">
+                <a:tableStyleId>{5C22544A-7EE6-4342-B048-85BDC9FD1C3A}</a:tableStyleId>
+              </a:tblPr>
+              <a:tblGrid>
+                <a:gridCol w="3976382">
+                  <a:extLst>
+                    <a:ext uri="{9D8B030D-6E8A-4147-A177-3AD203B41FA5}">
+                      <a16:colId xmlns:a16="http://schemas.microsoft.com/office/drawing/2014/main" val="3182790378"/>
+                    </a:ext>
+                  </a:extLst>
+                </a:gridCol>
+                <a:gridCol w="6233020">
+                  <a:extLst>
+                    <a:ext uri="{9D8B030D-6E8A-4147-A177-3AD203B41FA5}">
+                      <a16:colId xmlns:a16="http://schemas.microsoft.com/office/drawing/2014/main" val="64276832"/>
+                    </a:ext>
+                  </a:extLst>
+                </a:gridCol>
+                <a:gridCol w="1982598">
+                  <a:extLst>
+                    <a:ext uri="{9D8B030D-6E8A-4147-A177-3AD203B41FA5}">
+                      <a16:colId xmlns:a16="http://schemas.microsoft.com/office/drawing/2014/main" val="3931946009"/>
+                    </a:ext>
+                  </a:extLst>
+                </a:gridCol>
+              </a:tblGrid>
+              <a:tr h="553998">
+                <a:tc>
+                  <a:txBody>
+                    <a:bodyPr/>
+                    <a:lstStyle/>
+                    <a:p>
+                      <a:r>
+                        <a:rPr lang="hu-HU" sz="1600" b="1" dirty="0">
+                          <a:solidFill>
+                            <a:schemeClr val="bg1"/>
+                          </a:solidFill>
+                          <a:effectLst>
+                            <a:outerShdw blurRad="50800" dist="38100" dir="2700000" algn="tl" rotWithShape="0">
+                              <a:prstClr val="black">
+                                <a:alpha val="40000"/>
+                              </a:prstClr>
+                            </a:outerShdw>
+                          </a:effectLst>
+                          <a:latin typeface="+mn-lt"/>
+                          <a:cs typeface="Miriam Fixed" panose="020B0604020202020204" pitchFamily="49" charset="-79"/>
+                        </a:rPr>
+                        <a:t>KEECO</a:t>
+                      </a:r>
+                    </a:p>
+                    <a:p>
+                      <a:r>
+                        <a:rPr lang="hu-HU" sz="1200" b="0" dirty="0" err="1">
+                          <a:solidFill>
+                            <a:schemeClr val="bg1"/>
+                          </a:solidFill>
+                          <a:effectLst>
+                            <a:outerShdw blurRad="50800" dist="38100" dir="2700000" algn="tl" rotWithShape="0">
+                              <a:prstClr val="black">
+                                <a:alpha val="40000"/>
+                              </a:prstClr>
+                            </a:outerShdw>
+                          </a:effectLst>
+                          <a:latin typeface="+mn-lt"/>
+                          <a:cs typeface="Miriam Fixed" panose="020B0604020202020204" pitchFamily="49" charset="-79"/>
+                        </a:rPr>
+                        <a:t>Knowledgeable</a:t>
+                      </a:r>
+                      <a:r>
+                        <a:rPr lang="hu-HU" sz="1200" b="0" dirty="0">
+                          <a:solidFill>
+                            <a:schemeClr val="bg1"/>
+                          </a:solidFill>
+                          <a:effectLst>
+                            <a:outerShdw blurRad="50800" dist="38100" dir="2700000" algn="tl" rotWithShape="0">
+                              <a:prstClr val="black">
+                                <a:alpha val="40000"/>
+                              </a:prstClr>
+                            </a:outerShdw>
+                          </a:effectLst>
+                          <a:latin typeface="+mn-lt"/>
+                          <a:cs typeface="Miriam Fixed" panose="020B0604020202020204" pitchFamily="49" charset="-79"/>
+                        </a:rPr>
+                        <a:t> </a:t>
+                      </a:r>
+                      <a:r>
+                        <a:rPr lang="hu-HU" sz="1200" b="0" dirty="0" err="1">
+                          <a:solidFill>
+                            <a:schemeClr val="bg1"/>
+                          </a:solidFill>
+                          <a:effectLst>
+                            <a:outerShdw blurRad="50800" dist="38100" dir="2700000" algn="tl" rotWithShape="0">
+                              <a:prstClr val="black">
+                                <a:alpha val="40000"/>
+                              </a:prstClr>
+                            </a:outerShdw>
+                          </a:effectLst>
+                          <a:latin typeface="+mn-lt"/>
+                          <a:cs typeface="Miriam Fixed" panose="020B0604020202020204" pitchFamily="49" charset="-79"/>
+                        </a:rPr>
+                        <a:t>Ecosystem</a:t>
+                      </a:r>
+                      <a:r>
+                        <a:rPr lang="hu-HU" sz="1200" b="0" dirty="0">
+                          <a:solidFill>
+                            <a:schemeClr val="bg1"/>
+                          </a:solidFill>
+                          <a:effectLst>
+                            <a:outerShdw blurRad="50800" dist="38100" dir="2700000" algn="tl" rotWithShape="0">
+                              <a:prstClr val="black">
+                                <a:alpha val="40000"/>
+                              </a:prstClr>
+                            </a:outerShdw>
+                          </a:effectLst>
+                          <a:latin typeface="+mn-lt"/>
+                          <a:cs typeface="Miriam Fixed" panose="020B0604020202020204" pitchFamily="49" charset="-79"/>
+                        </a:rPr>
+                        <a:t> </a:t>
+                      </a:r>
+                      <a:r>
+                        <a:rPr lang="hu-HU" sz="1200" b="0" dirty="0" err="1">
+                          <a:solidFill>
+                            <a:schemeClr val="bg1"/>
+                          </a:solidFill>
+                          <a:effectLst>
+                            <a:outerShdw blurRad="50800" dist="38100" dir="2700000" algn="tl" rotWithShape="0">
+                              <a:prstClr val="black">
+                                <a:alpha val="40000"/>
+                              </a:prstClr>
+                            </a:outerShdw>
+                          </a:effectLst>
+                          <a:latin typeface="+mn-lt"/>
+                          <a:cs typeface="Miriam Fixed" panose="020B0604020202020204" pitchFamily="49" charset="-79"/>
+                        </a:rPr>
+                        <a:t>for</a:t>
+                      </a:r>
+                      <a:r>
+                        <a:rPr lang="hu-HU" sz="1200" b="0" dirty="0">
+                          <a:solidFill>
+                            <a:schemeClr val="bg1"/>
+                          </a:solidFill>
+                          <a:effectLst>
+                            <a:outerShdw blurRad="50800" dist="38100" dir="2700000" algn="tl" rotWithShape="0">
+                              <a:prstClr val="black">
+                                <a:alpha val="40000"/>
+                              </a:prstClr>
+                            </a:outerShdw>
+                          </a:effectLst>
+                          <a:latin typeface="+mn-lt"/>
+                          <a:cs typeface="Miriam Fixed" panose="020B0604020202020204" pitchFamily="49" charset="-79"/>
+                        </a:rPr>
+                        <a:t> Establishment Control </a:t>
+                      </a:r>
+                      <a:r>
+                        <a:rPr lang="hu-HU" sz="1200" b="0" dirty="0" err="1">
+                          <a:solidFill>
+                            <a:schemeClr val="bg1"/>
+                          </a:solidFill>
+                          <a:effectLst>
+                            <a:outerShdw blurRad="50800" dist="38100" dir="2700000" algn="tl" rotWithShape="0">
+                              <a:prstClr val="black">
+                                <a:alpha val="40000"/>
+                              </a:prstClr>
+                            </a:outerShdw>
+                          </a:effectLst>
+                          <a:latin typeface="+mn-lt"/>
+                          <a:cs typeface="Miriam Fixed" panose="020B0604020202020204" pitchFamily="49" charset="-79"/>
+                        </a:rPr>
+                        <a:t>Objects</a:t>
+                      </a:r>
+                      <a:endParaRPr lang="hu-HU" sz="1200" b="0" dirty="0">
+                        <a:solidFill>
+                          <a:schemeClr val="bg1"/>
+                        </a:solidFill>
+                        <a:effectLst>
+                          <a:outerShdw blurRad="50800" dist="38100" dir="2700000" algn="tl" rotWithShape="0">
+                            <a:prstClr val="black">
+                              <a:alpha val="40000"/>
+                            </a:prstClr>
+                          </a:outerShdw>
+                        </a:effectLst>
+                        <a:latin typeface="+mn-lt"/>
+                        <a:cs typeface="Miriam Fixed" panose="020B0604020202020204" pitchFamily="49" charset="-79"/>
+                      </a:endParaRPr>
+                    </a:p>
+                  </a:txBody>
+                  <a:tcPr anchor="ctr">
+                    <a:lnL w="12700" cmpd="sng">
+                      <a:noFill/>
+                    </a:lnL>
+                    <a:lnR w="12700" cap="flat" cmpd="sng" algn="ctr">
+                      <a:solidFill>
+                        <a:schemeClr val="bg1"/>
+                      </a:solidFill>
+                      <a:prstDash val="solid"/>
+                      <a:round/>
+                      <a:headEnd type="none" w="med" len="med"/>
+                      <a:tailEnd type="none" w="med" len="med"/>
+                    </a:lnR>
+                    <a:lnT w="12700" cmpd="sng">
+                      <a:noFill/>
+                    </a:lnT>
+                    <a:lnB w="38100" cmpd="sng">
+                      <a:noFill/>
+                    </a:lnB>
+                    <a:lnTlToBr w="12700" cmpd="sng">
+                      <a:noFill/>
+                      <a:prstDash val="solid"/>
+                    </a:lnTlToBr>
+                    <a:lnBlToTr w="12700" cmpd="sng">
+                      <a:noFill/>
+                      <a:prstDash val="solid"/>
+                    </a:lnBlToTr>
+                    <a:noFill/>
+                  </a:tcPr>
+                </a:tc>
+                <a:tc>
+                  <a:txBody>
+                    <a:bodyPr/>
+                    <a:lstStyle/>
+                    <a:p>
+                      <a:pPr algn="ctr"/>
+                      <a:r>
+                        <a:rPr lang="hu-HU" sz="1400" b="0" dirty="0">
+                          <a:effectLst>
+                            <a:outerShdw blurRad="38100" dist="38100" dir="2700000" algn="tl">
+                              <a:srgbClr val="000000">
+                                <a:alpha val="43137"/>
+                              </a:srgbClr>
+                            </a:outerShdw>
+                          </a:effectLst>
+                        </a:rPr>
+                        <a:t>Project </a:t>
+                      </a:r>
+                      <a:r>
+                        <a:rPr lang="hu-HU" sz="1400" b="0" dirty="0" err="1">
+                          <a:effectLst>
+                            <a:outerShdw blurRad="38100" dist="38100" dir="2700000" algn="tl">
+                              <a:srgbClr val="000000">
+                                <a:alpha val="43137"/>
+                              </a:srgbClr>
+                            </a:outerShdw>
+                          </a:effectLst>
+                        </a:rPr>
+                        <a:t>initiation</a:t>
+                      </a:r>
+                      <a:r>
+                        <a:rPr lang="hu-HU" sz="1400" b="0" dirty="0">
+                          <a:effectLst>
+                            <a:outerShdw blurRad="38100" dist="38100" dir="2700000" algn="tl">
+                              <a:srgbClr val="000000">
+                                <a:alpha val="43137"/>
+                              </a:srgbClr>
+                            </a:outerShdw>
+                          </a:effectLst>
+                        </a:rPr>
+                        <a:t> </a:t>
+                      </a:r>
+                      <a:r>
+                        <a:rPr lang="hu-HU" sz="1400" b="0" dirty="0" err="1">
+                          <a:effectLst>
+                            <a:outerShdw blurRad="38100" dist="38100" dir="2700000" algn="tl">
+                              <a:srgbClr val="000000">
+                                <a:alpha val="43137"/>
+                              </a:srgbClr>
+                            </a:outerShdw>
+                          </a:effectLst>
+                        </a:rPr>
+                        <a:t>document</a:t>
+                      </a:r>
+                      <a:r>
+                        <a:rPr lang="hu-HU" sz="1400" b="0" dirty="0">
+                          <a:effectLst>
+                            <a:outerShdw blurRad="38100" dist="38100" dir="2700000" algn="tl">
+                              <a:srgbClr val="000000">
+                                <a:alpha val="43137"/>
+                              </a:srgbClr>
+                            </a:outerShdw>
+                          </a:effectLst>
+                        </a:rPr>
+                        <a:t> v 1.0</a:t>
+                      </a:r>
+                    </a:p>
+                  </a:txBody>
+                  <a:tcPr anchor="ctr">
+                    <a:lnL w="12700" cap="flat" cmpd="sng" algn="ctr">
+                      <a:solidFill>
+                        <a:schemeClr val="bg1"/>
+                      </a:solidFill>
+                      <a:prstDash val="solid"/>
+                      <a:round/>
+                      <a:headEnd type="none" w="med" len="med"/>
+                      <a:tailEnd type="none" w="med" len="med"/>
+                    </a:lnL>
+                    <a:lnR w="12700" cap="flat" cmpd="sng" algn="ctr">
+                      <a:solidFill>
+                        <a:schemeClr val="bg1"/>
+                      </a:solidFill>
+                      <a:prstDash val="solid"/>
+                      <a:round/>
+                      <a:headEnd type="none" w="med" len="med"/>
+                      <a:tailEnd type="none" w="med" len="med"/>
+                    </a:lnR>
+                    <a:lnT w="12700" cmpd="sng">
+                      <a:noFill/>
+                    </a:lnT>
+                    <a:lnB w="38100" cmpd="sng">
+                      <a:noFill/>
+                    </a:lnB>
+                    <a:lnTlToBr w="12700" cmpd="sng">
+                      <a:noFill/>
+                      <a:prstDash val="solid"/>
+                    </a:lnTlToBr>
+                    <a:lnBlToTr w="12700" cmpd="sng">
+                      <a:noFill/>
+                      <a:prstDash val="solid"/>
+                    </a:lnBlToTr>
+                    <a:noFill/>
+                  </a:tcPr>
+                </a:tc>
+                <a:tc>
+                  <a:txBody>
+                    <a:bodyPr/>
+                    <a:lstStyle/>
+                    <a:p>
+                      <a:pPr algn="r"/>
+                      <a:r>
+                        <a:rPr lang="hu-HU" sz="1200" dirty="0">
+                          <a:effectLst>
+                            <a:outerShdw blurRad="38100" dist="38100" dir="2700000" algn="tl">
+                              <a:srgbClr val="000000">
+                                <a:alpha val="43137"/>
+                              </a:srgbClr>
+                            </a:outerShdw>
+                          </a:effectLst>
+                        </a:rPr>
+                        <a:t>28th, December 2018.</a:t>
+                      </a:r>
+                    </a:p>
+                  </a:txBody>
+                  <a:tcPr anchor="ctr">
+                    <a:lnL w="12700" cap="flat" cmpd="sng" algn="ctr">
+                      <a:solidFill>
+                        <a:schemeClr val="bg1"/>
+                      </a:solidFill>
+                      <a:prstDash val="solid"/>
+                      <a:round/>
+                      <a:headEnd type="none" w="med" len="med"/>
+                      <a:tailEnd type="none" w="med" len="med"/>
+                    </a:lnL>
+                    <a:lnR w="12700" cmpd="sng">
+                      <a:noFill/>
+                    </a:lnR>
+                    <a:lnT w="12700" cmpd="sng">
+                      <a:noFill/>
+                    </a:lnT>
+                    <a:lnB w="38100" cmpd="sng">
+                      <a:noFill/>
+                    </a:lnB>
+                    <a:lnTlToBr w="12700" cmpd="sng">
+                      <a:noFill/>
+                      <a:prstDash val="solid"/>
+                    </a:lnTlToBr>
+                    <a:lnBlToTr w="12700" cmpd="sng">
+                      <a:noFill/>
+                      <a:prstDash val="solid"/>
+                    </a:lnBlToTr>
+                    <a:noFill/>
+                  </a:tcPr>
+                </a:tc>
+                <a:extLst>
+                  <a:ext uri="{0D108BD9-81ED-4DB2-BD59-A6C34878D82A}">
+                    <a16:rowId xmlns:a16="http://schemas.microsoft.com/office/drawing/2014/main" val="470580504"/>
+                  </a:ext>
+                </a:extLst>
+              </a:tr>
+            </a:tbl>
+          </a:graphicData>
+        </a:graphic>
+      </p:graphicFrame>
+      <p:sp>
+        <p:nvSpPr>
+          <p:cNvPr id="12" name="Content Placeholder 11">
+            <a:extLst>
+              <a:ext uri="{FF2B5EF4-FFF2-40B4-BE49-F238E27FC236}">
+                <a16:creationId xmlns:a16="http://schemas.microsoft.com/office/drawing/2014/main" id="{9C5D709B-9246-4442-8F04-37A4DC3C0031}"/>
+              </a:ext>
+            </a:extLst>
+          </p:cNvPr>
+          <p:cNvSpPr>
+            <a:spLocks noGrp="1"/>
+          </p:cNvSpPr>
+          <p:nvPr>
+            <p:ph sz="half" idx="1"/>
+          </p:nvPr>
+        </p:nvSpPr>
+        <p:spPr>
+          <a:xfrm>
+            <a:off x="0" y="681038"/>
+            <a:ext cx="6019800" cy="5495925"/>
+          </a:xfrm>
+        </p:spPr>
+        <p:txBody>
+          <a:bodyPr>
+            <a:normAutofit/>
+          </a:bodyPr>
+          <a:lstStyle/>
+          <a:p>
+            <a:r>
+              <a:rPr lang="hu-HU" dirty="0" err="1"/>
+              <a:t>To</a:t>
+            </a:r>
+            <a:r>
+              <a:rPr lang="hu-HU" dirty="0"/>
+              <a:t> Be </a:t>
+            </a:r>
+            <a:r>
+              <a:rPr lang="hu-HU" dirty="0" err="1"/>
+              <a:t>Defined</a:t>
+            </a:r>
+            <a:endParaRPr lang="hu-HU" dirty="0"/>
+          </a:p>
+          <a:p>
+            <a:pPr marL="0" indent="0">
+              <a:buNone/>
+            </a:pPr>
+            <a:endParaRPr lang="hu-HU" dirty="0"/>
+          </a:p>
+        </p:txBody>
+      </p:sp>
+      <p:sp>
+        <p:nvSpPr>
+          <p:cNvPr id="13" name="Content Placeholder 12">
+            <a:extLst>
+              <a:ext uri="{FF2B5EF4-FFF2-40B4-BE49-F238E27FC236}">
+                <a16:creationId xmlns:a16="http://schemas.microsoft.com/office/drawing/2014/main" id="{4BE2AF24-5A62-4CA7-BCCC-D5B3AFD5F6BE}"/>
+              </a:ext>
+            </a:extLst>
+          </p:cNvPr>
+          <p:cNvSpPr>
+            <a:spLocks noGrp="1"/>
+          </p:cNvSpPr>
+          <p:nvPr>
+            <p:ph sz="half" idx="2"/>
+          </p:nvPr>
+        </p:nvSpPr>
+        <p:spPr>
+          <a:xfrm>
+            <a:off x="6172200" y="681038"/>
+            <a:ext cx="6019800" cy="5495925"/>
+          </a:xfrm>
+        </p:spPr>
+        <p:txBody>
+          <a:bodyPr>
+            <a:normAutofit/>
+          </a:bodyPr>
+          <a:lstStyle/>
+          <a:p>
+            <a:pPr lvl="1"/>
+            <a:endParaRPr lang="hu-HU" dirty="0"/>
+          </a:p>
+          <a:p>
+            <a:endParaRPr lang="hu-HU" dirty="0"/>
+          </a:p>
+        </p:txBody>
+      </p:sp>
+      <p:sp>
+        <p:nvSpPr>
+          <p:cNvPr id="10" name="Title 1">
+            <a:extLst>
+              <a:ext uri="{FF2B5EF4-FFF2-40B4-BE49-F238E27FC236}">
+                <a16:creationId xmlns:a16="http://schemas.microsoft.com/office/drawing/2014/main" id="{1524D559-F0B0-465A-98FA-9C3422E63469}"/>
+              </a:ext>
+            </a:extLst>
+          </p:cNvPr>
+          <p:cNvSpPr txBox="1">
+            <a:spLocks/>
+          </p:cNvSpPr>
+          <p:nvPr/>
+        </p:nvSpPr>
+        <p:spPr>
+          <a:xfrm>
+            <a:off x="0" y="1"/>
+            <a:ext cx="12192000" cy="557868"/>
+          </a:xfrm>
+          <a:prstGeom prst="rect">
+            <a:avLst/>
+          </a:prstGeom>
+        </p:spPr>
+        <p:txBody>
+          <a:bodyPr vert="horz" lIns="91440" tIns="45720" rIns="91440" bIns="45720" rtlCol="0" anchor="ctr">
+            <a:normAutofit fontScale="90000" lnSpcReduction="20000"/>
+          </a:bodyPr>
+          <a:lstStyle>
+            <a:lvl1pPr algn="l" defTabSz="914400" rtl="0" eaLnBrk="1" latinLnBrk="0" hangingPunct="1">
+              <a:lnSpc>
+                <a:spcPct val="90000"/>
+              </a:lnSpc>
+              <a:spcBef>
+                <a:spcPct val="0"/>
+              </a:spcBef>
+              <a:buNone/>
+              <a:defRPr sz="4400" kern="1200">
+                <a:solidFill>
+                  <a:schemeClr val="tx1"/>
+                </a:solidFill>
+                <a:latin typeface="+mj-lt"/>
+                <a:ea typeface="+mj-ea"/>
+                <a:cs typeface="+mj-cs"/>
+              </a:defRPr>
+            </a:lvl1pPr>
+          </a:lstStyle>
+          <a:p>
+            <a:r>
+              <a:rPr lang="hu-HU" dirty="0"/>
+              <a:t>Server – Data </a:t>
+            </a:r>
+            <a:r>
+              <a:rPr lang="hu-HU" dirty="0" err="1"/>
+              <a:t>Models</a:t>
+            </a:r>
+            <a:endParaRPr lang="hu-HU" dirty="0"/>
+          </a:p>
+        </p:txBody>
+      </p:sp>
+    </p:spTree>
+    <p:extLst>
+      <p:ext uri="{BB962C8B-B14F-4D97-AF65-F5344CB8AC3E}">
+        <p14:creationId xmlns:p14="http://schemas.microsoft.com/office/powerpoint/2010/main" val="712141264"/>
+      </p:ext>
+    </p:extLst>
+  </p:cSld>
+  <p:clrMapOvr>
+    <a:masterClrMapping/>
+  </p:clrMapOvr>
+</p:sld>
+</file>
+
+<file path=ppt/slides/slide12.xml><?xml version="1.0" encoding="utf-8"?>
+<p:sld xmlns:a="http://schemas.openxmlformats.org/drawingml/2006/main" xmlns:r="http://schemas.openxmlformats.org/officeDocument/2006/relationships" xmlns:p="http://schemas.openxmlformats.org/presentationml/2006/main">
+  <p:cSld>
+    <p:spTree>
+      <p:nvGrpSpPr>
+        <p:cNvPr id="1" name=""/>
+        <p:cNvGrpSpPr/>
+        <p:nvPr/>
+      </p:nvGrpSpPr>
+      <p:grpSpPr>
+        <a:xfrm>
+          <a:off x="0" y="0"/>
+          <a:ext cx="0" cy="0"/>
+          <a:chOff x="0" y="0"/>
+          <a:chExt cx="0" cy="0"/>
+        </a:xfrm>
+      </p:grpSpPr>
+      <p:sp>
+        <p:nvSpPr>
+          <p:cNvPr id="4" name="Rectangle: Single Corner Snipped 3">
+            <a:extLst>
+              <a:ext uri="{FF2B5EF4-FFF2-40B4-BE49-F238E27FC236}">
+                <a16:creationId xmlns:a16="http://schemas.microsoft.com/office/drawing/2014/main" id="{D805B3B7-4AE0-4F4D-B96E-0E3172F52776}"/>
+              </a:ext>
+            </a:extLst>
+          </p:cNvPr>
+          <p:cNvSpPr/>
+          <p:nvPr/>
+        </p:nvSpPr>
+        <p:spPr>
+          <a:xfrm>
+            <a:off x="0" y="6300132"/>
+            <a:ext cx="12192000" cy="557868"/>
+          </a:xfrm>
+          <a:prstGeom prst="snip1Rect">
+            <a:avLst/>
+          </a:prstGeom>
+          <a:solidFill>
+            <a:srgbClr val="77CCD7"/>
+          </a:solidFill>
+          <a:ln>
+            <a:noFill/>
+          </a:ln>
+        </p:spPr>
+        <p:style>
+          <a:lnRef idx="2">
+            <a:schemeClr val="accent1">
+              <a:shade val="50000"/>
+            </a:schemeClr>
+          </a:lnRef>
+          <a:fillRef idx="1">
+            <a:schemeClr val="accent1"/>
+          </a:fillRef>
+          <a:effectRef idx="0">
+            <a:schemeClr val="accent1"/>
+          </a:effectRef>
+          <a:fontRef idx="minor">
+            <a:schemeClr val="lt1"/>
+          </a:fontRef>
+        </p:style>
+        <p:txBody>
+          <a:bodyPr rtlCol="0" anchor="ctr"/>
+          <a:lstStyle/>
+          <a:p>
+            <a:pPr algn="ctr"/>
+            <a:endParaRPr lang="hu-HU" dirty="0"/>
+          </a:p>
+        </p:txBody>
+      </p:sp>
+      <p:graphicFrame>
+        <p:nvGraphicFramePr>
+          <p:cNvPr id="5" name="Table 4">
+            <a:extLst>
+              <a:ext uri="{FF2B5EF4-FFF2-40B4-BE49-F238E27FC236}">
+                <a16:creationId xmlns:a16="http://schemas.microsoft.com/office/drawing/2014/main" id="{96FB0FB3-DF99-4A71-A0AA-283DF9A91AD9}"/>
+              </a:ext>
+            </a:extLst>
+          </p:cNvPr>
+          <p:cNvGraphicFramePr>
+            <a:graphicFrameLocks noGrp="1"/>
+          </p:cNvGraphicFramePr>
+          <p:nvPr>
+            <p:extLst/>
+          </p:nvPr>
+        </p:nvGraphicFramePr>
+        <p:xfrm>
+          <a:off x="0" y="6300132"/>
+          <a:ext cx="12192000" cy="553998"/>
+        </p:xfrm>
+        <a:graphic>
+          <a:graphicData uri="http://schemas.openxmlformats.org/drawingml/2006/table">
+            <a:tbl>
+              <a:tblPr firstRow="1" bandRow="1">
+                <a:tableStyleId>{5C22544A-7EE6-4342-B048-85BDC9FD1C3A}</a:tableStyleId>
+              </a:tblPr>
+              <a:tblGrid>
+                <a:gridCol w="3976382">
+                  <a:extLst>
+                    <a:ext uri="{9D8B030D-6E8A-4147-A177-3AD203B41FA5}">
+                      <a16:colId xmlns:a16="http://schemas.microsoft.com/office/drawing/2014/main" val="3182790378"/>
+                    </a:ext>
+                  </a:extLst>
+                </a:gridCol>
+                <a:gridCol w="6233020">
+                  <a:extLst>
+                    <a:ext uri="{9D8B030D-6E8A-4147-A177-3AD203B41FA5}">
+                      <a16:colId xmlns:a16="http://schemas.microsoft.com/office/drawing/2014/main" val="64276832"/>
+                    </a:ext>
+                  </a:extLst>
+                </a:gridCol>
+                <a:gridCol w="1982598">
+                  <a:extLst>
+                    <a:ext uri="{9D8B030D-6E8A-4147-A177-3AD203B41FA5}">
+                      <a16:colId xmlns:a16="http://schemas.microsoft.com/office/drawing/2014/main" val="3931946009"/>
+                    </a:ext>
+                  </a:extLst>
+                </a:gridCol>
+              </a:tblGrid>
+              <a:tr h="553998">
+                <a:tc>
+                  <a:txBody>
+                    <a:bodyPr/>
+                    <a:lstStyle/>
+                    <a:p>
+                      <a:r>
+                        <a:rPr lang="hu-HU" sz="1600" b="1" dirty="0">
+                          <a:solidFill>
+                            <a:schemeClr val="bg1"/>
+                          </a:solidFill>
+                          <a:effectLst>
+                            <a:outerShdw blurRad="50800" dist="38100" dir="2700000" algn="tl" rotWithShape="0">
+                              <a:prstClr val="black">
+                                <a:alpha val="40000"/>
+                              </a:prstClr>
+                            </a:outerShdw>
+                          </a:effectLst>
+                          <a:latin typeface="+mn-lt"/>
+                          <a:cs typeface="Miriam Fixed" panose="020B0604020202020204" pitchFamily="49" charset="-79"/>
+                        </a:rPr>
+                        <a:t>KEECO</a:t>
+                      </a:r>
+                    </a:p>
+                    <a:p>
+                      <a:r>
+                        <a:rPr lang="hu-HU" sz="1200" b="0" dirty="0" err="1">
+                          <a:solidFill>
+                            <a:schemeClr val="bg1"/>
+                          </a:solidFill>
+                          <a:effectLst>
+                            <a:outerShdw blurRad="50800" dist="38100" dir="2700000" algn="tl" rotWithShape="0">
+                              <a:prstClr val="black">
+                                <a:alpha val="40000"/>
+                              </a:prstClr>
+                            </a:outerShdw>
+                          </a:effectLst>
+                          <a:latin typeface="+mn-lt"/>
+                          <a:cs typeface="Miriam Fixed" panose="020B0604020202020204" pitchFamily="49" charset="-79"/>
+                        </a:rPr>
+                        <a:t>Knowledgeable</a:t>
+                      </a:r>
+                      <a:r>
+                        <a:rPr lang="hu-HU" sz="1200" b="0" dirty="0">
+                          <a:solidFill>
+                            <a:schemeClr val="bg1"/>
+                          </a:solidFill>
+                          <a:effectLst>
+                            <a:outerShdw blurRad="50800" dist="38100" dir="2700000" algn="tl" rotWithShape="0">
+                              <a:prstClr val="black">
+                                <a:alpha val="40000"/>
+                              </a:prstClr>
+                            </a:outerShdw>
+                          </a:effectLst>
+                          <a:latin typeface="+mn-lt"/>
+                          <a:cs typeface="Miriam Fixed" panose="020B0604020202020204" pitchFamily="49" charset="-79"/>
+                        </a:rPr>
+                        <a:t> </a:t>
+                      </a:r>
+                      <a:r>
+                        <a:rPr lang="hu-HU" sz="1200" b="0" dirty="0" err="1">
+                          <a:solidFill>
+                            <a:schemeClr val="bg1"/>
+                          </a:solidFill>
+                          <a:effectLst>
+                            <a:outerShdw blurRad="50800" dist="38100" dir="2700000" algn="tl" rotWithShape="0">
+                              <a:prstClr val="black">
+                                <a:alpha val="40000"/>
+                              </a:prstClr>
+                            </a:outerShdw>
+                          </a:effectLst>
+                          <a:latin typeface="+mn-lt"/>
+                          <a:cs typeface="Miriam Fixed" panose="020B0604020202020204" pitchFamily="49" charset="-79"/>
+                        </a:rPr>
+                        <a:t>Ecosystem</a:t>
+                      </a:r>
+                      <a:r>
+                        <a:rPr lang="hu-HU" sz="1200" b="0" dirty="0">
+                          <a:solidFill>
+                            <a:schemeClr val="bg1"/>
+                          </a:solidFill>
+                          <a:effectLst>
+                            <a:outerShdw blurRad="50800" dist="38100" dir="2700000" algn="tl" rotWithShape="0">
+                              <a:prstClr val="black">
+                                <a:alpha val="40000"/>
+                              </a:prstClr>
+                            </a:outerShdw>
+                          </a:effectLst>
+                          <a:latin typeface="+mn-lt"/>
+                          <a:cs typeface="Miriam Fixed" panose="020B0604020202020204" pitchFamily="49" charset="-79"/>
+                        </a:rPr>
+                        <a:t> </a:t>
+                      </a:r>
+                      <a:r>
+                        <a:rPr lang="hu-HU" sz="1200" b="0" dirty="0" err="1">
+                          <a:solidFill>
+                            <a:schemeClr val="bg1"/>
+                          </a:solidFill>
+                          <a:effectLst>
+                            <a:outerShdw blurRad="50800" dist="38100" dir="2700000" algn="tl" rotWithShape="0">
+                              <a:prstClr val="black">
+                                <a:alpha val="40000"/>
+                              </a:prstClr>
+                            </a:outerShdw>
+                          </a:effectLst>
+                          <a:latin typeface="+mn-lt"/>
+                          <a:cs typeface="Miriam Fixed" panose="020B0604020202020204" pitchFamily="49" charset="-79"/>
+                        </a:rPr>
+                        <a:t>for</a:t>
+                      </a:r>
+                      <a:r>
+                        <a:rPr lang="hu-HU" sz="1200" b="0" dirty="0">
+                          <a:solidFill>
+                            <a:schemeClr val="bg1"/>
+                          </a:solidFill>
+                          <a:effectLst>
+                            <a:outerShdw blurRad="50800" dist="38100" dir="2700000" algn="tl" rotWithShape="0">
+                              <a:prstClr val="black">
+                                <a:alpha val="40000"/>
+                              </a:prstClr>
+                            </a:outerShdw>
+                          </a:effectLst>
+                          <a:latin typeface="+mn-lt"/>
+                          <a:cs typeface="Miriam Fixed" panose="020B0604020202020204" pitchFamily="49" charset="-79"/>
+                        </a:rPr>
+                        <a:t> Establishment Control </a:t>
+                      </a:r>
+                      <a:r>
+                        <a:rPr lang="hu-HU" sz="1200" b="0" dirty="0" err="1">
+                          <a:solidFill>
+                            <a:schemeClr val="bg1"/>
+                          </a:solidFill>
+                          <a:effectLst>
+                            <a:outerShdw blurRad="50800" dist="38100" dir="2700000" algn="tl" rotWithShape="0">
+                              <a:prstClr val="black">
+                                <a:alpha val="40000"/>
+                              </a:prstClr>
+                            </a:outerShdw>
+                          </a:effectLst>
+                          <a:latin typeface="+mn-lt"/>
+                          <a:cs typeface="Miriam Fixed" panose="020B0604020202020204" pitchFamily="49" charset="-79"/>
+                        </a:rPr>
+                        <a:t>Objects</a:t>
+                      </a:r>
+                      <a:endParaRPr lang="hu-HU" sz="1200" b="0" dirty="0">
+                        <a:solidFill>
+                          <a:schemeClr val="bg1"/>
+                        </a:solidFill>
+                        <a:effectLst>
+                          <a:outerShdw blurRad="50800" dist="38100" dir="2700000" algn="tl" rotWithShape="0">
+                            <a:prstClr val="black">
+                              <a:alpha val="40000"/>
+                            </a:prstClr>
+                          </a:outerShdw>
+                        </a:effectLst>
+                        <a:latin typeface="+mn-lt"/>
+                        <a:cs typeface="Miriam Fixed" panose="020B0604020202020204" pitchFamily="49" charset="-79"/>
+                      </a:endParaRPr>
+                    </a:p>
+                  </a:txBody>
+                  <a:tcPr anchor="ctr">
+                    <a:lnL w="12700" cmpd="sng">
+                      <a:noFill/>
+                    </a:lnL>
+                    <a:lnR w="12700" cap="flat" cmpd="sng" algn="ctr">
+                      <a:solidFill>
+                        <a:schemeClr val="bg1"/>
+                      </a:solidFill>
+                      <a:prstDash val="solid"/>
+                      <a:round/>
+                      <a:headEnd type="none" w="med" len="med"/>
+                      <a:tailEnd type="none" w="med" len="med"/>
+                    </a:lnR>
+                    <a:lnT w="12700" cmpd="sng">
+                      <a:noFill/>
+                    </a:lnT>
+                    <a:lnB w="38100" cmpd="sng">
+                      <a:noFill/>
+                    </a:lnB>
+                    <a:lnTlToBr w="12700" cmpd="sng">
+                      <a:noFill/>
+                      <a:prstDash val="solid"/>
+                    </a:lnTlToBr>
+                    <a:lnBlToTr w="12700" cmpd="sng">
+                      <a:noFill/>
+                      <a:prstDash val="solid"/>
+                    </a:lnBlToTr>
+                    <a:noFill/>
+                  </a:tcPr>
+                </a:tc>
+                <a:tc>
+                  <a:txBody>
+                    <a:bodyPr/>
+                    <a:lstStyle/>
+                    <a:p>
+                      <a:pPr algn="ctr"/>
+                      <a:r>
+                        <a:rPr lang="hu-HU" sz="1400" b="0" dirty="0">
+                          <a:effectLst>
+                            <a:outerShdw blurRad="38100" dist="38100" dir="2700000" algn="tl">
+                              <a:srgbClr val="000000">
+                                <a:alpha val="43137"/>
+                              </a:srgbClr>
+                            </a:outerShdw>
+                          </a:effectLst>
+                        </a:rPr>
+                        <a:t>Project </a:t>
+                      </a:r>
+                      <a:r>
+                        <a:rPr lang="hu-HU" sz="1400" b="0" dirty="0" err="1">
+                          <a:effectLst>
+                            <a:outerShdw blurRad="38100" dist="38100" dir="2700000" algn="tl">
+                              <a:srgbClr val="000000">
+                                <a:alpha val="43137"/>
+                              </a:srgbClr>
+                            </a:outerShdw>
+                          </a:effectLst>
+                        </a:rPr>
+                        <a:t>initiation</a:t>
+                      </a:r>
+                      <a:r>
+                        <a:rPr lang="hu-HU" sz="1400" b="0" dirty="0">
+                          <a:effectLst>
+                            <a:outerShdw blurRad="38100" dist="38100" dir="2700000" algn="tl">
+                              <a:srgbClr val="000000">
+                                <a:alpha val="43137"/>
+                              </a:srgbClr>
+                            </a:outerShdw>
+                          </a:effectLst>
+                        </a:rPr>
+                        <a:t> </a:t>
+                      </a:r>
+                      <a:r>
+                        <a:rPr lang="hu-HU" sz="1400" b="0" dirty="0" err="1">
+                          <a:effectLst>
+                            <a:outerShdw blurRad="38100" dist="38100" dir="2700000" algn="tl">
+                              <a:srgbClr val="000000">
+                                <a:alpha val="43137"/>
+                              </a:srgbClr>
+                            </a:outerShdw>
+                          </a:effectLst>
+                        </a:rPr>
+                        <a:t>document</a:t>
+                      </a:r>
+                      <a:r>
+                        <a:rPr lang="hu-HU" sz="1400" b="0" dirty="0">
+                          <a:effectLst>
+                            <a:outerShdw blurRad="38100" dist="38100" dir="2700000" algn="tl">
+                              <a:srgbClr val="000000">
+                                <a:alpha val="43137"/>
+                              </a:srgbClr>
+                            </a:outerShdw>
+                          </a:effectLst>
+                        </a:rPr>
+                        <a:t> v 1.0</a:t>
+                      </a:r>
+                    </a:p>
+                  </a:txBody>
+                  <a:tcPr anchor="ctr">
+                    <a:lnL w="12700" cap="flat" cmpd="sng" algn="ctr">
+                      <a:solidFill>
+                        <a:schemeClr val="bg1"/>
+                      </a:solidFill>
+                      <a:prstDash val="solid"/>
+                      <a:round/>
+                      <a:headEnd type="none" w="med" len="med"/>
+                      <a:tailEnd type="none" w="med" len="med"/>
+                    </a:lnL>
+                    <a:lnR w="12700" cap="flat" cmpd="sng" algn="ctr">
+                      <a:solidFill>
+                        <a:schemeClr val="bg1"/>
+                      </a:solidFill>
+                      <a:prstDash val="solid"/>
+                      <a:round/>
+                      <a:headEnd type="none" w="med" len="med"/>
+                      <a:tailEnd type="none" w="med" len="med"/>
+                    </a:lnR>
+                    <a:lnT w="12700" cmpd="sng">
+                      <a:noFill/>
+                    </a:lnT>
+                    <a:lnB w="38100" cmpd="sng">
+                      <a:noFill/>
+                    </a:lnB>
+                    <a:lnTlToBr w="12700" cmpd="sng">
+                      <a:noFill/>
+                      <a:prstDash val="solid"/>
+                    </a:lnTlToBr>
+                    <a:lnBlToTr w="12700" cmpd="sng">
+                      <a:noFill/>
+                      <a:prstDash val="solid"/>
+                    </a:lnBlToTr>
+                    <a:noFill/>
+                  </a:tcPr>
+                </a:tc>
+                <a:tc>
+                  <a:txBody>
+                    <a:bodyPr/>
+                    <a:lstStyle/>
+                    <a:p>
+                      <a:pPr algn="r"/>
+                      <a:r>
+                        <a:rPr lang="hu-HU" sz="1200" dirty="0">
+                          <a:effectLst>
+                            <a:outerShdw blurRad="38100" dist="38100" dir="2700000" algn="tl">
+                              <a:srgbClr val="000000">
+                                <a:alpha val="43137"/>
+                              </a:srgbClr>
+                            </a:outerShdw>
+                          </a:effectLst>
+                        </a:rPr>
+                        <a:t>28th, December 2018.</a:t>
+                      </a:r>
+                    </a:p>
+                  </a:txBody>
+                  <a:tcPr anchor="ctr">
+                    <a:lnL w="12700" cap="flat" cmpd="sng" algn="ctr">
+                      <a:solidFill>
+                        <a:schemeClr val="bg1"/>
+                      </a:solidFill>
+                      <a:prstDash val="solid"/>
+                      <a:round/>
+                      <a:headEnd type="none" w="med" len="med"/>
+                      <a:tailEnd type="none" w="med" len="med"/>
+                    </a:lnL>
+                    <a:lnR w="12700" cmpd="sng">
+                      <a:noFill/>
+                    </a:lnR>
+                    <a:lnT w="12700" cmpd="sng">
+                      <a:noFill/>
+                    </a:lnT>
+                    <a:lnB w="38100" cmpd="sng">
+                      <a:noFill/>
+                    </a:lnB>
+                    <a:lnTlToBr w="12700" cmpd="sng">
+                      <a:noFill/>
+                      <a:prstDash val="solid"/>
+                    </a:lnTlToBr>
+                    <a:lnBlToTr w="12700" cmpd="sng">
+                      <a:noFill/>
+                      <a:prstDash val="solid"/>
+                    </a:lnBlToTr>
+                    <a:noFill/>
+                  </a:tcPr>
+                </a:tc>
+                <a:extLst>
+                  <a:ext uri="{0D108BD9-81ED-4DB2-BD59-A6C34878D82A}">
+                    <a16:rowId xmlns:a16="http://schemas.microsoft.com/office/drawing/2014/main" val="470580504"/>
+                  </a:ext>
+                </a:extLst>
+              </a:tr>
+            </a:tbl>
+          </a:graphicData>
+        </a:graphic>
+      </p:graphicFrame>
+      <p:sp>
+        <p:nvSpPr>
+          <p:cNvPr id="12" name="Content Placeholder 11">
+            <a:extLst>
+              <a:ext uri="{FF2B5EF4-FFF2-40B4-BE49-F238E27FC236}">
+                <a16:creationId xmlns:a16="http://schemas.microsoft.com/office/drawing/2014/main" id="{9C5D709B-9246-4442-8F04-37A4DC3C0031}"/>
+              </a:ext>
+            </a:extLst>
+          </p:cNvPr>
+          <p:cNvSpPr>
+            <a:spLocks noGrp="1"/>
+          </p:cNvSpPr>
+          <p:nvPr>
+            <p:ph sz="half" idx="1"/>
+          </p:nvPr>
+        </p:nvSpPr>
+        <p:spPr>
+          <a:xfrm>
+            <a:off x="0" y="681038"/>
+            <a:ext cx="12256316" cy="5495925"/>
+          </a:xfrm>
+        </p:spPr>
+        <p:txBody>
+          <a:bodyPr>
+            <a:normAutofit/>
+          </a:bodyPr>
+          <a:lstStyle/>
+          <a:p>
+            <a:pPr marL="514350" indent="-514350">
+              <a:buFont typeface="+mj-lt"/>
+              <a:buAutoNum type="arabicPeriod"/>
+            </a:pPr>
+            <a:r>
+              <a:rPr lang="hu-HU" sz="2400" dirty="0" err="1"/>
+              <a:t>Select</a:t>
+            </a:r>
+            <a:r>
+              <a:rPr lang="hu-HU" sz="2400" dirty="0"/>
+              <a:t> HW </a:t>
+            </a:r>
+            <a:r>
+              <a:rPr lang="hu-HU" sz="2400" dirty="0" err="1"/>
+              <a:t>to</a:t>
+            </a:r>
+            <a:r>
+              <a:rPr lang="hu-HU" sz="2400" dirty="0"/>
+              <a:t> be </a:t>
+            </a:r>
+            <a:r>
+              <a:rPr lang="hu-HU" sz="2400" dirty="0" err="1"/>
+              <a:t>supported</a:t>
+            </a:r>
+            <a:r>
+              <a:rPr lang="hu-HU" sz="2400" dirty="0"/>
+              <a:t> in </a:t>
+            </a:r>
+            <a:r>
+              <a:rPr lang="hu-HU" sz="2400" dirty="0" err="1"/>
+              <a:t>Phase</a:t>
+            </a:r>
+            <a:r>
+              <a:rPr lang="hu-HU" sz="2400" dirty="0"/>
+              <a:t> 1 </a:t>
+            </a:r>
+            <a:r>
+              <a:rPr lang="hu-HU" sz="2400" dirty="0" err="1"/>
+              <a:t>based</a:t>
+            </a:r>
+            <a:r>
+              <a:rPr lang="hu-HU" sz="2400" dirty="0"/>
+              <a:t> </a:t>
+            </a:r>
+            <a:r>
+              <a:rPr lang="hu-HU" sz="2400" dirty="0" err="1"/>
+              <a:t>on</a:t>
+            </a:r>
+            <a:r>
+              <a:rPr lang="hu-HU" sz="2400" dirty="0"/>
+              <a:t> </a:t>
+            </a:r>
+            <a:r>
+              <a:rPr lang="hu-HU" sz="2400" dirty="0" err="1"/>
+              <a:t>availability</a:t>
+            </a:r>
+            <a:r>
+              <a:rPr lang="hu-HU" sz="2400" dirty="0"/>
+              <a:t> – </a:t>
+            </a:r>
+            <a:r>
+              <a:rPr lang="hu-HU" sz="2400" dirty="0" err="1"/>
+              <a:t>Arduino</a:t>
+            </a:r>
+            <a:r>
+              <a:rPr lang="hu-HU" sz="2400" dirty="0"/>
+              <a:t> + </a:t>
+            </a:r>
+            <a:r>
+              <a:rPr lang="hu-HU" sz="2400" dirty="0" err="1"/>
+              <a:t>Wemos</a:t>
+            </a:r>
+            <a:r>
+              <a:rPr lang="hu-HU" sz="2400" dirty="0"/>
+              <a:t> ?</a:t>
+            </a:r>
+          </a:p>
+          <a:p>
+            <a:pPr marL="514350" indent="-514350">
+              <a:buFont typeface="+mj-lt"/>
+              <a:buAutoNum type="arabicPeriod"/>
+            </a:pPr>
+            <a:r>
+              <a:rPr lang="hu-HU" sz="2400" dirty="0" err="1"/>
+              <a:t>Select</a:t>
+            </a:r>
+            <a:r>
+              <a:rPr lang="hu-HU" sz="2400" dirty="0"/>
+              <a:t> Team </a:t>
+            </a:r>
+            <a:r>
+              <a:rPr lang="hu-HU" sz="2400" dirty="0" err="1"/>
+              <a:t>Leads</a:t>
+            </a:r>
+            <a:r>
+              <a:rPr lang="hu-HU" sz="2400" dirty="0"/>
+              <a:t> </a:t>
+            </a:r>
+            <a:r>
+              <a:rPr lang="hu-HU" sz="2400" dirty="0" err="1"/>
+              <a:t>for</a:t>
+            </a:r>
+            <a:r>
+              <a:rPr lang="hu-HU" sz="2400" dirty="0"/>
+              <a:t> </a:t>
+            </a:r>
+            <a:r>
+              <a:rPr lang="hu-HU" sz="2400" dirty="0" err="1"/>
+              <a:t>Node</a:t>
+            </a:r>
+            <a:r>
+              <a:rPr lang="hu-HU" sz="2400" dirty="0"/>
+              <a:t> and Server </a:t>
+            </a:r>
+            <a:r>
+              <a:rPr lang="hu-HU" sz="2400" dirty="0" err="1"/>
+              <a:t>side</a:t>
+            </a:r>
+            <a:endParaRPr lang="hu-HU" sz="2400" dirty="0"/>
+          </a:p>
+          <a:p>
+            <a:pPr marL="514350" indent="-514350">
+              <a:buFont typeface="+mj-lt"/>
+              <a:buAutoNum type="arabicPeriod"/>
+            </a:pPr>
+            <a:r>
+              <a:rPr lang="hu-HU" sz="2400" dirty="0"/>
+              <a:t>Team </a:t>
+            </a:r>
+            <a:r>
+              <a:rPr lang="hu-HU" sz="2400" dirty="0" err="1"/>
+              <a:t>Leads</a:t>
+            </a:r>
+            <a:r>
+              <a:rPr lang="hu-HU" sz="2400" dirty="0"/>
+              <a:t> </a:t>
+            </a:r>
+          </a:p>
+          <a:p>
+            <a:pPr marL="971550" lvl="1" indent="-514350">
+              <a:buFont typeface="+mj-lt"/>
+              <a:buAutoNum type="arabicPeriod"/>
+            </a:pPr>
+            <a:r>
+              <a:rPr lang="hu-HU" sz="2000" dirty="0" err="1"/>
+              <a:t>Define</a:t>
+            </a:r>
+            <a:r>
+              <a:rPr lang="hu-HU" sz="2000" dirty="0"/>
+              <a:t> </a:t>
+            </a:r>
+            <a:r>
+              <a:rPr lang="hu-HU" sz="2000" dirty="0" err="1"/>
+              <a:t>programming</a:t>
+            </a:r>
+            <a:r>
+              <a:rPr lang="hu-HU" sz="2000" dirty="0"/>
+              <a:t> </a:t>
+            </a:r>
+            <a:r>
+              <a:rPr lang="hu-HU" sz="2000" dirty="0" err="1"/>
+              <a:t>languages</a:t>
+            </a:r>
+            <a:r>
+              <a:rPr lang="hu-HU" sz="2000" dirty="0"/>
+              <a:t>, add-</a:t>
+            </a:r>
+            <a:r>
+              <a:rPr lang="hu-HU" sz="2000" dirty="0" err="1"/>
+              <a:t>ons</a:t>
+            </a:r>
+            <a:r>
+              <a:rPr lang="hu-HU" sz="2000" dirty="0"/>
+              <a:t> </a:t>
+            </a:r>
+          </a:p>
+          <a:p>
+            <a:pPr marL="971550" lvl="1" indent="-514350">
+              <a:buFont typeface="+mj-lt"/>
+              <a:buAutoNum type="arabicPeriod"/>
+            </a:pPr>
+            <a:r>
+              <a:rPr lang="hu-HU" sz="2000" dirty="0" err="1"/>
+              <a:t>Agree</a:t>
+            </a:r>
+            <a:r>
+              <a:rPr lang="hu-HU" sz="2000" dirty="0"/>
+              <a:t> </a:t>
+            </a:r>
+            <a:r>
+              <a:rPr lang="hu-HU" sz="2000" dirty="0" err="1"/>
+              <a:t>on</a:t>
+            </a:r>
+            <a:r>
+              <a:rPr lang="hu-HU" sz="2000" dirty="0"/>
+              <a:t> </a:t>
+            </a:r>
+            <a:r>
+              <a:rPr lang="hu-HU" sz="2000" dirty="0" err="1"/>
+              <a:t>data</a:t>
+            </a:r>
+            <a:r>
+              <a:rPr lang="hu-HU" sz="2000" dirty="0"/>
+              <a:t> </a:t>
+            </a:r>
+            <a:r>
+              <a:rPr lang="hu-HU" sz="2000" dirty="0" err="1"/>
+              <a:t>models</a:t>
+            </a:r>
+            <a:endParaRPr lang="hu-HU" sz="2000" dirty="0"/>
+          </a:p>
+          <a:p>
+            <a:pPr marL="514350" indent="-514350">
+              <a:buFont typeface="+mj-lt"/>
+              <a:buAutoNum type="arabicPeriod"/>
+            </a:pPr>
+            <a:r>
+              <a:rPr lang="hu-HU" sz="2400" dirty="0"/>
+              <a:t>Team </a:t>
+            </a:r>
+            <a:r>
+              <a:rPr lang="hu-HU" sz="2400" dirty="0" err="1"/>
+              <a:t>Leads</a:t>
+            </a:r>
+            <a:r>
+              <a:rPr lang="hu-HU" sz="2400" dirty="0"/>
+              <a:t> </a:t>
+            </a:r>
+          </a:p>
+          <a:p>
+            <a:pPr marL="971550" lvl="1" indent="-514350">
+              <a:buFont typeface="+mj-lt"/>
+              <a:buAutoNum type="arabicPeriod"/>
+            </a:pPr>
+            <a:r>
+              <a:rPr lang="hu-HU" sz="2000" dirty="0" err="1"/>
+              <a:t>Define</a:t>
+            </a:r>
+            <a:r>
+              <a:rPr lang="hu-HU" sz="2000" dirty="0"/>
+              <a:t> </a:t>
+            </a:r>
+            <a:r>
+              <a:rPr lang="hu-HU" sz="2000" dirty="0" err="1"/>
+              <a:t>sub-components</a:t>
+            </a:r>
+            <a:r>
+              <a:rPr lang="hu-HU" sz="2000" dirty="0"/>
+              <a:t> </a:t>
+            </a:r>
+          </a:p>
+          <a:p>
+            <a:pPr marL="971550" lvl="1" indent="-514350">
+              <a:buFont typeface="+mj-lt"/>
+              <a:buAutoNum type="arabicPeriod"/>
+            </a:pPr>
+            <a:r>
+              <a:rPr lang="hu-HU" sz="2000" dirty="0" err="1"/>
+              <a:t>Assign</a:t>
+            </a:r>
+            <a:r>
+              <a:rPr lang="hu-HU" sz="2000" dirty="0"/>
+              <a:t> </a:t>
+            </a:r>
+            <a:r>
+              <a:rPr lang="hu-HU" sz="2000" dirty="0" err="1"/>
+              <a:t>specifications</a:t>
+            </a:r>
+            <a:r>
+              <a:rPr lang="hu-HU" sz="2000" dirty="0"/>
+              <a:t> and </a:t>
+            </a:r>
+            <a:r>
+              <a:rPr lang="hu-HU" sz="2000" dirty="0" err="1"/>
+              <a:t>guidelines</a:t>
+            </a:r>
+            <a:r>
+              <a:rPr lang="hu-HU" sz="2000" dirty="0"/>
+              <a:t> </a:t>
+            </a:r>
+          </a:p>
+          <a:p>
+            <a:pPr marL="0" indent="0">
+              <a:buNone/>
+            </a:pPr>
+            <a:endParaRPr lang="hu-HU" dirty="0"/>
+          </a:p>
+        </p:txBody>
+      </p:sp>
+      <p:sp>
+        <p:nvSpPr>
+          <p:cNvPr id="10" name="Title 1">
+            <a:extLst>
+              <a:ext uri="{FF2B5EF4-FFF2-40B4-BE49-F238E27FC236}">
+                <a16:creationId xmlns:a16="http://schemas.microsoft.com/office/drawing/2014/main" id="{1524D559-F0B0-465A-98FA-9C3422E63469}"/>
+              </a:ext>
+            </a:extLst>
+          </p:cNvPr>
+          <p:cNvSpPr txBox="1">
+            <a:spLocks/>
+          </p:cNvSpPr>
+          <p:nvPr/>
+        </p:nvSpPr>
+        <p:spPr>
+          <a:xfrm>
+            <a:off x="0" y="1"/>
+            <a:ext cx="12192000" cy="557868"/>
+          </a:xfrm>
+          <a:prstGeom prst="rect">
+            <a:avLst/>
+          </a:prstGeom>
+        </p:spPr>
+        <p:txBody>
+          <a:bodyPr vert="horz" lIns="91440" tIns="45720" rIns="91440" bIns="45720" rtlCol="0" anchor="ctr">
+            <a:normAutofit fontScale="90000" lnSpcReduction="20000"/>
+          </a:bodyPr>
+          <a:lstStyle>
+            <a:lvl1pPr algn="l" defTabSz="914400" rtl="0" eaLnBrk="1" latinLnBrk="0" hangingPunct="1">
+              <a:lnSpc>
+                <a:spcPct val="90000"/>
+              </a:lnSpc>
+              <a:spcBef>
+                <a:spcPct val="0"/>
+              </a:spcBef>
+              <a:buNone/>
+              <a:defRPr sz="4400" kern="1200">
+                <a:solidFill>
+                  <a:schemeClr val="tx1"/>
+                </a:solidFill>
+                <a:latin typeface="+mj-lt"/>
+                <a:ea typeface="+mj-ea"/>
+                <a:cs typeface="+mj-cs"/>
+              </a:defRPr>
+            </a:lvl1pPr>
+          </a:lstStyle>
+          <a:p>
+            <a:r>
+              <a:rPr lang="hu-HU" dirty="0" err="1"/>
+              <a:t>Milestones</a:t>
+            </a:r>
+            <a:endParaRPr lang="hu-HU" dirty="0"/>
+          </a:p>
+        </p:txBody>
+      </p:sp>
+    </p:spTree>
+    <p:extLst>
+      <p:ext uri="{BB962C8B-B14F-4D97-AF65-F5344CB8AC3E}">
+        <p14:creationId xmlns:p14="http://schemas.microsoft.com/office/powerpoint/2010/main" val="3726327610"/>
       </p:ext>
     </p:extLst>
   </p:cSld>
@@ -4380,7 +6854,7 @@
           <p:nvPr>
             <p:extLst>
               <p:ext uri="{D42A27DB-BD31-4B8C-83A1-F6EECF244321}">
-                <p14:modId xmlns:p14="http://schemas.microsoft.com/office/powerpoint/2010/main" val="879624524"/>
+                <p14:modId xmlns:p14="http://schemas.microsoft.com/office/powerpoint/2010/main" val="3738580099"/>
               </p:ext>
             </p:extLst>
           </p:nvPr>
@@ -4728,7 +7202,7 @@
                             </a:outerShdw>
                           </a:effectLst>
                         </a:rPr>
-                        <a:t>25th, December 2018.</a:t>
+                        <a:t>28th, December 2018.</a:t>
                       </a:r>
                     </a:p>
                   </a:txBody>
@@ -5233,7 +7707,7 @@
           <p:nvPr>
             <p:extLst>
               <p:ext uri="{D42A27DB-BD31-4B8C-83A1-F6EECF244321}">
-                <p14:modId xmlns:p14="http://schemas.microsoft.com/office/powerpoint/2010/main" val="1464400262"/>
+                <p14:modId xmlns:p14="http://schemas.microsoft.com/office/powerpoint/2010/main" val="1402059942"/>
               </p:ext>
             </p:extLst>
           </p:nvPr>
@@ -5581,7 +8055,7 @@
                             </a:outerShdw>
                           </a:effectLst>
                         </a:rPr>
-                        <a:t>25th, December 2018.</a:t>
+                        <a:t>28th, December 2018.</a:t>
                       </a:r>
                     </a:p>
                   </a:txBody>
@@ -5762,7 +8236,7 @@
           <p:nvPr>
             <p:extLst>
               <p:ext uri="{D42A27DB-BD31-4B8C-83A1-F6EECF244321}">
-                <p14:modId xmlns:p14="http://schemas.microsoft.com/office/powerpoint/2010/main" val="858008510"/>
+                <p14:modId xmlns:p14="http://schemas.microsoft.com/office/powerpoint/2010/main" val="2725991791"/>
               </p:ext>
             </p:extLst>
           </p:nvPr>
@@ -6110,7 +8584,7 @@
                             </a:outerShdw>
                           </a:effectLst>
                         </a:rPr>
-                        <a:t>25th, December 2018.</a:t>
+                        <a:t>28th, December 2018.</a:t>
                       </a:r>
                     </a:p>
                   </a:txBody>
@@ -6287,7 +8761,26 @@
               <a:rPr lang="hu-HU" dirty="0" err="1"/>
               <a:t>future</a:t>
             </a:r>
-            <a:endParaRPr lang="hu-HU" dirty="0"/>
+            <a:r>
+              <a:rPr lang="hu-HU" dirty="0"/>
+              <a:t> (</a:t>
+            </a:r>
+            <a:r>
+              <a:rPr lang="hu-HU" dirty="0" err="1"/>
+              <a:t>Zwave</a:t>
+            </a:r>
+            <a:r>
+              <a:rPr lang="hu-HU" dirty="0"/>
+              <a:t>, </a:t>
+            </a:r>
+            <a:r>
+              <a:rPr lang="hu-HU" dirty="0" err="1"/>
+              <a:t>etc</a:t>
+            </a:r>
+            <a:r>
+              <a:rPr lang="hu-HU" dirty="0"/>
+              <a:t>…)</a:t>
+            </a:r>
           </a:p>
         </p:txBody>
       </p:sp>
@@ -7685,7 +10178,13 @@
           <p:cNvGraphicFramePr>
             <a:graphicFrameLocks noGrp="1"/>
           </p:cNvGraphicFramePr>
-          <p:nvPr/>
+          <p:nvPr>
+            <p:extLst>
+              <p:ext uri="{D42A27DB-BD31-4B8C-83A1-F6EECF244321}">
+                <p14:modId xmlns:p14="http://schemas.microsoft.com/office/powerpoint/2010/main" val="1603217082"/>
+              </p:ext>
+            </p:extLst>
+          </p:nvPr>
         </p:nvGraphicFramePr>
         <p:xfrm>
           <a:off x="0" y="6300132"/>
@@ -8030,7 +10529,7 @@
                             </a:outerShdw>
                           </a:effectLst>
                         </a:rPr>
-                        <a:t>25th, December 2018.</a:t>
+                        <a:t>28th, December 2018.</a:t>
                       </a:r>
                     </a:p>
                   </a:txBody>
@@ -9583,7 +12082,13 @@
           <p:cNvGraphicFramePr>
             <a:graphicFrameLocks noGrp="1"/>
           </p:cNvGraphicFramePr>
-          <p:nvPr/>
+          <p:nvPr>
+            <p:extLst>
+              <p:ext uri="{D42A27DB-BD31-4B8C-83A1-F6EECF244321}">
+                <p14:modId xmlns:p14="http://schemas.microsoft.com/office/powerpoint/2010/main" val="139392998"/>
+              </p:ext>
+            </p:extLst>
+          </p:nvPr>
         </p:nvGraphicFramePr>
         <p:xfrm>
           <a:off x="0" y="6300132"/>
@@ -9928,7 +12433,7 @@
                             </a:outerShdw>
                           </a:effectLst>
                         </a:rPr>
-                        <a:t>25th, December 2018.</a:t>
+                        <a:t>28th, December 2018.</a:t>
                       </a:r>
                     </a:p>
                   </a:txBody>
@@ -10910,7 +13415,13 @@
           <p:cNvGraphicFramePr>
             <a:graphicFrameLocks noGrp="1"/>
           </p:cNvGraphicFramePr>
-          <p:nvPr/>
+          <p:nvPr>
+            <p:extLst>
+              <p:ext uri="{D42A27DB-BD31-4B8C-83A1-F6EECF244321}">
+                <p14:modId xmlns:p14="http://schemas.microsoft.com/office/powerpoint/2010/main" val="3863293703"/>
+              </p:ext>
+            </p:extLst>
+          </p:nvPr>
         </p:nvGraphicFramePr>
         <p:xfrm>
           <a:off x="0" y="6300132"/>
@@ -11255,7 +13766,7 @@
                             </a:outerShdw>
                           </a:effectLst>
                         </a:rPr>
-                        <a:t>25th, December 2018.</a:t>
+                        <a:t>28th, December 2018.</a:t>
                       </a:r>
                     </a:p>
                   </a:txBody>
@@ -12442,8 +14953,8 @@
         </p:nvSpPr>
         <p:spPr>
           <a:xfrm>
-            <a:off x="2164620" y="3373953"/>
-            <a:ext cx="2442080" cy="646331"/>
+            <a:off x="2364194" y="3373953"/>
+            <a:ext cx="2042932" cy="646331"/>
           </a:xfrm>
           <a:prstGeom prst="rect">
             <a:avLst/>
@@ -12485,10 +14996,7 @@
               <a:rPr lang="hu-HU" sz="1200" dirty="0" err="1"/>
               <a:t>Values</a:t>
             </a:r>
-            <a:r>
-              <a:rPr lang="hu-HU" sz="1200" dirty="0"/>
-              <a:t>: JSON</a:t>
-            </a:r>
+            <a:endParaRPr lang="hu-HU" sz="1200" dirty="0"/>
           </a:p>
           <a:p>
             <a:pPr algn="ctr"/>
@@ -12498,15 +15006,7 @@
             </a:r>
             <a:r>
               <a:rPr lang="hu-HU" sz="1200" dirty="0"/>
-              <a:t> Data: </a:t>
-            </a:r>
-            <a:r>
-              <a:rPr lang="hu-HU" sz="1200" dirty="0" err="1"/>
-              <a:t>Binary</a:t>
-            </a:r>
-            <a:r>
-              <a:rPr lang="hu-HU" sz="1200" dirty="0"/>
-              <a:t> </a:t>
+              <a:t> Data</a:t>
             </a:r>
           </a:p>
         </p:txBody>
@@ -12931,10 +15431,2053 @@
           </a:p>
         </p:txBody>
       </p:sp>
+      <p:sp>
+        <p:nvSpPr>
+          <p:cNvPr id="30" name="Rectangle 29">
+            <a:extLst>
+              <a:ext uri="{FF2B5EF4-FFF2-40B4-BE49-F238E27FC236}">
+                <a16:creationId xmlns:a16="http://schemas.microsoft.com/office/drawing/2014/main" id="{A326D7E5-187E-4B48-8581-071542D05542}"/>
+              </a:ext>
+            </a:extLst>
+          </p:cNvPr>
+          <p:cNvSpPr/>
+          <p:nvPr/>
+        </p:nvSpPr>
+        <p:spPr>
+          <a:xfrm>
+            <a:off x="291769" y="5681011"/>
+            <a:ext cx="1716949" cy="557868"/>
+          </a:xfrm>
+          <a:prstGeom prst="rect">
+            <a:avLst/>
+          </a:prstGeom>
+          <a:solidFill>
+            <a:schemeClr val="bg2">
+              <a:lumMod val="50000"/>
+            </a:schemeClr>
+          </a:solidFill>
+          <a:ln w="57150">
+            <a:solidFill>
+              <a:schemeClr val="bg1">
+                <a:lumMod val="85000"/>
+              </a:schemeClr>
+            </a:solidFill>
+          </a:ln>
+        </p:spPr>
+        <p:style>
+          <a:lnRef idx="2">
+            <a:schemeClr val="accent6">
+              <a:shade val="50000"/>
+            </a:schemeClr>
+          </a:lnRef>
+          <a:fillRef idx="1">
+            <a:schemeClr val="accent6"/>
+          </a:fillRef>
+          <a:effectRef idx="0">
+            <a:schemeClr val="accent6"/>
+          </a:effectRef>
+          <a:fontRef idx="minor">
+            <a:schemeClr val="lt1"/>
+          </a:fontRef>
+        </p:style>
+        <p:txBody>
+          <a:bodyPr rtlCol="0" anchor="t"/>
+          <a:lstStyle/>
+          <a:p>
+            <a:pPr algn="ctr"/>
+            <a:r>
+              <a:rPr lang="hu-HU" sz="2400" b="1" dirty="0" err="1"/>
+              <a:t>User</a:t>
+            </a:r>
+            <a:r>
+              <a:rPr lang="hu-HU" sz="2400" b="1" dirty="0"/>
+              <a:t> </a:t>
+            </a:r>
+            <a:r>
+              <a:rPr lang="hu-HU" sz="2400" b="1" dirty="0" err="1"/>
+              <a:t>Client</a:t>
+            </a:r>
+            <a:endParaRPr lang="hu-HU" sz="2400" b="1" dirty="0"/>
+          </a:p>
+        </p:txBody>
+      </p:sp>
+      <p:cxnSp>
+        <p:nvCxnSpPr>
+          <p:cNvPr id="32" name="Straight Arrow Connector 31">
+            <a:extLst>
+              <a:ext uri="{FF2B5EF4-FFF2-40B4-BE49-F238E27FC236}">
+                <a16:creationId xmlns:a16="http://schemas.microsoft.com/office/drawing/2014/main" id="{F447E11C-C511-482B-9CC5-F7C9F165C0CD}"/>
+              </a:ext>
+            </a:extLst>
+          </p:cNvPr>
+          <p:cNvCxnSpPr>
+            <a:cxnSpLocks/>
+            <a:stCxn id="16" idx="2"/>
+            <a:endCxn id="30" idx="0"/>
+          </p:cNvCxnSpPr>
+          <p:nvPr/>
+        </p:nvCxnSpPr>
+        <p:spPr>
+          <a:xfrm flipH="1">
+            <a:off x="1150244" y="5319505"/>
+            <a:ext cx="1" cy="361506"/>
+          </a:xfrm>
+          <a:prstGeom prst="straightConnector1">
+            <a:avLst/>
+          </a:prstGeom>
+          <a:ln>
+            <a:headEnd type="triangle"/>
+            <a:tailEnd type="triangle"/>
+          </a:ln>
+        </p:spPr>
+        <p:style>
+          <a:lnRef idx="3">
+            <a:schemeClr val="accent2"/>
+          </a:lnRef>
+          <a:fillRef idx="0">
+            <a:schemeClr val="accent2"/>
+          </a:fillRef>
+          <a:effectRef idx="2">
+            <a:schemeClr val="accent2"/>
+          </a:effectRef>
+          <a:fontRef idx="minor">
+            <a:schemeClr val="tx1"/>
+          </a:fontRef>
+        </p:style>
+      </p:cxnSp>
+      <p:sp>
+        <p:nvSpPr>
+          <p:cNvPr id="34" name="TextBox 33">
+            <a:extLst>
+              <a:ext uri="{FF2B5EF4-FFF2-40B4-BE49-F238E27FC236}">
+                <a16:creationId xmlns:a16="http://schemas.microsoft.com/office/drawing/2014/main" id="{31CC710E-D4FD-4FB7-8D4F-3EAFEF4CA4D2}"/>
+              </a:ext>
+            </a:extLst>
+          </p:cNvPr>
+          <p:cNvSpPr txBox="1"/>
+          <p:nvPr/>
+        </p:nvSpPr>
+        <p:spPr>
+          <a:xfrm>
+            <a:off x="1119001" y="5434638"/>
+            <a:ext cx="513795" cy="276999"/>
+          </a:xfrm>
+          <a:prstGeom prst="rect">
+            <a:avLst/>
+          </a:prstGeom>
+          <a:noFill/>
+        </p:spPr>
+        <p:txBody>
+          <a:bodyPr wrap="none" rtlCol="0">
+            <a:spAutoFit/>
+          </a:bodyPr>
+          <a:lstStyle/>
+          <a:p>
+            <a:pPr algn="ctr"/>
+            <a:r>
+              <a:rPr lang="hu-HU" sz="1200" dirty="0"/>
+              <a:t>HTTP</a:t>
+            </a:r>
+          </a:p>
+        </p:txBody>
+      </p:sp>
     </p:spTree>
     <p:extLst>
       <p:ext uri="{BB962C8B-B14F-4D97-AF65-F5344CB8AC3E}">
         <p14:creationId xmlns:p14="http://schemas.microsoft.com/office/powerpoint/2010/main" val="2087668960"/>
+      </p:ext>
+    </p:extLst>
+  </p:cSld>
+  <p:clrMapOvr>
+    <a:masterClrMapping/>
+  </p:clrMapOvr>
+</p:sld>
+</file>
+
+<file path=ppt/slides/slide8.xml><?xml version="1.0" encoding="utf-8"?>
+<p:sld xmlns:a="http://schemas.openxmlformats.org/drawingml/2006/main" xmlns:r="http://schemas.openxmlformats.org/officeDocument/2006/relationships" xmlns:p="http://schemas.openxmlformats.org/presentationml/2006/main">
+  <p:cSld>
+    <p:spTree>
+      <p:nvGrpSpPr>
+        <p:cNvPr id="1" name=""/>
+        <p:cNvGrpSpPr/>
+        <p:nvPr/>
+      </p:nvGrpSpPr>
+      <p:grpSpPr>
+        <a:xfrm>
+          <a:off x="0" y="0"/>
+          <a:ext cx="0" cy="0"/>
+          <a:chOff x="0" y="0"/>
+          <a:chExt cx="0" cy="0"/>
+        </a:xfrm>
+      </p:grpSpPr>
+      <p:sp>
+        <p:nvSpPr>
+          <p:cNvPr id="4" name="Rectangle: Single Corner Snipped 3">
+            <a:extLst>
+              <a:ext uri="{FF2B5EF4-FFF2-40B4-BE49-F238E27FC236}">
+                <a16:creationId xmlns:a16="http://schemas.microsoft.com/office/drawing/2014/main" id="{D805B3B7-4AE0-4F4D-B96E-0E3172F52776}"/>
+              </a:ext>
+            </a:extLst>
+          </p:cNvPr>
+          <p:cNvSpPr/>
+          <p:nvPr/>
+        </p:nvSpPr>
+        <p:spPr>
+          <a:xfrm>
+            <a:off x="0" y="6300132"/>
+            <a:ext cx="12192000" cy="557868"/>
+          </a:xfrm>
+          <a:prstGeom prst="snip1Rect">
+            <a:avLst/>
+          </a:prstGeom>
+          <a:solidFill>
+            <a:srgbClr val="77CCD7"/>
+          </a:solidFill>
+          <a:ln>
+            <a:noFill/>
+          </a:ln>
+        </p:spPr>
+        <p:style>
+          <a:lnRef idx="2">
+            <a:schemeClr val="accent1">
+              <a:shade val="50000"/>
+            </a:schemeClr>
+          </a:lnRef>
+          <a:fillRef idx="1">
+            <a:schemeClr val="accent1"/>
+          </a:fillRef>
+          <a:effectRef idx="0">
+            <a:schemeClr val="accent1"/>
+          </a:effectRef>
+          <a:fontRef idx="minor">
+            <a:schemeClr val="lt1"/>
+          </a:fontRef>
+        </p:style>
+        <p:txBody>
+          <a:bodyPr rtlCol="0" anchor="ctr"/>
+          <a:lstStyle/>
+          <a:p>
+            <a:pPr algn="ctr"/>
+            <a:endParaRPr lang="hu-HU" dirty="0"/>
+          </a:p>
+        </p:txBody>
+      </p:sp>
+      <p:graphicFrame>
+        <p:nvGraphicFramePr>
+          <p:cNvPr id="5" name="Table 4">
+            <a:extLst>
+              <a:ext uri="{FF2B5EF4-FFF2-40B4-BE49-F238E27FC236}">
+                <a16:creationId xmlns:a16="http://schemas.microsoft.com/office/drawing/2014/main" id="{96FB0FB3-DF99-4A71-A0AA-283DF9A91AD9}"/>
+              </a:ext>
+            </a:extLst>
+          </p:cNvPr>
+          <p:cNvGraphicFramePr>
+            <a:graphicFrameLocks noGrp="1"/>
+          </p:cNvGraphicFramePr>
+          <p:nvPr>
+            <p:extLst/>
+          </p:nvPr>
+        </p:nvGraphicFramePr>
+        <p:xfrm>
+          <a:off x="0" y="6300132"/>
+          <a:ext cx="12192000" cy="553998"/>
+        </p:xfrm>
+        <a:graphic>
+          <a:graphicData uri="http://schemas.openxmlformats.org/drawingml/2006/table">
+            <a:tbl>
+              <a:tblPr firstRow="1" bandRow="1">
+                <a:tableStyleId>{5C22544A-7EE6-4342-B048-85BDC9FD1C3A}</a:tableStyleId>
+              </a:tblPr>
+              <a:tblGrid>
+                <a:gridCol w="3976382">
+                  <a:extLst>
+                    <a:ext uri="{9D8B030D-6E8A-4147-A177-3AD203B41FA5}">
+                      <a16:colId xmlns:a16="http://schemas.microsoft.com/office/drawing/2014/main" val="3182790378"/>
+                    </a:ext>
+                  </a:extLst>
+                </a:gridCol>
+                <a:gridCol w="6233020">
+                  <a:extLst>
+                    <a:ext uri="{9D8B030D-6E8A-4147-A177-3AD203B41FA5}">
+                      <a16:colId xmlns:a16="http://schemas.microsoft.com/office/drawing/2014/main" val="64276832"/>
+                    </a:ext>
+                  </a:extLst>
+                </a:gridCol>
+                <a:gridCol w="1982598">
+                  <a:extLst>
+                    <a:ext uri="{9D8B030D-6E8A-4147-A177-3AD203B41FA5}">
+                      <a16:colId xmlns:a16="http://schemas.microsoft.com/office/drawing/2014/main" val="3931946009"/>
+                    </a:ext>
+                  </a:extLst>
+                </a:gridCol>
+              </a:tblGrid>
+              <a:tr h="553998">
+                <a:tc>
+                  <a:txBody>
+                    <a:bodyPr/>
+                    <a:lstStyle/>
+                    <a:p>
+                      <a:r>
+                        <a:rPr lang="hu-HU" sz="1600" b="1" dirty="0">
+                          <a:solidFill>
+                            <a:schemeClr val="bg1"/>
+                          </a:solidFill>
+                          <a:effectLst>
+                            <a:outerShdw blurRad="50800" dist="38100" dir="2700000" algn="tl" rotWithShape="0">
+                              <a:prstClr val="black">
+                                <a:alpha val="40000"/>
+                              </a:prstClr>
+                            </a:outerShdw>
+                          </a:effectLst>
+                          <a:latin typeface="+mn-lt"/>
+                          <a:cs typeface="Miriam Fixed" panose="020B0604020202020204" pitchFamily="49" charset="-79"/>
+                        </a:rPr>
+                        <a:t>KEECO</a:t>
+                      </a:r>
+                    </a:p>
+                    <a:p>
+                      <a:r>
+                        <a:rPr lang="hu-HU" sz="1200" b="0" dirty="0" err="1">
+                          <a:solidFill>
+                            <a:schemeClr val="bg1"/>
+                          </a:solidFill>
+                          <a:effectLst>
+                            <a:outerShdw blurRad="50800" dist="38100" dir="2700000" algn="tl" rotWithShape="0">
+                              <a:prstClr val="black">
+                                <a:alpha val="40000"/>
+                              </a:prstClr>
+                            </a:outerShdw>
+                          </a:effectLst>
+                          <a:latin typeface="+mn-lt"/>
+                          <a:cs typeface="Miriam Fixed" panose="020B0604020202020204" pitchFamily="49" charset="-79"/>
+                        </a:rPr>
+                        <a:t>Knowledgeable</a:t>
+                      </a:r>
+                      <a:r>
+                        <a:rPr lang="hu-HU" sz="1200" b="0" dirty="0">
+                          <a:solidFill>
+                            <a:schemeClr val="bg1"/>
+                          </a:solidFill>
+                          <a:effectLst>
+                            <a:outerShdw blurRad="50800" dist="38100" dir="2700000" algn="tl" rotWithShape="0">
+                              <a:prstClr val="black">
+                                <a:alpha val="40000"/>
+                              </a:prstClr>
+                            </a:outerShdw>
+                          </a:effectLst>
+                          <a:latin typeface="+mn-lt"/>
+                          <a:cs typeface="Miriam Fixed" panose="020B0604020202020204" pitchFamily="49" charset="-79"/>
+                        </a:rPr>
+                        <a:t> </a:t>
+                      </a:r>
+                      <a:r>
+                        <a:rPr lang="hu-HU" sz="1200" b="0" dirty="0" err="1">
+                          <a:solidFill>
+                            <a:schemeClr val="bg1"/>
+                          </a:solidFill>
+                          <a:effectLst>
+                            <a:outerShdw blurRad="50800" dist="38100" dir="2700000" algn="tl" rotWithShape="0">
+                              <a:prstClr val="black">
+                                <a:alpha val="40000"/>
+                              </a:prstClr>
+                            </a:outerShdw>
+                          </a:effectLst>
+                          <a:latin typeface="+mn-lt"/>
+                          <a:cs typeface="Miriam Fixed" panose="020B0604020202020204" pitchFamily="49" charset="-79"/>
+                        </a:rPr>
+                        <a:t>Ecosystem</a:t>
+                      </a:r>
+                      <a:r>
+                        <a:rPr lang="hu-HU" sz="1200" b="0" dirty="0">
+                          <a:solidFill>
+                            <a:schemeClr val="bg1"/>
+                          </a:solidFill>
+                          <a:effectLst>
+                            <a:outerShdw blurRad="50800" dist="38100" dir="2700000" algn="tl" rotWithShape="0">
+                              <a:prstClr val="black">
+                                <a:alpha val="40000"/>
+                              </a:prstClr>
+                            </a:outerShdw>
+                          </a:effectLst>
+                          <a:latin typeface="+mn-lt"/>
+                          <a:cs typeface="Miriam Fixed" panose="020B0604020202020204" pitchFamily="49" charset="-79"/>
+                        </a:rPr>
+                        <a:t> </a:t>
+                      </a:r>
+                      <a:r>
+                        <a:rPr lang="hu-HU" sz="1200" b="0" dirty="0" err="1">
+                          <a:solidFill>
+                            <a:schemeClr val="bg1"/>
+                          </a:solidFill>
+                          <a:effectLst>
+                            <a:outerShdw blurRad="50800" dist="38100" dir="2700000" algn="tl" rotWithShape="0">
+                              <a:prstClr val="black">
+                                <a:alpha val="40000"/>
+                              </a:prstClr>
+                            </a:outerShdw>
+                          </a:effectLst>
+                          <a:latin typeface="+mn-lt"/>
+                          <a:cs typeface="Miriam Fixed" panose="020B0604020202020204" pitchFamily="49" charset="-79"/>
+                        </a:rPr>
+                        <a:t>for</a:t>
+                      </a:r>
+                      <a:r>
+                        <a:rPr lang="hu-HU" sz="1200" b="0" dirty="0">
+                          <a:solidFill>
+                            <a:schemeClr val="bg1"/>
+                          </a:solidFill>
+                          <a:effectLst>
+                            <a:outerShdw blurRad="50800" dist="38100" dir="2700000" algn="tl" rotWithShape="0">
+                              <a:prstClr val="black">
+                                <a:alpha val="40000"/>
+                              </a:prstClr>
+                            </a:outerShdw>
+                          </a:effectLst>
+                          <a:latin typeface="+mn-lt"/>
+                          <a:cs typeface="Miriam Fixed" panose="020B0604020202020204" pitchFamily="49" charset="-79"/>
+                        </a:rPr>
+                        <a:t> Establishment Control </a:t>
+                      </a:r>
+                      <a:r>
+                        <a:rPr lang="hu-HU" sz="1200" b="0" dirty="0" err="1">
+                          <a:solidFill>
+                            <a:schemeClr val="bg1"/>
+                          </a:solidFill>
+                          <a:effectLst>
+                            <a:outerShdw blurRad="50800" dist="38100" dir="2700000" algn="tl" rotWithShape="0">
+                              <a:prstClr val="black">
+                                <a:alpha val="40000"/>
+                              </a:prstClr>
+                            </a:outerShdw>
+                          </a:effectLst>
+                          <a:latin typeface="+mn-lt"/>
+                          <a:cs typeface="Miriam Fixed" panose="020B0604020202020204" pitchFamily="49" charset="-79"/>
+                        </a:rPr>
+                        <a:t>Objects</a:t>
+                      </a:r>
+                      <a:endParaRPr lang="hu-HU" sz="1200" b="0" dirty="0">
+                        <a:solidFill>
+                          <a:schemeClr val="bg1"/>
+                        </a:solidFill>
+                        <a:effectLst>
+                          <a:outerShdw blurRad="50800" dist="38100" dir="2700000" algn="tl" rotWithShape="0">
+                            <a:prstClr val="black">
+                              <a:alpha val="40000"/>
+                            </a:prstClr>
+                          </a:outerShdw>
+                        </a:effectLst>
+                        <a:latin typeface="+mn-lt"/>
+                        <a:cs typeface="Miriam Fixed" panose="020B0604020202020204" pitchFamily="49" charset="-79"/>
+                      </a:endParaRPr>
+                    </a:p>
+                  </a:txBody>
+                  <a:tcPr anchor="ctr">
+                    <a:lnL w="12700" cmpd="sng">
+                      <a:noFill/>
+                    </a:lnL>
+                    <a:lnR w="12700" cap="flat" cmpd="sng" algn="ctr">
+                      <a:solidFill>
+                        <a:schemeClr val="bg1"/>
+                      </a:solidFill>
+                      <a:prstDash val="solid"/>
+                      <a:round/>
+                      <a:headEnd type="none" w="med" len="med"/>
+                      <a:tailEnd type="none" w="med" len="med"/>
+                    </a:lnR>
+                    <a:lnT w="12700" cmpd="sng">
+                      <a:noFill/>
+                    </a:lnT>
+                    <a:lnB w="38100" cmpd="sng">
+                      <a:noFill/>
+                    </a:lnB>
+                    <a:lnTlToBr w="12700" cmpd="sng">
+                      <a:noFill/>
+                      <a:prstDash val="solid"/>
+                    </a:lnTlToBr>
+                    <a:lnBlToTr w="12700" cmpd="sng">
+                      <a:noFill/>
+                      <a:prstDash val="solid"/>
+                    </a:lnBlToTr>
+                    <a:noFill/>
+                  </a:tcPr>
+                </a:tc>
+                <a:tc>
+                  <a:txBody>
+                    <a:bodyPr/>
+                    <a:lstStyle/>
+                    <a:p>
+                      <a:pPr algn="ctr"/>
+                      <a:r>
+                        <a:rPr lang="hu-HU" sz="1400" b="0" dirty="0">
+                          <a:effectLst>
+                            <a:outerShdw blurRad="38100" dist="38100" dir="2700000" algn="tl">
+                              <a:srgbClr val="000000">
+                                <a:alpha val="43137"/>
+                              </a:srgbClr>
+                            </a:outerShdw>
+                          </a:effectLst>
+                        </a:rPr>
+                        <a:t>Project </a:t>
+                      </a:r>
+                      <a:r>
+                        <a:rPr lang="hu-HU" sz="1400" b="0" dirty="0" err="1">
+                          <a:effectLst>
+                            <a:outerShdw blurRad="38100" dist="38100" dir="2700000" algn="tl">
+                              <a:srgbClr val="000000">
+                                <a:alpha val="43137"/>
+                              </a:srgbClr>
+                            </a:outerShdw>
+                          </a:effectLst>
+                        </a:rPr>
+                        <a:t>initiation</a:t>
+                      </a:r>
+                      <a:r>
+                        <a:rPr lang="hu-HU" sz="1400" b="0" dirty="0">
+                          <a:effectLst>
+                            <a:outerShdw blurRad="38100" dist="38100" dir="2700000" algn="tl">
+                              <a:srgbClr val="000000">
+                                <a:alpha val="43137"/>
+                              </a:srgbClr>
+                            </a:outerShdw>
+                          </a:effectLst>
+                        </a:rPr>
+                        <a:t> </a:t>
+                      </a:r>
+                      <a:r>
+                        <a:rPr lang="hu-HU" sz="1400" b="0" dirty="0" err="1">
+                          <a:effectLst>
+                            <a:outerShdw blurRad="38100" dist="38100" dir="2700000" algn="tl">
+                              <a:srgbClr val="000000">
+                                <a:alpha val="43137"/>
+                              </a:srgbClr>
+                            </a:outerShdw>
+                          </a:effectLst>
+                        </a:rPr>
+                        <a:t>document</a:t>
+                      </a:r>
+                      <a:r>
+                        <a:rPr lang="hu-HU" sz="1400" b="0" dirty="0">
+                          <a:effectLst>
+                            <a:outerShdw blurRad="38100" dist="38100" dir="2700000" algn="tl">
+                              <a:srgbClr val="000000">
+                                <a:alpha val="43137"/>
+                              </a:srgbClr>
+                            </a:outerShdw>
+                          </a:effectLst>
+                        </a:rPr>
+                        <a:t> v 1.0</a:t>
+                      </a:r>
+                    </a:p>
+                  </a:txBody>
+                  <a:tcPr anchor="ctr">
+                    <a:lnL w="12700" cap="flat" cmpd="sng" algn="ctr">
+                      <a:solidFill>
+                        <a:schemeClr val="bg1"/>
+                      </a:solidFill>
+                      <a:prstDash val="solid"/>
+                      <a:round/>
+                      <a:headEnd type="none" w="med" len="med"/>
+                      <a:tailEnd type="none" w="med" len="med"/>
+                    </a:lnL>
+                    <a:lnR w="12700" cap="flat" cmpd="sng" algn="ctr">
+                      <a:solidFill>
+                        <a:schemeClr val="bg1"/>
+                      </a:solidFill>
+                      <a:prstDash val="solid"/>
+                      <a:round/>
+                      <a:headEnd type="none" w="med" len="med"/>
+                      <a:tailEnd type="none" w="med" len="med"/>
+                    </a:lnR>
+                    <a:lnT w="12700" cmpd="sng">
+                      <a:noFill/>
+                    </a:lnT>
+                    <a:lnB w="38100" cmpd="sng">
+                      <a:noFill/>
+                    </a:lnB>
+                    <a:lnTlToBr w="12700" cmpd="sng">
+                      <a:noFill/>
+                      <a:prstDash val="solid"/>
+                    </a:lnTlToBr>
+                    <a:lnBlToTr w="12700" cmpd="sng">
+                      <a:noFill/>
+                      <a:prstDash val="solid"/>
+                    </a:lnBlToTr>
+                    <a:noFill/>
+                  </a:tcPr>
+                </a:tc>
+                <a:tc>
+                  <a:txBody>
+                    <a:bodyPr/>
+                    <a:lstStyle/>
+                    <a:p>
+                      <a:pPr algn="r"/>
+                      <a:r>
+                        <a:rPr lang="hu-HU" sz="1200" dirty="0">
+                          <a:effectLst>
+                            <a:outerShdw blurRad="38100" dist="38100" dir="2700000" algn="tl">
+                              <a:srgbClr val="000000">
+                                <a:alpha val="43137"/>
+                              </a:srgbClr>
+                            </a:outerShdw>
+                          </a:effectLst>
+                        </a:rPr>
+                        <a:t>28th, December 2018.</a:t>
+                      </a:r>
+                    </a:p>
+                  </a:txBody>
+                  <a:tcPr anchor="ctr">
+                    <a:lnL w="12700" cap="flat" cmpd="sng" algn="ctr">
+                      <a:solidFill>
+                        <a:schemeClr val="bg1"/>
+                      </a:solidFill>
+                      <a:prstDash val="solid"/>
+                      <a:round/>
+                      <a:headEnd type="none" w="med" len="med"/>
+                      <a:tailEnd type="none" w="med" len="med"/>
+                    </a:lnL>
+                    <a:lnR w="12700" cmpd="sng">
+                      <a:noFill/>
+                    </a:lnR>
+                    <a:lnT w="12700" cmpd="sng">
+                      <a:noFill/>
+                    </a:lnT>
+                    <a:lnB w="38100" cmpd="sng">
+                      <a:noFill/>
+                    </a:lnB>
+                    <a:lnTlToBr w="12700" cmpd="sng">
+                      <a:noFill/>
+                      <a:prstDash val="solid"/>
+                    </a:lnTlToBr>
+                    <a:lnBlToTr w="12700" cmpd="sng">
+                      <a:noFill/>
+                      <a:prstDash val="solid"/>
+                    </a:lnBlToTr>
+                    <a:noFill/>
+                  </a:tcPr>
+                </a:tc>
+                <a:extLst>
+                  <a:ext uri="{0D108BD9-81ED-4DB2-BD59-A6C34878D82A}">
+                    <a16:rowId xmlns:a16="http://schemas.microsoft.com/office/drawing/2014/main" val="470580504"/>
+                  </a:ext>
+                </a:extLst>
+              </a:tr>
+            </a:tbl>
+          </a:graphicData>
+        </a:graphic>
+      </p:graphicFrame>
+      <p:sp>
+        <p:nvSpPr>
+          <p:cNvPr id="12" name="Content Placeholder 11">
+            <a:extLst>
+              <a:ext uri="{FF2B5EF4-FFF2-40B4-BE49-F238E27FC236}">
+                <a16:creationId xmlns:a16="http://schemas.microsoft.com/office/drawing/2014/main" id="{9C5D709B-9246-4442-8F04-37A4DC3C0031}"/>
+              </a:ext>
+            </a:extLst>
+          </p:cNvPr>
+          <p:cNvSpPr>
+            <a:spLocks noGrp="1"/>
+          </p:cNvSpPr>
+          <p:nvPr>
+            <p:ph sz="half" idx="1"/>
+          </p:nvPr>
+        </p:nvSpPr>
+        <p:spPr>
+          <a:xfrm>
+            <a:off x="0" y="681038"/>
+            <a:ext cx="6019800" cy="5495925"/>
+          </a:xfrm>
+        </p:spPr>
+        <p:txBody>
+          <a:bodyPr>
+            <a:normAutofit/>
+          </a:bodyPr>
+          <a:lstStyle/>
+          <a:p>
+            <a:r>
+              <a:rPr lang="hu-HU" dirty="0" err="1"/>
+              <a:t>Functionality</a:t>
+            </a:r>
+            <a:r>
+              <a:rPr lang="hu-HU" dirty="0"/>
+              <a:t> is </a:t>
+            </a:r>
+            <a:r>
+              <a:rPr lang="hu-HU" dirty="0" err="1"/>
+              <a:t>hard-coded</a:t>
+            </a:r>
+            <a:r>
+              <a:rPr lang="hu-HU" dirty="0"/>
+              <a:t> </a:t>
+            </a:r>
+            <a:r>
+              <a:rPr lang="hu-HU" dirty="0" err="1"/>
+              <a:t>at</a:t>
+            </a:r>
+            <a:r>
+              <a:rPr lang="hu-HU" dirty="0"/>
+              <a:t> </a:t>
+            </a:r>
+            <a:r>
+              <a:rPr lang="hu-HU" dirty="0" err="1"/>
+              <a:t>deployment</a:t>
+            </a:r>
+            <a:endParaRPr lang="hu-HU" dirty="0"/>
+          </a:p>
+          <a:p>
+            <a:pPr lvl="1"/>
+            <a:r>
+              <a:rPr lang="hu-HU" dirty="0" err="1"/>
+              <a:t>Source-code</a:t>
+            </a:r>
+            <a:r>
+              <a:rPr lang="hu-HU" dirty="0"/>
+              <a:t> </a:t>
+            </a:r>
+            <a:r>
+              <a:rPr lang="hu-HU" dirty="0" err="1"/>
+              <a:t>generated</a:t>
+            </a:r>
+            <a:r>
+              <a:rPr lang="hu-HU" dirty="0"/>
+              <a:t>, </a:t>
+            </a:r>
+            <a:r>
+              <a:rPr lang="hu-HU" dirty="0" err="1"/>
+              <a:t>compiled</a:t>
+            </a:r>
+            <a:r>
+              <a:rPr lang="hu-HU" dirty="0"/>
+              <a:t> and </a:t>
+            </a:r>
+            <a:r>
+              <a:rPr lang="hu-HU" dirty="0" err="1"/>
+              <a:t>deployed</a:t>
+            </a:r>
+            <a:r>
+              <a:rPr lang="hu-HU" dirty="0"/>
+              <a:t> </a:t>
+            </a:r>
+            <a:r>
+              <a:rPr lang="hu-HU" dirty="0" err="1"/>
+              <a:t>programmatically</a:t>
+            </a:r>
+            <a:r>
+              <a:rPr lang="hu-HU" dirty="0"/>
+              <a:t>. </a:t>
+            </a:r>
+            <a:r>
+              <a:rPr lang="hu-HU" dirty="0" err="1"/>
+              <a:t>Including</a:t>
+            </a:r>
+            <a:endParaRPr lang="hu-HU" dirty="0"/>
+          </a:p>
+          <a:p>
+            <a:pPr lvl="2"/>
+            <a:r>
+              <a:rPr lang="hu-HU" dirty="0"/>
+              <a:t>UUID</a:t>
+            </a:r>
+          </a:p>
+          <a:p>
+            <a:pPr lvl="2"/>
+            <a:r>
+              <a:rPr lang="hu-HU" dirty="0" err="1"/>
+              <a:t>Personalities</a:t>
+            </a:r>
+            <a:endParaRPr lang="hu-HU" dirty="0"/>
+          </a:p>
+          <a:p>
+            <a:pPr lvl="2"/>
+            <a:r>
+              <a:rPr lang="hu-HU" dirty="0" err="1"/>
+              <a:t>Autonomous</a:t>
+            </a:r>
+            <a:r>
+              <a:rPr lang="hu-HU" dirty="0"/>
+              <a:t> </a:t>
+            </a:r>
+            <a:r>
+              <a:rPr lang="hu-HU" dirty="0" err="1"/>
+              <a:t>function</a:t>
+            </a:r>
+            <a:endParaRPr lang="hu-HU" dirty="0"/>
+          </a:p>
+          <a:p>
+            <a:r>
+              <a:rPr lang="hu-HU" dirty="0" err="1"/>
+              <a:t>Stored</a:t>
+            </a:r>
+            <a:r>
+              <a:rPr lang="hu-HU" dirty="0"/>
+              <a:t> in EEPROM:</a:t>
+            </a:r>
+          </a:p>
+          <a:p>
+            <a:pPr lvl="1"/>
+            <a:r>
+              <a:rPr lang="hu-HU" dirty="0"/>
+              <a:t>Server IP </a:t>
+            </a:r>
+            <a:r>
+              <a:rPr lang="hu-HU" dirty="0" err="1"/>
+              <a:t>Address</a:t>
+            </a:r>
+            <a:endParaRPr lang="hu-HU" dirty="0"/>
+          </a:p>
+          <a:p>
+            <a:pPr lvl="1"/>
+            <a:r>
+              <a:rPr lang="hu-HU" dirty="0" err="1"/>
+              <a:t>Name</a:t>
+            </a:r>
+            <a:endParaRPr lang="hu-HU" dirty="0"/>
+          </a:p>
+          <a:p>
+            <a:pPr lvl="1"/>
+            <a:r>
+              <a:rPr lang="hu-HU" dirty="0" err="1"/>
+              <a:t>Description</a:t>
+            </a:r>
+            <a:endParaRPr lang="hu-HU" dirty="0"/>
+          </a:p>
+          <a:p>
+            <a:pPr lvl="1"/>
+            <a:r>
+              <a:rPr lang="hu-HU" dirty="0"/>
+              <a:t>Maybe </a:t>
+            </a:r>
+            <a:r>
+              <a:rPr lang="hu-HU" dirty="0" err="1"/>
+              <a:t>others</a:t>
+            </a:r>
+            <a:r>
+              <a:rPr lang="hu-HU" dirty="0"/>
+              <a:t> </a:t>
+            </a:r>
+            <a:r>
+              <a:rPr lang="hu-HU" dirty="0" err="1"/>
+              <a:t>depending</a:t>
+            </a:r>
+            <a:r>
+              <a:rPr lang="hu-HU" dirty="0"/>
+              <a:t> </a:t>
+            </a:r>
+            <a:r>
+              <a:rPr lang="hu-HU" dirty="0" err="1"/>
+              <a:t>on</a:t>
+            </a:r>
+            <a:r>
+              <a:rPr lang="hu-HU" dirty="0"/>
+              <a:t> </a:t>
+            </a:r>
+            <a:r>
+              <a:rPr lang="hu-HU" dirty="0" err="1"/>
+              <a:t>device</a:t>
+            </a:r>
+            <a:r>
+              <a:rPr lang="hu-HU" dirty="0"/>
+              <a:t> </a:t>
+            </a:r>
+            <a:r>
+              <a:rPr lang="hu-HU" dirty="0" err="1"/>
+              <a:t>capacity</a:t>
+            </a:r>
+            <a:endParaRPr lang="hu-HU" dirty="0"/>
+          </a:p>
+          <a:p>
+            <a:pPr lvl="2"/>
+            <a:endParaRPr lang="hu-HU" dirty="0"/>
+          </a:p>
+          <a:p>
+            <a:pPr lvl="2"/>
+            <a:endParaRPr lang="hu-HU" dirty="0"/>
+          </a:p>
+          <a:p>
+            <a:pPr lvl="1"/>
+            <a:endParaRPr lang="hu-HU" dirty="0"/>
+          </a:p>
+        </p:txBody>
+      </p:sp>
+      <p:sp>
+        <p:nvSpPr>
+          <p:cNvPr id="13" name="Content Placeholder 12">
+            <a:extLst>
+              <a:ext uri="{FF2B5EF4-FFF2-40B4-BE49-F238E27FC236}">
+                <a16:creationId xmlns:a16="http://schemas.microsoft.com/office/drawing/2014/main" id="{4BE2AF24-5A62-4CA7-BCCC-D5B3AFD5F6BE}"/>
+              </a:ext>
+            </a:extLst>
+          </p:cNvPr>
+          <p:cNvSpPr>
+            <a:spLocks noGrp="1"/>
+          </p:cNvSpPr>
+          <p:nvPr>
+            <p:ph sz="half" idx="2"/>
+          </p:nvPr>
+        </p:nvSpPr>
+        <p:spPr>
+          <a:xfrm>
+            <a:off x="6172200" y="681038"/>
+            <a:ext cx="6019800" cy="5495925"/>
+          </a:xfrm>
+        </p:spPr>
+        <p:txBody>
+          <a:bodyPr>
+            <a:normAutofit/>
+          </a:bodyPr>
+          <a:lstStyle/>
+          <a:p>
+            <a:pPr marL="0" indent="0">
+              <a:buNone/>
+            </a:pPr>
+            <a:r>
+              <a:rPr lang="hu-HU" dirty="0" err="1"/>
+              <a:t>Application</a:t>
+            </a:r>
+            <a:r>
+              <a:rPr lang="hu-HU" dirty="0"/>
+              <a:t> </a:t>
+            </a:r>
+            <a:r>
+              <a:rPr lang="hu-HU" dirty="0" err="1"/>
+              <a:t>Components</a:t>
+            </a:r>
+            <a:r>
+              <a:rPr lang="hu-HU" dirty="0"/>
+              <a:t> </a:t>
+            </a:r>
+            <a:r>
+              <a:rPr lang="hu-HU" dirty="0" err="1"/>
+              <a:t>that</a:t>
+            </a:r>
+            <a:r>
+              <a:rPr lang="hu-HU" dirty="0"/>
+              <a:t> </a:t>
+            </a:r>
+            <a:r>
+              <a:rPr lang="hu-HU" dirty="0" err="1"/>
+              <a:t>can</a:t>
+            </a:r>
+            <a:r>
+              <a:rPr lang="hu-HU" dirty="0"/>
+              <a:t> be </a:t>
+            </a:r>
+            <a:r>
+              <a:rPr lang="hu-HU" dirty="0" err="1"/>
+              <a:t>assigned</a:t>
+            </a:r>
+            <a:r>
+              <a:rPr lang="hu-HU" dirty="0"/>
+              <a:t> </a:t>
+            </a:r>
+            <a:r>
+              <a:rPr lang="hu-HU" dirty="0" err="1"/>
+              <a:t>to</a:t>
+            </a:r>
+            <a:r>
+              <a:rPr lang="hu-HU" dirty="0"/>
+              <a:t> </a:t>
+            </a:r>
+            <a:r>
+              <a:rPr lang="hu-HU" dirty="0" err="1"/>
+              <a:t>teams</a:t>
+            </a:r>
+            <a:r>
+              <a:rPr lang="hu-HU" dirty="0"/>
+              <a:t>:</a:t>
+            </a:r>
+          </a:p>
+          <a:p>
+            <a:r>
+              <a:rPr lang="hu-HU" dirty="0"/>
+              <a:t>Main </a:t>
+            </a:r>
+            <a:r>
+              <a:rPr lang="hu-HU" dirty="0" err="1"/>
+              <a:t>Application</a:t>
+            </a:r>
+            <a:r>
+              <a:rPr lang="hu-HU" dirty="0"/>
+              <a:t> </a:t>
+            </a:r>
+            <a:r>
+              <a:rPr lang="hu-HU" dirty="0" err="1"/>
+              <a:t>code</a:t>
+            </a:r>
+            <a:r>
+              <a:rPr lang="hu-HU" dirty="0"/>
+              <a:t> </a:t>
+            </a:r>
+            <a:r>
+              <a:rPr lang="hu-HU" dirty="0" err="1"/>
+              <a:t>written</a:t>
+            </a:r>
+            <a:r>
+              <a:rPr lang="hu-HU" dirty="0"/>
+              <a:t> in </a:t>
+            </a:r>
+            <a:r>
+              <a:rPr lang="hu-HU" dirty="0" err="1"/>
+              <a:t>Arduino</a:t>
+            </a:r>
+            <a:r>
+              <a:rPr lang="hu-HU" dirty="0"/>
+              <a:t> IDE</a:t>
+            </a:r>
+          </a:p>
+          <a:p>
+            <a:r>
+              <a:rPr lang="hu-HU" dirty="0"/>
+              <a:t>Webserver </a:t>
+            </a:r>
+            <a:r>
+              <a:rPr lang="hu-HU" dirty="0" err="1"/>
+              <a:t>written</a:t>
+            </a:r>
+            <a:r>
+              <a:rPr lang="hu-HU" dirty="0"/>
+              <a:t> in </a:t>
+            </a:r>
+            <a:r>
+              <a:rPr lang="hu-HU" dirty="0" err="1"/>
+              <a:t>Arduino</a:t>
+            </a:r>
+            <a:r>
+              <a:rPr lang="hu-HU" dirty="0"/>
+              <a:t> IDE </a:t>
+            </a:r>
+            <a:r>
+              <a:rPr lang="hu-HU" dirty="0" err="1"/>
+              <a:t>but</a:t>
+            </a:r>
+            <a:r>
+              <a:rPr lang="hu-HU" dirty="0"/>
+              <a:t> </a:t>
+            </a:r>
+            <a:r>
+              <a:rPr lang="hu-HU" dirty="0" err="1"/>
+              <a:t>using</a:t>
+            </a:r>
+            <a:r>
+              <a:rPr lang="hu-HU" dirty="0"/>
+              <a:t> node.js, charts.js ?</a:t>
+            </a:r>
+          </a:p>
+          <a:p>
+            <a:pPr lvl="1"/>
+            <a:endParaRPr lang="hu-HU" dirty="0"/>
+          </a:p>
+          <a:p>
+            <a:endParaRPr lang="hu-HU" dirty="0"/>
+          </a:p>
+        </p:txBody>
+      </p:sp>
+      <p:sp>
+        <p:nvSpPr>
+          <p:cNvPr id="10" name="Title 1">
+            <a:extLst>
+              <a:ext uri="{FF2B5EF4-FFF2-40B4-BE49-F238E27FC236}">
+                <a16:creationId xmlns:a16="http://schemas.microsoft.com/office/drawing/2014/main" id="{1524D559-F0B0-465A-98FA-9C3422E63469}"/>
+              </a:ext>
+            </a:extLst>
+          </p:cNvPr>
+          <p:cNvSpPr txBox="1">
+            <a:spLocks/>
+          </p:cNvSpPr>
+          <p:nvPr/>
+        </p:nvSpPr>
+        <p:spPr>
+          <a:xfrm>
+            <a:off x="0" y="1"/>
+            <a:ext cx="12192000" cy="557868"/>
+          </a:xfrm>
+          <a:prstGeom prst="rect">
+            <a:avLst/>
+          </a:prstGeom>
+        </p:spPr>
+        <p:txBody>
+          <a:bodyPr vert="horz" lIns="91440" tIns="45720" rIns="91440" bIns="45720" rtlCol="0" anchor="ctr">
+            <a:normAutofit fontScale="90000" lnSpcReduction="20000"/>
+          </a:bodyPr>
+          <a:lstStyle>
+            <a:lvl1pPr algn="l" defTabSz="914400" rtl="0" eaLnBrk="1" latinLnBrk="0" hangingPunct="1">
+              <a:lnSpc>
+                <a:spcPct val="90000"/>
+              </a:lnSpc>
+              <a:spcBef>
+                <a:spcPct val="0"/>
+              </a:spcBef>
+              <a:buNone/>
+              <a:defRPr sz="4400" kern="1200">
+                <a:solidFill>
+                  <a:schemeClr val="tx1"/>
+                </a:solidFill>
+                <a:latin typeface="+mj-lt"/>
+                <a:ea typeface="+mj-ea"/>
+                <a:cs typeface="+mj-cs"/>
+              </a:defRPr>
+            </a:lvl1pPr>
+          </a:lstStyle>
+          <a:p>
+            <a:r>
+              <a:rPr lang="hu-HU" dirty="0"/>
+              <a:t>End </a:t>
+            </a:r>
+            <a:r>
+              <a:rPr lang="hu-HU" dirty="0" err="1"/>
+              <a:t>Node</a:t>
+            </a:r>
+            <a:r>
+              <a:rPr lang="hu-HU" dirty="0"/>
+              <a:t> – Program </a:t>
+            </a:r>
+            <a:r>
+              <a:rPr lang="hu-HU" dirty="0" err="1"/>
+              <a:t>Components</a:t>
+            </a:r>
+            <a:endParaRPr lang="hu-HU" dirty="0"/>
+          </a:p>
+        </p:txBody>
+      </p:sp>
+    </p:spTree>
+    <p:extLst>
+      <p:ext uri="{BB962C8B-B14F-4D97-AF65-F5344CB8AC3E}">
+        <p14:creationId xmlns:p14="http://schemas.microsoft.com/office/powerpoint/2010/main" val="1130698005"/>
+      </p:ext>
+    </p:extLst>
+  </p:cSld>
+  <p:clrMapOvr>
+    <a:masterClrMapping/>
+  </p:clrMapOvr>
+</p:sld>
+</file>
+
+<file path=ppt/slides/slide9.xml><?xml version="1.0" encoding="utf-8"?>
+<p:sld xmlns:a="http://schemas.openxmlformats.org/drawingml/2006/main" xmlns:r="http://schemas.openxmlformats.org/officeDocument/2006/relationships" xmlns:p="http://schemas.openxmlformats.org/presentationml/2006/main">
+  <p:cSld>
+    <p:spTree>
+      <p:nvGrpSpPr>
+        <p:cNvPr id="1" name=""/>
+        <p:cNvGrpSpPr/>
+        <p:nvPr/>
+      </p:nvGrpSpPr>
+      <p:grpSpPr>
+        <a:xfrm>
+          <a:off x="0" y="0"/>
+          <a:ext cx="0" cy="0"/>
+          <a:chOff x="0" y="0"/>
+          <a:chExt cx="0" cy="0"/>
+        </a:xfrm>
+      </p:grpSpPr>
+      <p:sp>
+        <p:nvSpPr>
+          <p:cNvPr id="4" name="Rectangle: Single Corner Snipped 3">
+            <a:extLst>
+              <a:ext uri="{FF2B5EF4-FFF2-40B4-BE49-F238E27FC236}">
+                <a16:creationId xmlns:a16="http://schemas.microsoft.com/office/drawing/2014/main" id="{D805B3B7-4AE0-4F4D-B96E-0E3172F52776}"/>
+              </a:ext>
+            </a:extLst>
+          </p:cNvPr>
+          <p:cNvSpPr/>
+          <p:nvPr/>
+        </p:nvSpPr>
+        <p:spPr>
+          <a:xfrm>
+            <a:off x="0" y="6300132"/>
+            <a:ext cx="12192000" cy="557868"/>
+          </a:xfrm>
+          <a:prstGeom prst="snip1Rect">
+            <a:avLst/>
+          </a:prstGeom>
+          <a:solidFill>
+            <a:srgbClr val="77CCD7"/>
+          </a:solidFill>
+          <a:ln>
+            <a:noFill/>
+          </a:ln>
+        </p:spPr>
+        <p:style>
+          <a:lnRef idx="2">
+            <a:schemeClr val="accent1">
+              <a:shade val="50000"/>
+            </a:schemeClr>
+          </a:lnRef>
+          <a:fillRef idx="1">
+            <a:schemeClr val="accent1"/>
+          </a:fillRef>
+          <a:effectRef idx="0">
+            <a:schemeClr val="accent1"/>
+          </a:effectRef>
+          <a:fontRef idx="minor">
+            <a:schemeClr val="lt1"/>
+          </a:fontRef>
+        </p:style>
+        <p:txBody>
+          <a:bodyPr rtlCol="0" anchor="ctr"/>
+          <a:lstStyle/>
+          <a:p>
+            <a:pPr algn="ctr"/>
+            <a:endParaRPr lang="hu-HU" dirty="0"/>
+          </a:p>
+        </p:txBody>
+      </p:sp>
+      <p:graphicFrame>
+        <p:nvGraphicFramePr>
+          <p:cNvPr id="5" name="Table 4">
+            <a:extLst>
+              <a:ext uri="{FF2B5EF4-FFF2-40B4-BE49-F238E27FC236}">
+                <a16:creationId xmlns:a16="http://schemas.microsoft.com/office/drawing/2014/main" id="{96FB0FB3-DF99-4A71-A0AA-283DF9A91AD9}"/>
+              </a:ext>
+            </a:extLst>
+          </p:cNvPr>
+          <p:cNvGraphicFramePr>
+            <a:graphicFrameLocks noGrp="1"/>
+          </p:cNvGraphicFramePr>
+          <p:nvPr>
+            <p:extLst>
+              <p:ext uri="{D42A27DB-BD31-4B8C-83A1-F6EECF244321}">
+                <p14:modId xmlns:p14="http://schemas.microsoft.com/office/powerpoint/2010/main" val="3892518909"/>
+              </p:ext>
+            </p:extLst>
+          </p:nvPr>
+        </p:nvGraphicFramePr>
+        <p:xfrm>
+          <a:off x="0" y="6300132"/>
+          <a:ext cx="12192000" cy="553998"/>
+        </p:xfrm>
+        <a:graphic>
+          <a:graphicData uri="http://schemas.openxmlformats.org/drawingml/2006/table">
+            <a:tbl>
+              <a:tblPr firstRow="1" bandRow="1">
+                <a:tableStyleId>{5C22544A-7EE6-4342-B048-85BDC9FD1C3A}</a:tableStyleId>
+              </a:tblPr>
+              <a:tblGrid>
+                <a:gridCol w="3976382">
+                  <a:extLst>
+                    <a:ext uri="{9D8B030D-6E8A-4147-A177-3AD203B41FA5}">
+                      <a16:colId xmlns:a16="http://schemas.microsoft.com/office/drawing/2014/main" val="3182790378"/>
+                    </a:ext>
+                  </a:extLst>
+                </a:gridCol>
+                <a:gridCol w="6233020">
+                  <a:extLst>
+                    <a:ext uri="{9D8B030D-6E8A-4147-A177-3AD203B41FA5}">
+                      <a16:colId xmlns:a16="http://schemas.microsoft.com/office/drawing/2014/main" val="64276832"/>
+                    </a:ext>
+                  </a:extLst>
+                </a:gridCol>
+                <a:gridCol w="1982598">
+                  <a:extLst>
+                    <a:ext uri="{9D8B030D-6E8A-4147-A177-3AD203B41FA5}">
+                      <a16:colId xmlns:a16="http://schemas.microsoft.com/office/drawing/2014/main" val="3931946009"/>
+                    </a:ext>
+                  </a:extLst>
+                </a:gridCol>
+              </a:tblGrid>
+              <a:tr h="553998">
+                <a:tc>
+                  <a:txBody>
+                    <a:bodyPr/>
+                    <a:lstStyle/>
+                    <a:p>
+                      <a:r>
+                        <a:rPr lang="hu-HU" sz="1600" b="1" dirty="0">
+                          <a:solidFill>
+                            <a:schemeClr val="bg1"/>
+                          </a:solidFill>
+                          <a:effectLst>
+                            <a:outerShdw blurRad="50800" dist="38100" dir="2700000" algn="tl" rotWithShape="0">
+                              <a:prstClr val="black">
+                                <a:alpha val="40000"/>
+                              </a:prstClr>
+                            </a:outerShdw>
+                          </a:effectLst>
+                          <a:latin typeface="+mn-lt"/>
+                          <a:cs typeface="Miriam Fixed" panose="020B0604020202020204" pitchFamily="49" charset="-79"/>
+                        </a:rPr>
+                        <a:t>KEECO</a:t>
+                      </a:r>
+                    </a:p>
+                    <a:p>
+                      <a:r>
+                        <a:rPr lang="hu-HU" sz="1200" b="0" dirty="0" err="1">
+                          <a:solidFill>
+                            <a:schemeClr val="bg1"/>
+                          </a:solidFill>
+                          <a:effectLst>
+                            <a:outerShdw blurRad="50800" dist="38100" dir="2700000" algn="tl" rotWithShape="0">
+                              <a:prstClr val="black">
+                                <a:alpha val="40000"/>
+                              </a:prstClr>
+                            </a:outerShdw>
+                          </a:effectLst>
+                          <a:latin typeface="+mn-lt"/>
+                          <a:cs typeface="Miriam Fixed" panose="020B0604020202020204" pitchFamily="49" charset="-79"/>
+                        </a:rPr>
+                        <a:t>Knowledgeable</a:t>
+                      </a:r>
+                      <a:r>
+                        <a:rPr lang="hu-HU" sz="1200" b="0" dirty="0">
+                          <a:solidFill>
+                            <a:schemeClr val="bg1"/>
+                          </a:solidFill>
+                          <a:effectLst>
+                            <a:outerShdw blurRad="50800" dist="38100" dir="2700000" algn="tl" rotWithShape="0">
+                              <a:prstClr val="black">
+                                <a:alpha val="40000"/>
+                              </a:prstClr>
+                            </a:outerShdw>
+                          </a:effectLst>
+                          <a:latin typeface="+mn-lt"/>
+                          <a:cs typeface="Miriam Fixed" panose="020B0604020202020204" pitchFamily="49" charset="-79"/>
+                        </a:rPr>
+                        <a:t> </a:t>
+                      </a:r>
+                      <a:r>
+                        <a:rPr lang="hu-HU" sz="1200" b="0" dirty="0" err="1">
+                          <a:solidFill>
+                            <a:schemeClr val="bg1"/>
+                          </a:solidFill>
+                          <a:effectLst>
+                            <a:outerShdw blurRad="50800" dist="38100" dir="2700000" algn="tl" rotWithShape="0">
+                              <a:prstClr val="black">
+                                <a:alpha val="40000"/>
+                              </a:prstClr>
+                            </a:outerShdw>
+                          </a:effectLst>
+                          <a:latin typeface="+mn-lt"/>
+                          <a:cs typeface="Miriam Fixed" panose="020B0604020202020204" pitchFamily="49" charset="-79"/>
+                        </a:rPr>
+                        <a:t>Ecosystem</a:t>
+                      </a:r>
+                      <a:r>
+                        <a:rPr lang="hu-HU" sz="1200" b="0" dirty="0">
+                          <a:solidFill>
+                            <a:schemeClr val="bg1"/>
+                          </a:solidFill>
+                          <a:effectLst>
+                            <a:outerShdw blurRad="50800" dist="38100" dir="2700000" algn="tl" rotWithShape="0">
+                              <a:prstClr val="black">
+                                <a:alpha val="40000"/>
+                              </a:prstClr>
+                            </a:outerShdw>
+                          </a:effectLst>
+                          <a:latin typeface="+mn-lt"/>
+                          <a:cs typeface="Miriam Fixed" panose="020B0604020202020204" pitchFamily="49" charset="-79"/>
+                        </a:rPr>
+                        <a:t> </a:t>
+                      </a:r>
+                      <a:r>
+                        <a:rPr lang="hu-HU" sz="1200" b="0" dirty="0" err="1">
+                          <a:solidFill>
+                            <a:schemeClr val="bg1"/>
+                          </a:solidFill>
+                          <a:effectLst>
+                            <a:outerShdw blurRad="50800" dist="38100" dir="2700000" algn="tl" rotWithShape="0">
+                              <a:prstClr val="black">
+                                <a:alpha val="40000"/>
+                              </a:prstClr>
+                            </a:outerShdw>
+                          </a:effectLst>
+                          <a:latin typeface="+mn-lt"/>
+                          <a:cs typeface="Miriam Fixed" panose="020B0604020202020204" pitchFamily="49" charset="-79"/>
+                        </a:rPr>
+                        <a:t>for</a:t>
+                      </a:r>
+                      <a:r>
+                        <a:rPr lang="hu-HU" sz="1200" b="0" dirty="0">
+                          <a:solidFill>
+                            <a:schemeClr val="bg1"/>
+                          </a:solidFill>
+                          <a:effectLst>
+                            <a:outerShdw blurRad="50800" dist="38100" dir="2700000" algn="tl" rotWithShape="0">
+                              <a:prstClr val="black">
+                                <a:alpha val="40000"/>
+                              </a:prstClr>
+                            </a:outerShdw>
+                          </a:effectLst>
+                          <a:latin typeface="+mn-lt"/>
+                          <a:cs typeface="Miriam Fixed" panose="020B0604020202020204" pitchFamily="49" charset="-79"/>
+                        </a:rPr>
+                        <a:t> Establishment Control </a:t>
+                      </a:r>
+                      <a:r>
+                        <a:rPr lang="hu-HU" sz="1200" b="0" dirty="0" err="1">
+                          <a:solidFill>
+                            <a:schemeClr val="bg1"/>
+                          </a:solidFill>
+                          <a:effectLst>
+                            <a:outerShdw blurRad="50800" dist="38100" dir="2700000" algn="tl" rotWithShape="0">
+                              <a:prstClr val="black">
+                                <a:alpha val="40000"/>
+                              </a:prstClr>
+                            </a:outerShdw>
+                          </a:effectLst>
+                          <a:latin typeface="+mn-lt"/>
+                          <a:cs typeface="Miriam Fixed" panose="020B0604020202020204" pitchFamily="49" charset="-79"/>
+                        </a:rPr>
+                        <a:t>Objects</a:t>
+                      </a:r>
+                      <a:endParaRPr lang="hu-HU" sz="1200" b="0" dirty="0">
+                        <a:solidFill>
+                          <a:schemeClr val="bg1"/>
+                        </a:solidFill>
+                        <a:effectLst>
+                          <a:outerShdw blurRad="50800" dist="38100" dir="2700000" algn="tl" rotWithShape="0">
+                            <a:prstClr val="black">
+                              <a:alpha val="40000"/>
+                            </a:prstClr>
+                          </a:outerShdw>
+                        </a:effectLst>
+                        <a:latin typeface="+mn-lt"/>
+                        <a:cs typeface="Miriam Fixed" panose="020B0604020202020204" pitchFamily="49" charset="-79"/>
+                      </a:endParaRPr>
+                    </a:p>
+                  </a:txBody>
+                  <a:tcPr anchor="ctr">
+                    <a:lnL w="12700" cmpd="sng">
+                      <a:noFill/>
+                    </a:lnL>
+                    <a:lnR w="12700" cap="flat" cmpd="sng" algn="ctr">
+                      <a:solidFill>
+                        <a:schemeClr val="bg1"/>
+                      </a:solidFill>
+                      <a:prstDash val="solid"/>
+                      <a:round/>
+                      <a:headEnd type="none" w="med" len="med"/>
+                      <a:tailEnd type="none" w="med" len="med"/>
+                    </a:lnR>
+                    <a:lnT w="12700" cmpd="sng">
+                      <a:noFill/>
+                    </a:lnT>
+                    <a:lnB w="38100" cmpd="sng">
+                      <a:noFill/>
+                    </a:lnB>
+                    <a:lnTlToBr w="12700" cmpd="sng">
+                      <a:noFill/>
+                      <a:prstDash val="solid"/>
+                    </a:lnTlToBr>
+                    <a:lnBlToTr w="12700" cmpd="sng">
+                      <a:noFill/>
+                      <a:prstDash val="solid"/>
+                    </a:lnBlToTr>
+                    <a:noFill/>
+                  </a:tcPr>
+                </a:tc>
+                <a:tc>
+                  <a:txBody>
+                    <a:bodyPr/>
+                    <a:lstStyle/>
+                    <a:p>
+                      <a:pPr algn="ctr"/>
+                      <a:r>
+                        <a:rPr lang="hu-HU" sz="1400" b="0" dirty="0">
+                          <a:effectLst>
+                            <a:outerShdw blurRad="38100" dist="38100" dir="2700000" algn="tl">
+                              <a:srgbClr val="000000">
+                                <a:alpha val="43137"/>
+                              </a:srgbClr>
+                            </a:outerShdw>
+                          </a:effectLst>
+                        </a:rPr>
+                        <a:t>Project </a:t>
+                      </a:r>
+                      <a:r>
+                        <a:rPr lang="hu-HU" sz="1400" b="0" dirty="0" err="1">
+                          <a:effectLst>
+                            <a:outerShdw blurRad="38100" dist="38100" dir="2700000" algn="tl">
+                              <a:srgbClr val="000000">
+                                <a:alpha val="43137"/>
+                              </a:srgbClr>
+                            </a:outerShdw>
+                          </a:effectLst>
+                        </a:rPr>
+                        <a:t>initiation</a:t>
+                      </a:r>
+                      <a:r>
+                        <a:rPr lang="hu-HU" sz="1400" b="0" dirty="0">
+                          <a:effectLst>
+                            <a:outerShdw blurRad="38100" dist="38100" dir="2700000" algn="tl">
+                              <a:srgbClr val="000000">
+                                <a:alpha val="43137"/>
+                              </a:srgbClr>
+                            </a:outerShdw>
+                          </a:effectLst>
+                        </a:rPr>
+                        <a:t> </a:t>
+                      </a:r>
+                      <a:r>
+                        <a:rPr lang="hu-HU" sz="1400" b="0" dirty="0" err="1">
+                          <a:effectLst>
+                            <a:outerShdw blurRad="38100" dist="38100" dir="2700000" algn="tl">
+                              <a:srgbClr val="000000">
+                                <a:alpha val="43137"/>
+                              </a:srgbClr>
+                            </a:outerShdw>
+                          </a:effectLst>
+                        </a:rPr>
+                        <a:t>document</a:t>
+                      </a:r>
+                      <a:r>
+                        <a:rPr lang="hu-HU" sz="1400" b="0" dirty="0">
+                          <a:effectLst>
+                            <a:outerShdw blurRad="38100" dist="38100" dir="2700000" algn="tl">
+                              <a:srgbClr val="000000">
+                                <a:alpha val="43137"/>
+                              </a:srgbClr>
+                            </a:outerShdw>
+                          </a:effectLst>
+                        </a:rPr>
+                        <a:t> v 1.0</a:t>
+                      </a:r>
+                    </a:p>
+                  </a:txBody>
+                  <a:tcPr anchor="ctr">
+                    <a:lnL w="12700" cap="flat" cmpd="sng" algn="ctr">
+                      <a:solidFill>
+                        <a:schemeClr val="bg1"/>
+                      </a:solidFill>
+                      <a:prstDash val="solid"/>
+                      <a:round/>
+                      <a:headEnd type="none" w="med" len="med"/>
+                      <a:tailEnd type="none" w="med" len="med"/>
+                    </a:lnL>
+                    <a:lnR w="12700" cap="flat" cmpd="sng" algn="ctr">
+                      <a:solidFill>
+                        <a:schemeClr val="bg1"/>
+                      </a:solidFill>
+                      <a:prstDash val="solid"/>
+                      <a:round/>
+                      <a:headEnd type="none" w="med" len="med"/>
+                      <a:tailEnd type="none" w="med" len="med"/>
+                    </a:lnR>
+                    <a:lnT w="12700" cmpd="sng">
+                      <a:noFill/>
+                    </a:lnT>
+                    <a:lnB w="38100" cmpd="sng">
+                      <a:noFill/>
+                    </a:lnB>
+                    <a:lnTlToBr w="12700" cmpd="sng">
+                      <a:noFill/>
+                      <a:prstDash val="solid"/>
+                    </a:lnTlToBr>
+                    <a:lnBlToTr w="12700" cmpd="sng">
+                      <a:noFill/>
+                      <a:prstDash val="solid"/>
+                    </a:lnBlToTr>
+                    <a:noFill/>
+                  </a:tcPr>
+                </a:tc>
+                <a:tc>
+                  <a:txBody>
+                    <a:bodyPr/>
+                    <a:lstStyle/>
+                    <a:p>
+                      <a:pPr algn="r"/>
+                      <a:r>
+                        <a:rPr lang="hu-HU" sz="1200" dirty="0">
+                          <a:effectLst>
+                            <a:outerShdw blurRad="38100" dist="38100" dir="2700000" algn="tl">
+                              <a:srgbClr val="000000">
+                                <a:alpha val="43137"/>
+                              </a:srgbClr>
+                            </a:outerShdw>
+                          </a:effectLst>
+                        </a:rPr>
+                        <a:t>28th, December 2018.</a:t>
+                      </a:r>
+                    </a:p>
+                  </a:txBody>
+                  <a:tcPr anchor="ctr">
+                    <a:lnL w="12700" cap="flat" cmpd="sng" algn="ctr">
+                      <a:solidFill>
+                        <a:schemeClr val="bg1"/>
+                      </a:solidFill>
+                      <a:prstDash val="solid"/>
+                      <a:round/>
+                      <a:headEnd type="none" w="med" len="med"/>
+                      <a:tailEnd type="none" w="med" len="med"/>
+                    </a:lnL>
+                    <a:lnR w="12700" cmpd="sng">
+                      <a:noFill/>
+                    </a:lnR>
+                    <a:lnT w="12700" cmpd="sng">
+                      <a:noFill/>
+                    </a:lnT>
+                    <a:lnB w="38100" cmpd="sng">
+                      <a:noFill/>
+                    </a:lnB>
+                    <a:lnTlToBr w="12700" cmpd="sng">
+                      <a:noFill/>
+                      <a:prstDash val="solid"/>
+                    </a:lnTlToBr>
+                    <a:lnBlToTr w="12700" cmpd="sng">
+                      <a:noFill/>
+                      <a:prstDash val="solid"/>
+                    </a:lnBlToTr>
+                    <a:noFill/>
+                  </a:tcPr>
+                </a:tc>
+                <a:extLst>
+                  <a:ext uri="{0D108BD9-81ED-4DB2-BD59-A6C34878D82A}">
+                    <a16:rowId xmlns:a16="http://schemas.microsoft.com/office/drawing/2014/main" val="470580504"/>
+                  </a:ext>
+                </a:extLst>
+              </a:tr>
+            </a:tbl>
+          </a:graphicData>
+        </a:graphic>
+      </p:graphicFrame>
+      <p:sp>
+        <p:nvSpPr>
+          <p:cNvPr id="12" name="Content Placeholder 11">
+            <a:extLst>
+              <a:ext uri="{FF2B5EF4-FFF2-40B4-BE49-F238E27FC236}">
+                <a16:creationId xmlns:a16="http://schemas.microsoft.com/office/drawing/2014/main" id="{9C5D709B-9246-4442-8F04-37A4DC3C0031}"/>
+              </a:ext>
+            </a:extLst>
+          </p:cNvPr>
+          <p:cNvSpPr>
+            <a:spLocks noGrp="1"/>
+          </p:cNvSpPr>
+          <p:nvPr>
+            <p:ph sz="half" idx="1"/>
+          </p:nvPr>
+        </p:nvSpPr>
+        <p:spPr>
+          <a:xfrm>
+            <a:off x="0" y="681038"/>
+            <a:ext cx="6019800" cy="5495925"/>
+          </a:xfrm>
+        </p:spPr>
+        <p:txBody>
+          <a:bodyPr>
+            <a:normAutofit lnSpcReduction="10000"/>
+          </a:bodyPr>
+          <a:lstStyle/>
+          <a:p>
+            <a:r>
+              <a:rPr lang="hu-HU" dirty="0" err="1"/>
+              <a:t>Node</a:t>
+            </a:r>
+            <a:r>
+              <a:rPr lang="hu-HU" dirty="0"/>
+              <a:t> </a:t>
+            </a:r>
+            <a:r>
+              <a:rPr lang="hu-HU" dirty="0" err="1"/>
+              <a:t>scoped</a:t>
+            </a:r>
+            <a:r>
+              <a:rPr lang="hu-HU" dirty="0"/>
+              <a:t> </a:t>
+            </a:r>
+            <a:r>
+              <a:rPr lang="hu-HU" dirty="0" err="1"/>
+              <a:t>properties</a:t>
+            </a:r>
+            <a:endParaRPr lang="hu-HU" dirty="0"/>
+          </a:p>
+          <a:p>
+            <a:pPr lvl="1"/>
+            <a:r>
+              <a:rPr lang="hu-HU" dirty="0"/>
+              <a:t>UUID</a:t>
+            </a:r>
+          </a:p>
+          <a:p>
+            <a:pPr lvl="1"/>
+            <a:r>
+              <a:rPr lang="hu-HU" dirty="0" err="1"/>
+              <a:t>Alias</a:t>
+            </a:r>
+            <a:endParaRPr lang="hu-HU" dirty="0"/>
+          </a:p>
+          <a:p>
+            <a:pPr lvl="1"/>
+            <a:r>
+              <a:rPr lang="hu-HU" dirty="0" err="1"/>
+              <a:t>Description</a:t>
+            </a:r>
+            <a:endParaRPr lang="hu-HU" dirty="0"/>
+          </a:p>
+          <a:p>
+            <a:pPr lvl="1"/>
+            <a:r>
+              <a:rPr lang="hu-HU" dirty="0" err="1"/>
+              <a:t>Personalities</a:t>
+            </a:r>
+            <a:endParaRPr lang="hu-HU" dirty="0"/>
+          </a:p>
+          <a:p>
+            <a:r>
+              <a:rPr lang="hu-HU" dirty="0" err="1"/>
+              <a:t>Personality</a:t>
+            </a:r>
+            <a:r>
+              <a:rPr lang="hu-HU" dirty="0"/>
+              <a:t> </a:t>
+            </a:r>
+            <a:r>
+              <a:rPr lang="hu-HU" dirty="0" err="1"/>
+              <a:t>scoped</a:t>
+            </a:r>
+            <a:r>
+              <a:rPr lang="hu-HU" dirty="0"/>
+              <a:t> </a:t>
+            </a:r>
+            <a:r>
+              <a:rPr lang="hu-HU" dirty="0" err="1"/>
+              <a:t>properties</a:t>
+            </a:r>
+            <a:endParaRPr lang="hu-HU" dirty="0"/>
+          </a:p>
+          <a:p>
+            <a:pPr lvl="1"/>
+            <a:r>
+              <a:rPr lang="hu-HU" dirty="0"/>
+              <a:t>UUID</a:t>
+            </a:r>
+          </a:p>
+          <a:p>
+            <a:pPr lvl="1"/>
+            <a:r>
+              <a:rPr lang="hu-HU" dirty="0" err="1"/>
+              <a:t>Alias</a:t>
+            </a:r>
+            <a:endParaRPr lang="hu-HU" dirty="0"/>
+          </a:p>
+          <a:p>
+            <a:pPr lvl="1"/>
+            <a:r>
+              <a:rPr lang="hu-HU" dirty="0" err="1"/>
+              <a:t>Description</a:t>
+            </a:r>
+            <a:endParaRPr lang="hu-HU" dirty="0"/>
+          </a:p>
+          <a:p>
+            <a:pPr lvl="1"/>
+            <a:r>
+              <a:rPr lang="hu-HU" dirty="0" err="1"/>
+              <a:t>Type</a:t>
+            </a:r>
+            <a:r>
+              <a:rPr lang="hu-HU" dirty="0"/>
+              <a:t> (</a:t>
+            </a:r>
+            <a:r>
+              <a:rPr lang="hu-HU" dirty="0" err="1"/>
+              <a:t>Analog</a:t>
+            </a:r>
+            <a:r>
+              <a:rPr lang="hu-HU" dirty="0"/>
+              <a:t>, Digital, </a:t>
+            </a:r>
+            <a:r>
+              <a:rPr lang="hu-HU" dirty="0" err="1"/>
+              <a:t>Misc</a:t>
+            </a:r>
+            <a:r>
+              <a:rPr lang="hu-HU" dirty="0"/>
+              <a:t>)</a:t>
+            </a:r>
+          </a:p>
+          <a:p>
+            <a:pPr lvl="1"/>
+            <a:r>
+              <a:rPr lang="hu-HU" dirty="0" err="1"/>
+              <a:t>Direction</a:t>
+            </a:r>
+            <a:r>
+              <a:rPr lang="hu-HU" dirty="0"/>
+              <a:t> (Input, Output)</a:t>
+            </a:r>
+          </a:p>
+          <a:p>
+            <a:pPr lvl="1"/>
+            <a:r>
+              <a:rPr lang="hu-HU" dirty="0"/>
+              <a:t>Is </a:t>
+            </a:r>
+            <a:r>
+              <a:rPr lang="hu-HU" dirty="0" err="1"/>
+              <a:t>Buffered</a:t>
+            </a:r>
+            <a:r>
+              <a:rPr lang="hu-HU" dirty="0"/>
+              <a:t>?</a:t>
+            </a:r>
+          </a:p>
+          <a:p>
+            <a:pPr lvl="1"/>
+            <a:r>
+              <a:rPr lang="hu-HU" dirty="0" err="1"/>
+              <a:t>PowerUp</a:t>
+            </a:r>
+            <a:r>
+              <a:rPr lang="hu-HU" dirty="0"/>
+              <a:t> </a:t>
+            </a:r>
+            <a:r>
+              <a:rPr lang="hu-HU" dirty="0" err="1"/>
+              <a:t>Synch</a:t>
+            </a:r>
+            <a:r>
+              <a:rPr lang="hu-HU" dirty="0"/>
+              <a:t> </a:t>
+            </a:r>
+            <a:r>
+              <a:rPr lang="hu-HU" dirty="0" err="1"/>
+              <a:t>Direction</a:t>
+            </a:r>
+            <a:r>
+              <a:rPr lang="hu-HU" dirty="0"/>
+              <a:t> (</a:t>
+            </a:r>
+            <a:r>
+              <a:rPr lang="hu-HU" dirty="0" err="1"/>
+              <a:t>to</a:t>
+            </a:r>
+            <a:r>
+              <a:rPr lang="hu-HU" dirty="0"/>
+              <a:t>/</a:t>
+            </a:r>
+            <a:r>
+              <a:rPr lang="hu-HU" dirty="0" err="1"/>
+              <a:t>from</a:t>
+            </a:r>
+            <a:r>
+              <a:rPr lang="hu-HU" dirty="0"/>
+              <a:t> Server)</a:t>
+            </a:r>
+          </a:p>
+        </p:txBody>
+      </p:sp>
+      <p:sp>
+        <p:nvSpPr>
+          <p:cNvPr id="13" name="Content Placeholder 12">
+            <a:extLst>
+              <a:ext uri="{FF2B5EF4-FFF2-40B4-BE49-F238E27FC236}">
+                <a16:creationId xmlns:a16="http://schemas.microsoft.com/office/drawing/2014/main" id="{4BE2AF24-5A62-4CA7-BCCC-D5B3AFD5F6BE}"/>
+              </a:ext>
+            </a:extLst>
+          </p:cNvPr>
+          <p:cNvSpPr>
+            <a:spLocks noGrp="1"/>
+          </p:cNvSpPr>
+          <p:nvPr>
+            <p:ph sz="half" idx="2"/>
+          </p:nvPr>
+        </p:nvSpPr>
+        <p:spPr>
+          <a:xfrm>
+            <a:off x="6172200" y="681038"/>
+            <a:ext cx="6019800" cy="5495925"/>
+          </a:xfrm>
+        </p:spPr>
+        <p:txBody>
+          <a:bodyPr>
+            <a:normAutofit lnSpcReduction="10000"/>
+          </a:bodyPr>
+          <a:lstStyle/>
+          <a:p>
+            <a:r>
+              <a:rPr lang="hu-HU" dirty="0"/>
+              <a:t>Data </a:t>
+            </a:r>
+            <a:r>
+              <a:rPr lang="hu-HU" dirty="0" err="1"/>
+              <a:t>Packet</a:t>
+            </a:r>
+            <a:endParaRPr lang="hu-HU" dirty="0"/>
+          </a:p>
+          <a:p>
+            <a:pPr lvl="1"/>
+            <a:r>
+              <a:rPr lang="hu-HU" dirty="0"/>
+              <a:t>Data </a:t>
+            </a:r>
+            <a:r>
+              <a:rPr lang="hu-HU" dirty="0" err="1"/>
+              <a:t>Length</a:t>
+            </a:r>
+            <a:r>
+              <a:rPr lang="hu-HU" dirty="0"/>
+              <a:t> (</a:t>
+            </a:r>
+            <a:r>
+              <a:rPr lang="hu-HU" dirty="0" err="1"/>
+              <a:t>if</a:t>
+            </a:r>
+            <a:r>
+              <a:rPr lang="hu-HU" dirty="0"/>
+              <a:t> </a:t>
+            </a:r>
+            <a:r>
+              <a:rPr lang="hu-HU" dirty="0" err="1"/>
+              <a:t>needed</a:t>
+            </a:r>
+            <a:r>
+              <a:rPr lang="hu-HU" dirty="0"/>
+              <a:t>?)</a:t>
+            </a:r>
+          </a:p>
+          <a:p>
+            <a:pPr lvl="1"/>
+            <a:r>
+              <a:rPr lang="hu-HU" dirty="0" err="1"/>
+              <a:t>Representation</a:t>
+            </a:r>
+            <a:endParaRPr lang="hu-HU" dirty="0"/>
+          </a:p>
+          <a:p>
+            <a:pPr lvl="1"/>
+            <a:r>
+              <a:rPr lang="hu-HU" dirty="0"/>
+              <a:t>Data</a:t>
+            </a:r>
+          </a:p>
+          <a:p>
+            <a:r>
+              <a:rPr lang="hu-HU" dirty="0" err="1"/>
+              <a:t>Autonomous</a:t>
+            </a:r>
+            <a:r>
+              <a:rPr lang="hu-HU" dirty="0"/>
+              <a:t> I/O </a:t>
+            </a:r>
+            <a:r>
+              <a:rPr lang="hu-HU" dirty="0" err="1"/>
+              <a:t>Handling</a:t>
+            </a:r>
+            <a:r>
+              <a:rPr lang="hu-HU" dirty="0"/>
+              <a:t> Data</a:t>
+            </a:r>
+          </a:p>
+          <a:p>
+            <a:pPr lvl="1"/>
+            <a:r>
+              <a:rPr lang="hu-HU" dirty="0" err="1"/>
+              <a:t>Enabled</a:t>
+            </a:r>
+            <a:r>
+              <a:rPr lang="hu-HU" dirty="0"/>
+              <a:t>?</a:t>
+            </a:r>
+          </a:p>
+          <a:p>
+            <a:pPr lvl="1"/>
+            <a:r>
+              <a:rPr lang="hu-HU" dirty="0" err="1"/>
+              <a:t>Inputs</a:t>
+            </a:r>
+            <a:r>
+              <a:rPr lang="hu-HU" dirty="0"/>
+              <a:t>/</a:t>
+            </a:r>
+            <a:r>
+              <a:rPr lang="hu-HU" dirty="0" err="1"/>
+              <a:t>Outputs</a:t>
+            </a:r>
+            <a:r>
+              <a:rPr lang="hu-HU" dirty="0"/>
+              <a:t>/</a:t>
+            </a:r>
+            <a:r>
+              <a:rPr lang="hu-HU" dirty="0" err="1"/>
+              <a:t>Relation</a:t>
+            </a:r>
+            <a:r>
+              <a:rPr lang="hu-HU" dirty="0"/>
+              <a:t> – Read-</a:t>
+            </a:r>
+            <a:r>
+              <a:rPr lang="hu-HU" dirty="0" err="1"/>
+              <a:t>Only</a:t>
+            </a:r>
+            <a:endParaRPr lang="hu-HU" dirty="0"/>
+          </a:p>
+          <a:p>
+            <a:pPr lvl="1"/>
+            <a:endParaRPr lang="hu-HU" dirty="0"/>
+          </a:p>
+          <a:p>
+            <a:endParaRPr lang="hu-HU" dirty="0"/>
+          </a:p>
+        </p:txBody>
+      </p:sp>
+      <p:sp>
+        <p:nvSpPr>
+          <p:cNvPr id="10" name="Title 1">
+            <a:extLst>
+              <a:ext uri="{FF2B5EF4-FFF2-40B4-BE49-F238E27FC236}">
+                <a16:creationId xmlns:a16="http://schemas.microsoft.com/office/drawing/2014/main" id="{1524D559-F0B0-465A-98FA-9C3422E63469}"/>
+              </a:ext>
+            </a:extLst>
+          </p:cNvPr>
+          <p:cNvSpPr txBox="1">
+            <a:spLocks/>
+          </p:cNvSpPr>
+          <p:nvPr/>
+        </p:nvSpPr>
+        <p:spPr>
+          <a:xfrm>
+            <a:off x="0" y="1"/>
+            <a:ext cx="12192000" cy="557868"/>
+          </a:xfrm>
+          <a:prstGeom prst="rect">
+            <a:avLst/>
+          </a:prstGeom>
+        </p:spPr>
+        <p:txBody>
+          <a:bodyPr vert="horz" lIns="91440" tIns="45720" rIns="91440" bIns="45720" rtlCol="0" anchor="ctr">
+            <a:normAutofit fontScale="90000" lnSpcReduction="20000"/>
+          </a:bodyPr>
+          <a:lstStyle>
+            <a:lvl1pPr algn="l" defTabSz="914400" rtl="0" eaLnBrk="1" latinLnBrk="0" hangingPunct="1">
+              <a:lnSpc>
+                <a:spcPct val="90000"/>
+              </a:lnSpc>
+              <a:spcBef>
+                <a:spcPct val="0"/>
+              </a:spcBef>
+              <a:buNone/>
+              <a:defRPr sz="4400" kern="1200">
+                <a:solidFill>
+                  <a:schemeClr val="tx1"/>
+                </a:solidFill>
+                <a:latin typeface="+mj-lt"/>
+                <a:ea typeface="+mj-ea"/>
+                <a:cs typeface="+mj-cs"/>
+              </a:defRPr>
+            </a:lvl1pPr>
+          </a:lstStyle>
+          <a:p>
+            <a:r>
+              <a:rPr lang="hu-HU" dirty="0"/>
+              <a:t>End </a:t>
+            </a:r>
+            <a:r>
+              <a:rPr lang="hu-HU" dirty="0" err="1"/>
+              <a:t>Node</a:t>
+            </a:r>
+            <a:r>
+              <a:rPr lang="hu-HU" dirty="0"/>
+              <a:t> – Data </a:t>
+            </a:r>
+            <a:r>
+              <a:rPr lang="hu-HU" dirty="0" err="1"/>
+              <a:t>Models</a:t>
+            </a:r>
+            <a:endParaRPr lang="hu-HU" dirty="0"/>
+          </a:p>
+        </p:txBody>
+      </p:sp>
+    </p:spTree>
+    <p:extLst>
+      <p:ext uri="{BB962C8B-B14F-4D97-AF65-F5344CB8AC3E}">
+        <p14:creationId xmlns:p14="http://schemas.microsoft.com/office/powerpoint/2010/main" val="3581679378"/>
       </p:ext>
     </p:extLst>
   </p:cSld>
